--- a/0.참고자료/지난 기획자료/(03.15)자바A조캘린더(수정-2).pptx
+++ b/0.참고자료/지난 기획자료/(03.15)자바A조캘린더(수정-2).pptx
@@ -6,17 +6,18 @@
     <p:sldMasterId id="2147483743" r:id="rId2"/>
   </p:sldMasterIdLst>
   <p:notesMasterIdLst>
-    <p:notesMasterId r:id="rId11"/>
+    <p:notesMasterId r:id="rId12"/>
   </p:notesMasterIdLst>
   <p:sldIdLst>
     <p:sldId id="256" r:id="rId3"/>
     <p:sldId id="257" r:id="rId4"/>
-    <p:sldId id="258" r:id="rId5"/>
+    <p:sldId id="265" r:id="rId5"/>
     <p:sldId id="259" r:id="rId6"/>
     <p:sldId id="260" r:id="rId7"/>
-    <p:sldId id="261" r:id="rId8"/>
-    <p:sldId id="262" r:id="rId9"/>
-    <p:sldId id="263" r:id="rId10"/>
+    <p:sldId id="264" r:id="rId8"/>
+    <p:sldId id="261" r:id="rId9"/>
+    <p:sldId id="266" r:id="rId10"/>
+    <p:sldId id="263" r:id="rId11"/>
   </p:sldIdLst>
   <p:sldSz cx="12187238" cy="6854825"/>
   <p:notesSz cx="6858000" cy="9144000"/>
@@ -225,7 +226,7 @@
               <a:pPr lvl="0">
                 <a:defRPr/>
               </a:pPr>
-              <a:t>2022-03-15</a:t>
+              <a:t>2022-03-25</a:t>
             </a:fld>
             <a:endParaRPr lang="ko-KR" altLang="en-US"/>
           </a:p>
@@ -692,7 +693,7 @@
             <a:fld id="{D8D7A7C4-C82A-4D21-9AB0-F0C5A1D3EF09}" type="datetime1">
               <a:rPr lang="ko-KR" altLang="en-US" smtClean="0"/>
               <a:pPr/>
-              <a:t>2022-03-15</a:t>
+              <a:t>2022-03-25</a:t>
             </a:fld>
             <a:endParaRPr lang="ko-KR" altLang="en-US"/>
           </a:p>
@@ -811,7 +812,7 @@
             <a:fld id="{D8D7A7C4-C82A-4D21-9AB0-F0C5A1D3EF09}" type="datetimeFigureOut">
               <a:rPr lang="ko-KR" altLang="en-US" smtClean="0"/>
               <a:pPr/>
-              <a:t>2022-03-15</a:t>
+              <a:t>2022-03-25</a:t>
             </a:fld>
             <a:endParaRPr lang="ko-KR" altLang="en-US"/>
           </a:p>
@@ -1011,7 +1012,7 @@
             <a:fld id="{D8D7A7C4-C82A-4D21-9AB0-F0C5A1D3EF09}" type="datetimeFigureOut">
               <a:rPr lang="ko-KR" altLang="en-US" smtClean="0"/>
               <a:pPr/>
-              <a:t>2022-03-15</a:t>
+              <a:t>2022-03-25</a:t>
             </a:fld>
             <a:endParaRPr lang="ko-KR" altLang="en-US"/>
           </a:p>
@@ -1186,7 +1187,7 @@
             <a:fld id="{D8D7A7C4-C82A-4D21-9AB0-F0C5A1D3EF09}" type="datetimeFigureOut">
               <a:rPr lang="ko-KR" altLang="en-US" smtClean="0"/>
               <a:pPr/>
-              <a:t>2022-03-15</a:t>
+              <a:t>2022-03-25</a:t>
             </a:fld>
             <a:endParaRPr lang="ko-KR" altLang="en-US"/>
           </a:p>
@@ -1423,7 +1424,7 @@
             <a:fld id="{D8D7A7C4-C82A-4D21-9AB0-F0C5A1D3EF09}" type="datetime1">
               <a:rPr lang="ko-KR" altLang="en-US" smtClean="0"/>
               <a:pPr/>
-              <a:t>2022-03-15</a:t>
+              <a:t>2022-03-25</a:t>
             </a:fld>
             <a:endParaRPr lang="ko-KR" altLang="en-US"/>
           </a:p>
@@ -1588,7 +1589,7 @@
             <a:fld id="{D8D7A7C4-C82A-4D21-9AB0-F0C5A1D3EF09}" type="datetimeFigureOut">
               <a:rPr lang="ko-KR" altLang="en-US" smtClean="0"/>
               <a:pPr/>
-              <a:t>2022-03-15</a:t>
+              <a:t>2022-03-25</a:t>
             </a:fld>
             <a:endParaRPr lang="ko-KR" altLang="en-US"/>
           </a:p>
@@ -1680,7 +1681,7 @@
             <a:fld id="{D8D7A7C4-C82A-4D21-9AB0-F0C5A1D3EF09}" type="datetimeFigureOut">
               <a:rPr lang="ko-KR" altLang="en-US" smtClean="0"/>
               <a:pPr/>
-              <a:t>2022-03-15</a:t>
+              <a:t>2022-03-25</a:t>
             </a:fld>
             <a:endParaRPr lang="ko-KR" altLang="en-US"/>
           </a:p>
@@ -1922,7 +1923,7 @@
             <a:fld id="{D8D7A7C4-C82A-4D21-9AB0-F0C5A1D3EF09}" type="datetimeFigureOut">
               <a:rPr lang="ko-KR" altLang="en-US" smtClean="0"/>
               <a:pPr/>
-              <a:t>2022-03-15</a:t>
+              <a:t>2022-03-25</a:t>
             </a:fld>
             <a:endParaRPr lang="ko-KR" altLang="en-US"/>
           </a:p>
@@ -2204,7 +2205,7 @@
             <a:fld id="{D8D7A7C4-C82A-4D21-9AB0-F0C5A1D3EF09}" type="datetimeFigureOut">
               <a:rPr lang="ko-KR" altLang="en-US" smtClean="0"/>
               <a:pPr/>
-              <a:t>2022-03-15</a:t>
+              <a:t>2022-03-25</a:t>
             </a:fld>
             <a:endParaRPr lang="ko-KR" altLang="en-US"/>
           </a:p>
@@ -2318,7 +2319,7 @@
             <a:fld id="{D8D7A7C4-C82A-4D21-9AB0-F0C5A1D3EF09}" type="datetimeFigureOut">
               <a:rPr lang="ko-KR" altLang="en-US" smtClean="0"/>
               <a:pPr/>
-              <a:t>2022-03-15</a:t>
+              <a:t>2022-03-25</a:t>
             </a:fld>
             <a:endParaRPr lang="ko-KR" altLang="en-US"/>
           </a:p>
@@ -2465,7 +2466,7 @@
             <a:fld id="{D8D7A7C4-C82A-4D21-9AB0-F0C5A1D3EF09}" type="datetimeFigureOut">
               <a:rPr lang="ko-KR" altLang="en-US" smtClean="0"/>
               <a:pPr/>
-              <a:t>2022-03-15</a:t>
+              <a:t>2022-03-25</a:t>
             </a:fld>
             <a:endParaRPr lang="ko-KR" altLang="en-US"/>
           </a:p>
@@ -2630,7 +2631,7 @@
             <a:fld id="{D8D7A7C4-C82A-4D21-9AB0-F0C5A1D3EF09}" type="datetimeFigureOut">
               <a:rPr lang="ko-KR" altLang="en-US" smtClean="0"/>
               <a:pPr/>
-              <a:t>2022-03-15</a:t>
+              <a:t>2022-03-25</a:t>
             </a:fld>
             <a:endParaRPr lang="ko-KR" altLang="en-US"/>
           </a:p>
@@ -3194,7 +3195,7 @@
                 <a:buNone/>
                 <a:defRPr/>
               </a:pPr>
-              <a:t>2022-03-15</a:t>
+              <a:t>2022-03-25</a:t>
             </a:fld>
             <a:endParaRPr kumimoji="1" lang="ko-KR" altLang="en-US" sz="1400" b="0" i="0" baseline="0">
               <a:solidFill>
@@ -3552,7 +3553,7 @@
             <a:fld id="{D8D7A7C4-C82A-4D21-9AB0-F0C5A1D3EF09}" type="datetimeFigureOut">
               <a:rPr lang="ko-KR" altLang="en-US" smtClean="0"/>
               <a:pPr/>
-              <a:t>2022-03-15</a:t>
+              <a:t>2022-03-25</a:t>
             </a:fld>
             <a:endParaRPr lang="ko-KR" altLang="en-US"/>
           </a:p>
@@ -3671,7 +3672,7 @@
             <a:fld id="{D8D7A7C4-C82A-4D21-9AB0-F0C5A1D3EF09}" type="datetimeFigureOut">
               <a:rPr lang="ko-KR" altLang="en-US" smtClean="0"/>
               <a:pPr/>
-              <a:t>2022-03-15</a:t>
+              <a:t>2022-03-25</a:t>
             </a:fld>
             <a:endParaRPr lang="ko-KR" altLang="en-US"/>
           </a:p>
@@ -3871,7 +3872,7 @@
             <a:fld id="{D8D7A7C4-C82A-4D21-9AB0-F0C5A1D3EF09}" type="datetimeFigureOut">
               <a:rPr lang="ko-KR" altLang="en-US" smtClean="0"/>
               <a:pPr/>
-              <a:t>2022-03-15</a:t>
+              <a:t>2022-03-25</a:t>
             </a:fld>
             <a:endParaRPr lang="ko-KR" altLang="en-US"/>
           </a:p>
@@ -4046,7 +4047,7 @@
             <a:fld id="{D8D7A7C4-C82A-4D21-9AB0-F0C5A1D3EF09}" type="datetimeFigureOut">
               <a:rPr lang="ko-KR" altLang="en-US" smtClean="0"/>
               <a:pPr/>
-              <a:t>2022-03-15</a:t>
+              <a:t>2022-03-25</a:t>
             </a:fld>
             <a:endParaRPr lang="ko-KR" altLang="en-US"/>
           </a:p>
@@ -4138,7 +4139,7 @@
             <a:fld id="{D8D7A7C4-C82A-4D21-9AB0-F0C5A1D3EF09}" type="datetimeFigureOut">
               <a:rPr lang="ko-KR" altLang="en-US" smtClean="0"/>
               <a:pPr/>
-              <a:t>2022-03-15</a:t>
+              <a:t>2022-03-25</a:t>
             </a:fld>
             <a:endParaRPr lang="ko-KR" altLang="en-US"/>
           </a:p>
@@ -4380,7 +4381,7 @@
             <a:fld id="{D8D7A7C4-C82A-4D21-9AB0-F0C5A1D3EF09}" type="datetimeFigureOut">
               <a:rPr lang="ko-KR" altLang="en-US" smtClean="0"/>
               <a:pPr/>
-              <a:t>2022-03-15</a:t>
+              <a:t>2022-03-25</a:t>
             </a:fld>
             <a:endParaRPr lang="ko-KR" altLang="en-US"/>
           </a:p>
@@ -4662,7 +4663,7 @@
             <a:fld id="{D8D7A7C4-C82A-4D21-9AB0-F0C5A1D3EF09}" type="datetimeFigureOut">
               <a:rPr lang="ko-KR" altLang="en-US" smtClean="0"/>
               <a:pPr/>
-              <a:t>2022-03-15</a:t>
+              <a:t>2022-03-25</a:t>
             </a:fld>
             <a:endParaRPr lang="ko-KR" altLang="en-US"/>
           </a:p>
@@ -4776,7 +4777,7 @@
             <a:fld id="{D8D7A7C4-C82A-4D21-9AB0-F0C5A1D3EF09}" type="datetimeFigureOut">
               <a:rPr lang="ko-KR" altLang="en-US" smtClean="0"/>
               <a:pPr/>
-              <a:t>2022-03-15</a:t>
+              <a:t>2022-03-25</a:t>
             </a:fld>
             <a:endParaRPr lang="ko-KR" altLang="en-US"/>
           </a:p>
@@ -4923,7 +4924,7 @@
             <a:fld id="{D8D7A7C4-C82A-4D21-9AB0-F0C5A1D3EF09}" type="datetimeFigureOut">
               <a:rPr lang="ko-KR" altLang="en-US" smtClean="0"/>
               <a:pPr/>
-              <a:t>2022-03-15</a:t>
+              <a:t>2022-03-25</a:t>
             </a:fld>
             <a:endParaRPr lang="ko-KR" altLang="en-US"/>
           </a:p>
@@ -5487,7 +5488,7 @@
                 <a:buNone/>
                 <a:defRPr/>
               </a:pPr>
-              <a:t>2022-03-15</a:t>
+              <a:t>2022-03-25</a:t>
             </a:fld>
             <a:endParaRPr kumimoji="1" lang="ko-KR" altLang="en-US" sz="1400" b="0" i="0" baseline="0">
               <a:solidFill>
@@ -5845,7 +5846,7 @@
             <a:fld id="{D8D7A7C4-C82A-4D21-9AB0-F0C5A1D3EF09}" type="datetimeFigureOut">
               <a:rPr lang="ko-KR" altLang="en-US" smtClean="0"/>
               <a:pPr/>
-              <a:t>2022-03-15</a:t>
+              <a:t>2022-03-25</a:t>
             </a:fld>
             <a:endParaRPr lang="ko-KR" altLang="en-US"/>
           </a:p>
@@ -6127,7 +6128,7 @@
                 <a:buNone/>
                 <a:defRPr/>
               </a:pPr>
-              <a:t>2022-03-15</a:t>
+              <a:t>2022-03-25</a:t>
             </a:fld>
             <a:endParaRPr kumimoji="1" lang="ko-KR" altLang="en-US" sz="1400" b="0" i="0" baseline="0">
               <a:solidFill>
@@ -7891,7 +7892,7 @@
                 <a:buNone/>
                 <a:defRPr/>
               </a:pPr>
-              <a:t>2022-03-15</a:t>
+              <a:t>2022-03-25</a:t>
             </a:fld>
             <a:endParaRPr kumimoji="1" lang="ko-KR" altLang="en-US" sz="1400" b="0" i="0" baseline="0">
               <a:solidFill>
@@ -8940,6 +8941,99 @@
           </a:p>
         </p:txBody>
       </p:sp>
+      <p:sp>
+        <p:nvSpPr>
+          <p:cNvPr id="2" name="TextBox 1">
+            <a:extLst>
+              <a:ext uri="{FF2B5EF4-FFF2-40B4-BE49-F238E27FC236}">
+                <a16:creationId xmlns:a16="http://schemas.microsoft.com/office/drawing/2014/main" id="{D233A57C-B1FD-4B37-9D81-7DB9263CC664}"/>
+              </a:ext>
+            </a:extLst>
+          </p:cNvPr>
+          <p:cNvSpPr txBox="1"/>
+          <p:nvPr/>
+        </p:nvSpPr>
+        <p:spPr>
+          <a:xfrm>
+            <a:off x="331459" y="330251"/>
+            <a:ext cx="2581680" cy="1200329"/>
+          </a:xfrm>
+          <a:prstGeom prst="rect">
+            <a:avLst/>
+          </a:prstGeom>
+          <a:solidFill>
+            <a:schemeClr val="accent2">
+              <a:lumMod val="40000"/>
+              <a:lumOff val="60000"/>
+            </a:schemeClr>
+          </a:solidFill>
+          <a:ln w="19050">
+            <a:solidFill>
+              <a:schemeClr val="accent2">
+                <a:lumMod val="75000"/>
+              </a:schemeClr>
+            </a:solidFill>
+          </a:ln>
+        </p:spPr>
+        <p:txBody>
+          <a:bodyPr wrap="square" rtlCol="0">
+            <a:spAutoFit/>
+          </a:bodyPr>
+          <a:lstStyle/>
+          <a:p>
+            <a:r>
+              <a:rPr lang="en-US" altLang="ko-KR" strike="sngStrike" dirty="0">
+                <a:latin typeface="맑은 고딕" panose="020B0503020000020004" pitchFamily="50" charset="-127"/>
+                <a:ea typeface="맑은 고딕" panose="020B0503020000020004" pitchFamily="50" charset="-127"/>
+              </a:rPr>
+              <a:t>- </a:t>
+            </a:r>
+            <a:r>
+              <a:rPr lang="ko-KR" altLang="en-US" strike="sngStrike" dirty="0">
+                <a:latin typeface="맑은 고딕" panose="020B0503020000020004" pitchFamily="50" charset="-127"/>
+                <a:ea typeface="맑은 고딕" panose="020B0503020000020004" pitchFamily="50" charset="-127"/>
+              </a:rPr>
+              <a:t>로그인  기능</a:t>
+            </a:r>
+            <a:endParaRPr lang="en-US" altLang="ko-KR" strike="sngStrike" dirty="0">
+              <a:latin typeface="맑은 고딕" panose="020B0503020000020004" pitchFamily="50" charset="-127"/>
+              <a:ea typeface="맑은 고딕" panose="020B0503020000020004" pitchFamily="50" charset="-127"/>
+            </a:endParaRPr>
+          </a:p>
+          <a:p>
+            <a:r>
+              <a:rPr lang="en-US" altLang="ko-KR" dirty="0">
+                <a:latin typeface="맑은 고딕" panose="020B0503020000020004" pitchFamily="50" charset="-127"/>
+                <a:ea typeface="맑은 고딕" panose="020B0503020000020004" pitchFamily="50" charset="-127"/>
+              </a:rPr>
+              <a:t>- ID/PW </a:t>
+            </a:r>
+            <a:r>
+              <a:rPr lang="ko-KR" altLang="en-US" dirty="0">
+                <a:latin typeface="맑은 고딕" panose="020B0503020000020004" pitchFamily="50" charset="-127"/>
+                <a:ea typeface="맑은 고딕" panose="020B0503020000020004" pitchFamily="50" charset="-127"/>
+              </a:rPr>
+              <a:t>찾기</a:t>
+            </a:r>
+            <a:endParaRPr lang="en-US" altLang="ko-KR" dirty="0">
+              <a:latin typeface="맑은 고딕" panose="020B0503020000020004" pitchFamily="50" charset="-127"/>
+              <a:ea typeface="맑은 고딕" panose="020B0503020000020004" pitchFamily="50" charset="-127"/>
+            </a:endParaRPr>
+          </a:p>
+          <a:p>
+            <a:endParaRPr lang="en-US" altLang="ko-KR" dirty="0">
+              <a:latin typeface="맑은 고딕" panose="020B0503020000020004" pitchFamily="50" charset="-127"/>
+              <a:ea typeface="맑은 고딕" panose="020B0503020000020004" pitchFamily="50" charset="-127"/>
+            </a:endParaRPr>
+          </a:p>
+          <a:p>
+            <a:endParaRPr lang="ko-KR" altLang="en-US" dirty="0">
+              <a:latin typeface="맑은 고딕" panose="020B0503020000020004" pitchFamily="50" charset="-127"/>
+              <a:ea typeface="맑은 고딕" panose="020B0503020000020004" pitchFamily="50" charset="-127"/>
+            </a:endParaRPr>
+          </a:p>
+        </p:txBody>
+      </p:sp>
     </p:spTree>
   </p:cSld>
   <p:clrMapOvr>
@@ -8949,7 +9043,7 @@
     <mc:Choice Requires="p14">
       <p:transition/>
     </mc:Choice>
-    <mc:Fallback xmlns:dsp="http://schemas.microsoft.com/office/drawing/2008/diagram" xmlns:dgm="http://schemas.openxmlformats.org/drawingml/2006/diagram" xmlns:c="http://schemas.openxmlformats.org/drawingml/2006/chart" xmlns="">
+    <mc:Fallback xmlns="" xmlns:c="http://schemas.openxmlformats.org/drawingml/2006/chart" xmlns:dgm="http://schemas.openxmlformats.org/drawingml/2006/diagram" xmlns:dsp="http://schemas.microsoft.com/office/drawing/2008/diagram">
       <p:transition/>
     </mc:Fallback>
   </mc:AlternateContent>
@@ -9107,6 +9201,584 @@
           </a:ln>
         </p:spPr>
       </p:pic>
+      <p:sp>
+        <p:nvSpPr>
+          <p:cNvPr id="5" name="TextBox 4">
+            <a:extLst>
+              <a:ext uri="{FF2B5EF4-FFF2-40B4-BE49-F238E27FC236}">
+                <a16:creationId xmlns:a16="http://schemas.microsoft.com/office/drawing/2014/main" id="{1BAA1D88-FD8F-4808-9A89-2590AD116ED0}"/>
+              </a:ext>
+            </a:extLst>
+          </p:cNvPr>
+          <p:cNvSpPr txBox="1"/>
+          <p:nvPr/>
+        </p:nvSpPr>
+        <p:spPr>
+          <a:xfrm>
+            <a:off x="256965" y="753927"/>
+            <a:ext cx="3241215" cy="2031325"/>
+          </a:xfrm>
+          <a:prstGeom prst="rect">
+            <a:avLst/>
+          </a:prstGeom>
+          <a:solidFill>
+            <a:schemeClr val="accent2">
+              <a:lumMod val="40000"/>
+              <a:lumOff val="60000"/>
+            </a:schemeClr>
+          </a:solidFill>
+          <a:ln w="19050">
+            <a:solidFill>
+              <a:schemeClr val="accent2">
+                <a:lumMod val="75000"/>
+              </a:schemeClr>
+            </a:solidFill>
+          </a:ln>
+        </p:spPr>
+        <p:txBody>
+          <a:bodyPr wrap="square" rtlCol="0">
+            <a:spAutoFit/>
+          </a:bodyPr>
+          <a:lstStyle/>
+          <a:p>
+            <a:pPr marL="285750" indent="-285750">
+              <a:buFontTx/>
+              <a:buChar char="-"/>
+            </a:pPr>
+            <a:r>
+              <a:rPr lang="ko-KR" altLang="en-US" dirty="0">
+                <a:latin typeface="맑은 고딕" panose="020B0503020000020004" pitchFamily="50" charset="-127"/>
+                <a:ea typeface="맑은 고딕" panose="020B0503020000020004" pitchFamily="50" charset="-127"/>
+              </a:rPr>
+              <a:t>현재시간 </a:t>
+            </a:r>
+            <a:r>
+              <a:rPr lang="en-US" altLang="ko-KR" dirty="0">
+                <a:latin typeface="맑은 고딕" panose="020B0503020000020004" pitchFamily="50" charset="-127"/>
+                <a:ea typeface="맑은 고딕" panose="020B0503020000020004" pitchFamily="50" charset="-127"/>
+              </a:rPr>
+              <a:t>(Thread)</a:t>
+            </a:r>
+          </a:p>
+          <a:p>
+            <a:pPr marL="285750" indent="-285750">
+              <a:buFontTx/>
+              <a:buChar char="-"/>
+            </a:pPr>
+            <a:r>
+              <a:rPr lang="en-US" altLang="ko-KR" dirty="0">
+                <a:latin typeface="맑은 고딕" panose="020B0503020000020004" pitchFamily="50" charset="-127"/>
+                <a:ea typeface="맑은 고딕" panose="020B0503020000020004" pitchFamily="50" charset="-127"/>
+              </a:rPr>
+              <a:t>D-Day (Thread) </a:t>
+            </a:r>
+            <a:r>
+              <a:rPr lang="ko-KR" altLang="en-US" dirty="0">
+                <a:latin typeface="맑은 고딕" panose="020B0503020000020004" pitchFamily="50" charset="-127"/>
+                <a:ea typeface="맑은 고딕" panose="020B0503020000020004" pitchFamily="50" charset="-127"/>
+              </a:rPr>
+              <a:t>등록</a:t>
+            </a:r>
+            <a:r>
+              <a:rPr lang="en-US" altLang="ko-KR" dirty="0">
+                <a:latin typeface="맑은 고딕" panose="020B0503020000020004" pitchFamily="50" charset="-127"/>
+                <a:ea typeface="맑은 고딕" panose="020B0503020000020004" pitchFamily="50" charset="-127"/>
+              </a:rPr>
+              <a:t>/</a:t>
+            </a:r>
+            <a:r>
+              <a:rPr lang="ko-KR" altLang="en-US" dirty="0">
+                <a:latin typeface="맑은 고딕" panose="020B0503020000020004" pitchFamily="50" charset="-127"/>
+                <a:ea typeface="맑은 고딕" panose="020B0503020000020004" pitchFamily="50" charset="-127"/>
+              </a:rPr>
+              <a:t>해제</a:t>
+            </a:r>
+            <a:br>
+              <a:rPr lang="en-US" altLang="ko-KR" dirty="0">
+                <a:latin typeface="맑은 고딕" panose="020B0503020000020004" pitchFamily="50" charset="-127"/>
+                <a:ea typeface="맑은 고딕" panose="020B0503020000020004" pitchFamily="50" charset="-127"/>
+              </a:rPr>
+            </a:br>
+            <a:r>
+              <a:rPr lang="en-US" altLang="ko-KR" dirty="0">
+                <a:latin typeface="맑은 고딕" panose="020B0503020000020004" pitchFamily="50" charset="-127"/>
+                <a:ea typeface="맑은 고딕" panose="020B0503020000020004" pitchFamily="50" charset="-127"/>
+              </a:rPr>
+              <a:t>(6</a:t>
+            </a:r>
+            <a:r>
+              <a:rPr lang="ko-KR" altLang="en-US" dirty="0">
+                <a:latin typeface="맑은 고딕" panose="020B0503020000020004" pitchFamily="50" charset="-127"/>
+                <a:ea typeface="맑은 고딕" panose="020B0503020000020004" pitchFamily="50" charset="-127"/>
+              </a:rPr>
+              <a:t>번 슬라이드로</a:t>
+            </a:r>
+            <a:r>
+              <a:rPr lang="en-US" altLang="ko-KR" dirty="0">
+                <a:latin typeface="맑은 고딕" panose="020B0503020000020004" pitchFamily="50" charset="-127"/>
+                <a:ea typeface="맑은 고딕" panose="020B0503020000020004" pitchFamily="50" charset="-127"/>
+              </a:rPr>
+              <a:t>)</a:t>
+            </a:r>
+          </a:p>
+          <a:p>
+            <a:pPr marL="285750" indent="-285750">
+              <a:buFontTx/>
+              <a:buChar char="-"/>
+            </a:pPr>
+            <a:r>
+              <a:rPr lang="en-US" altLang="ko-KR" dirty="0">
+                <a:latin typeface="맑은 고딕" panose="020B0503020000020004" pitchFamily="50" charset="-127"/>
+                <a:ea typeface="맑은 고딕" panose="020B0503020000020004" pitchFamily="50" charset="-127"/>
+              </a:rPr>
+              <a:t>To-Do List </a:t>
+            </a:r>
+            <a:br>
+              <a:rPr lang="en-US" altLang="ko-KR" dirty="0">
+                <a:latin typeface="맑은 고딕" panose="020B0503020000020004" pitchFamily="50" charset="-127"/>
+                <a:ea typeface="맑은 고딕" panose="020B0503020000020004" pitchFamily="50" charset="-127"/>
+              </a:rPr>
+            </a:br>
+            <a:r>
+              <a:rPr lang="en-US" altLang="ko-KR" dirty="0">
+                <a:latin typeface="맑은 고딕" panose="020B0503020000020004" pitchFamily="50" charset="-127"/>
+                <a:ea typeface="맑은 고딕" panose="020B0503020000020004" pitchFamily="50" charset="-127"/>
+              </a:rPr>
+              <a:t>(7</a:t>
+            </a:r>
+            <a:r>
+              <a:rPr lang="ko-KR" altLang="en-US" dirty="0">
+                <a:latin typeface="맑은 고딕" panose="020B0503020000020004" pitchFamily="50" charset="-127"/>
+                <a:ea typeface="맑은 고딕" panose="020B0503020000020004" pitchFamily="50" charset="-127"/>
+              </a:rPr>
+              <a:t>번 슬라이드로</a:t>
+            </a:r>
+            <a:r>
+              <a:rPr lang="en-US" altLang="ko-KR" dirty="0">
+                <a:latin typeface="맑은 고딕" panose="020B0503020000020004" pitchFamily="50" charset="-127"/>
+                <a:ea typeface="맑은 고딕" panose="020B0503020000020004" pitchFamily="50" charset="-127"/>
+              </a:rPr>
+              <a:t>)</a:t>
+            </a:r>
+          </a:p>
+          <a:p>
+            <a:pPr marL="285750" indent="-285750">
+              <a:buFontTx/>
+              <a:buChar char="-"/>
+            </a:pPr>
+            <a:r>
+              <a:rPr lang="ko-KR" altLang="en-US" dirty="0">
+                <a:latin typeface="맑은 고딕" panose="020B0503020000020004" pitchFamily="50" charset="-127"/>
+                <a:ea typeface="맑은 고딕" panose="020B0503020000020004" pitchFamily="50" charset="-127"/>
+              </a:rPr>
+              <a:t>화면 크기 조절 </a:t>
+            </a:r>
+            <a:br>
+              <a:rPr lang="en-US" altLang="ko-KR" dirty="0">
+                <a:latin typeface="맑은 고딕" panose="020B0503020000020004" pitchFamily="50" charset="-127"/>
+                <a:ea typeface="맑은 고딕" panose="020B0503020000020004" pitchFamily="50" charset="-127"/>
+              </a:rPr>
+            </a:br>
+            <a:r>
+              <a:rPr lang="en-US" altLang="ko-KR" dirty="0">
+                <a:latin typeface="맑은 고딕" panose="020B0503020000020004" pitchFamily="50" charset="-127"/>
+                <a:ea typeface="맑은 고딕" panose="020B0503020000020004" pitchFamily="50" charset="-127"/>
+              </a:rPr>
+              <a:t>(3</a:t>
+            </a:r>
+            <a:r>
+              <a:rPr lang="ko-KR" altLang="en-US" dirty="0">
+                <a:latin typeface="맑은 고딕" panose="020B0503020000020004" pitchFamily="50" charset="-127"/>
+                <a:ea typeface="맑은 고딕" panose="020B0503020000020004" pitchFamily="50" charset="-127"/>
+              </a:rPr>
+              <a:t>번 슬라이드로</a:t>
+            </a:r>
+            <a:r>
+              <a:rPr lang="en-US" altLang="ko-KR" dirty="0">
+                <a:latin typeface="맑은 고딕" panose="020B0503020000020004" pitchFamily="50" charset="-127"/>
+                <a:ea typeface="맑은 고딕" panose="020B0503020000020004" pitchFamily="50" charset="-127"/>
+              </a:rPr>
+              <a:t>)</a:t>
+            </a:r>
+          </a:p>
+        </p:txBody>
+      </p:sp>
+      <p:sp>
+        <p:nvSpPr>
+          <p:cNvPr id="8" name="TextBox 7">
+            <a:extLst>
+              <a:ext uri="{FF2B5EF4-FFF2-40B4-BE49-F238E27FC236}">
+                <a16:creationId xmlns:a16="http://schemas.microsoft.com/office/drawing/2014/main" id="{74940153-FE82-402E-8256-F455EA5E1E9C}"/>
+              </a:ext>
+            </a:extLst>
+          </p:cNvPr>
+          <p:cNvSpPr txBox="1"/>
+          <p:nvPr/>
+        </p:nvSpPr>
+        <p:spPr>
+          <a:xfrm>
+            <a:off x="5157268" y="3455382"/>
+            <a:ext cx="4059656" cy="646331"/>
+          </a:xfrm>
+          <a:prstGeom prst="rect">
+            <a:avLst/>
+          </a:prstGeom>
+          <a:solidFill>
+            <a:schemeClr val="accent2">
+              <a:lumMod val="40000"/>
+              <a:lumOff val="60000"/>
+            </a:schemeClr>
+          </a:solidFill>
+          <a:ln w="19050">
+            <a:solidFill>
+              <a:schemeClr val="accent2">
+                <a:lumMod val="75000"/>
+              </a:schemeClr>
+            </a:solidFill>
+          </a:ln>
+        </p:spPr>
+        <p:txBody>
+          <a:bodyPr wrap="square" rtlCol="0">
+            <a:spAutoFit/>
+          </a:bodyPr>
+          <a:lstStyle/>
+          <a:p>
+            <a:pPr marL="285750" indent="-285750">
+              <a:buFontTx/>
+              <a:buChar char="-"/>
+            </a:pPr>
+            <a:r>
+              <a:rPr lang="ko-KR" altLang="en-US" dirty="0">
+                <a:latin typeface="맑은 고딕" panose="020B0503020000020004" pitchFamily="50" charset="-127"/>
+                <a:ea typeface="맑은 고딕" panose="020B0503020000020004" pitchFamily="50" charset="-127"/>
+              </a:rPr>
+              <a:t>일정 내용 </a:t>
+            </a:r>
+            <a:r>
+              <a:rPr lang="en-US" altLang="ko-KR" dirty="0">
+                <a:latin typeface="맑은 고딕" panose="020B0503020000020004" pitchFamily="50" charset="-127"/>
+                <a:ea typeface="맑은 고딕" panose="020B0503020000020004" pitchFamily="50" charset="-127"/>
+              </a:rPr>
+              <a:t>: </a:t>
+            </a:r>
+            <a:br>
+              <a:rPr lang="en-US" altLang="ko-KR" dirty="0">
+                <a:latin typeface="맑은 고딕" panose="020B0503020000020004" pitchFamily="50" charset="-127"/>
+                <a:ea typeface="맑은 고딕" panose="020B0503020000020004" pitchFamily="50" charset="-127"/>
+              </a:rPr>
+            </a:br>
+            <a:r>
+              <a:rPr lang="ko-KR" altLang="en-US" dirty="0">
+                <a:latin typeface="맑은 고딕" panose="020B0503020000020004" pitchFamily="50" charset="-127"/>
+                <a:ea typeface="맑은 고딕" panose="020B0503020000020004" pitchFamily="50" charset="-127"/>
+              </a:rPr>
+              <a:t>예제 받고 </a:t>
+            </a:r>
+            <a:r>
+              <a:rPr lang="en-US" altLang="ko-KR" dirty="0" err="1">
+                <a:latin typeface="맑은 고딕" panose="020B0503020000020004" pitchFamily="50" charset="-127"/>
+                <a:ea typeface="맑은 고딕" panose="020B0503020000020004" pitchFamily="50" charset="-127"/>
+              </a:rPr>
+              <a:t>Jbutton</a:t>
+            </a:r>
+            <a:r>
+              <a:rPr lang="en-US" altLang="ko-KR" dirty="0">
+                <a:latin typeface="맑은 고딕" panose="020B0503020000020004" pitchFamily="50" charset="-127"/>
+                <a:ea typeface="맑은 고딕" panose="020B0503020000020004" pitchFamily="50" charset="-127"/>
+              </a:rPr>
+              <a:t> + HTML</a:t>
+            </a:r>
+            <a:r>
+              <a:rPr lang="ko-KR" altLang="en-US" dirty="0">
+                <a:latin typeface="맑은 고딕" panose="020B0503020000020004" pitchFamily="50" charset="-127"/>
+                <a:ea typeface="맑은 고딕" panose="020B0503020000020004" pitchFamily="50" charset="-127"/>
+              </a:rPr>
+              <a:t>로 구현</a:t>
+            </a:r>
+            <a:endParaRPr lang="en-US" altLang="ko-KR" dirty="0">
+              <a:latin typeface="맑은 고딕" panose="020B0503020000020004" pitchFamily="50" charset="-127"/>
+              <a:ea typeface="맑은 고딕" panose="020B0503020000020004" pitchFamily="50" charset="-127"/>
+            </a:endParaRPr>
+          </a:p>
+        </p:txBody>
+      </p:sp>
+      <p:sp>
+        <p:nvSpPr>
+          <p:cNvPr id="9" name="TextBox 8">
+            <a:extLst>
+              <a:ext uri="{FF2B5EF4-FFF2-40B4-BE49-F238E27FC236}">
+                <a16:creationId xmlns:a16="http://schemas.microsoft.com/office/drawing/2014/main" id="{42664B3F-1011-4AEC-AB85-F36B53032193}"/>
+              </a:ext>
+            </a:extLst>
+          </p:cNvPr>
+          <p:cNvSpPr txBox="1"/>
+          <p:nvPr/>
+        </p:nvSpPr>
+        <p:spPr>
+          <a:xfrm>
+            <a:off x="3567723" y="1340856"/>
+            <a:ext cx="2525896" cy="369332"/>
+          </a:xfrm>
+          <a:prstGeom prst="rect">
+            <a:avLst/>
+          </a:prstGeom>
+          <a:solidFill>
+            <a:schemeClr val="accent2">
+              <a:lumMod val="40000"/>
+              <a:lumOff val="60000"/>
+            </a:schemeClr>
+          </a:solidFill>
+          <a:ln w="19050">
+            <a:solidFill>
+              <a:schemeClr val="accent2">
+                <a:lumMod val="75000"/>
+              </a:schemeClr>
+            </a:solidFill>
+          </a:ln>
+        </p:spPr>
+        <p:txBody>
+          <a:bodyPr wrap="square" rtlCol="0">
+            <a:spAutoFit/>
+          </a:bodyPr>
+          <a:lstStyle/>
+          <a:p>
+            <a:pPr marL="285750" indent="-285750">
+              <a:buFontTx/>
+              <a:buChar char="-"/>
+            </a:pPr>
+            <a:r>
+              <a:rPr lang="ko-KR" altLang="en-US" dirty="0" err="1">
+                <a:solidFill>
+                  <a:schemeClr val="tx1">
+                    <a:lumMod val="65000"/>
+                    <a:lumOff val="35000"/>
+                  </a:schemeClr>
+                </a:solidFill>
+                <a:latin typeface="맑은 고딕" panose="020B0503020000020004" pitchFamily="50" charset="-127"/>
+                <a:ea typeface="맑은 고딕" panose="020B0503020000020004" pitchFamily="50" charset="-127"/>
+              </a:rPr>
+              <a:t>홈버튼</a:t>
+            </a:r>
+            <a:r>
+              <a:rPr lang="ko-KR" altLang="en-US" dirty="0">
+                <a:solidFill>
+                  <a:schemeClr val="tx1">
+                    <a:lumMod val="65000"/>
+                    <a:lumOff val="35000"/>
+                  </a:schemeClr>
+                </a:solidFill>
+                <a:latin typeface="맑은 고딕" panose="020B0503020000020004" pitchFamily="50" charset="-127"/>
+                <a:ea typeface="맑은 고딕" panose="020B0503020000020004" pitchFamily="50" charset="-127"/>
+              </a:rPr>
+              <a:t> </a:t>
+            </a:r>
+            <a:r>
+              <a:rPr lang="en-US" altLang="ko-KR" dirty="0">
+                <a:solidFill>
+                  <a:schemeClr val="tx1">
+                    <a:lumMod val="65000"/>
+                    <a:lumOff val="35000"/>
+                  </a:schemeClr>
+                </a:solidFill>
+                <a:latin typeface="맑은 고딕" panose="020B0503020000020004" pitchFamily="50" charset="-127"/>
+                <a:ea typeface="맑은 고딕" panose="020B0503020000020004" pitchFamily="50" charset="-127"/>
+              </a:rPr>
+              <a:t>: </a:t>
+            </a:r>
+            <a:r>
+              <a:rPr lang="ko-KR" altLang="en-US" dirty="0">
+                <a:solidFill>
+                  <a:schemeClr val="tx1">
+                    <a:lumMod val="65000"/>
+                    <a:lumOff val="35000"/>
+                  </a:schemeClr>
+                </a:solidFill>
+                <a:latin typeface="맑은 고딕" panose="020B0503020000020004" pitchFamily="50" charset="-127"/>
+                <a:ea typeface="맑은 고딕" panose="020B0503020000020004" pitchFamily="50" charset="-127"/>
+              </a:rPr>
+              <a:t>기능 미정</a:t>
+            </a:r>
+            <a:endParaRPr lang="en-US" altLang="ko-KR" dirty="0">
+              <a:solidFill>
+                <a:schemeClr val="tx1">
+                  <a:lumMod val="65000"/>
+                  <a:lumOff val="35000"/>
+                </a:schemeClr>
+              </a:solidFill>
+              <a:latin typeface="맑은 고딕" panose="020B0503020000020004" pitchFamily="50" charset="-127"/>
+              <a:ea typeface="맑은 고딕" panose="020B0503020000020004" pitchFamily="50" charset="-127"/>
+            </a:endParaRPr>
+          </a:p>
+        </p:txBody>
+      </p:sp>
+      <p:sp>
+        <p:nvSpPr>
+          <p:cNvPr id="10" name="TextBox 9">
+            <a:extLst>
+              <a:ext uri="{FF2B5EF4-FFF2-40B4-BE49-F238E27FC236}">
+                <a16:creationId xmlns:a16="http://schemas.microsoft.com/office/drawing/2014/main" id="{329FBF86-FCAA-46BB-B6DC-116E95FBF8AB}"/>
+              </a:ext>
+            </a:extLst>
+          </p:cNvPr>
+          <p:cNvSpPr txBox="1"/>
+          <p:nvPr/>
+        </p:nvSpPr>
+        <p:spPr>
+          <a:xfrm>
+            <a:off x="8470510" y="1340856"/>
+            <a:ext cx="2525896" cy="923330"/>
+          </a:xfrm>
+          <a:prstGeom prst="rect">
+            <a:avLst/>
+          </a:prstGeom>
+          <a:solidFill>
+            <a:schemeClr val="accent2">
+              <a:lumMod val="40000"/>
+              <a:lumOff val="60000"/>
+            </a:schemeClr>
+          </a:solidFill>
+          <a:ln w="19050">
+            <a:solidFill>
+              <a:schemeClr val="accent2">
+                <a:lumMod val="75000"/>
+              </a:schemeClr>
+            </a:solidFill>
+          </a:ln>
+        </p:spPr>
+        <p:txBody>
+          <a:bodyPr wrap="square" rtlCol="0">
+            <a:spAutoFit/>
+          </a:bodyPr>
+          <a:lstStyle/>
+          <a:p>
+            <a:pPr marL="285750" indent="-285750">
+              <a:buFontTx/>
+              <a:buChar char="-"/>
+            </a:pPr>
+            <a:r>
+              <a:rPr lang="ko-KR" altLang="en-US" dirty="0">
+                <a:solidFill>
+                  <a:schemeClr val="tx1">
+                    <a:lumMod val="65000"/>
+                    <a:lumOff val="35000"/>
+                  </a:schemeClr>
+                </a:solidFill>
+                <a:latin typeface="맑은 고딕" panose="020B0503020000020004" pitchFamily="50" charset="-127"/>
+                <a:ea typeface="맑은 고딕" panose="020B0503020000020004" pitchFamily="50" charset="-127"/>
+              </a:rPr>
+              <a:t>알림 버튼 </a:t>
+            </a:r>
+            <a:r>
+              <a:rPr lang="en-US" altLang="ko-KR" dirty="0">
+                <a:solidFill>
+                  <a:schemeClr val="tx1">
+                    <a:lumMod val="65000"/>
+                    <a:lumOff val="35000"/>
+                  </a:schemeClr>
+                </a:solidFill>
+                <a:latin typeface="맑은 고딕" panose="020B0503020000020004" pitchFamily="50" charset="-127"/>
+                <a:ea typeface="맑은 고딕" panose="020B0503020000020004" pitchFamily="50" charset="-127"/>
+              </a:rPr>
+              <a:t>: </a:t>
+            </a:r>
+            <a:r>
+              <a:rPr lang="ko-KR" altLang="en-US" dirty="0">
+                <a:solidFill>
+                  <a:schemeClr val="tx1">
+                    <a:lumMod val="65000"/>
+                    <a:lumOff val="35000"/>
+                  </a:schemeClr>
+                </a:solidFill>
+                <a:latin typeface="맑은 고딕" panose="020B0503020000020004" pitchFamily="50" charset="-127"/>
+                <a:ea typeface="맑은 고딕" panose="020B0503020000020004" pitchFamily="50" charset="-127"/>
+              </a:rPr>
+              <a:t>보류</a:t>
+            </a:r>
+            <a:endParaRPr lang="en-US" altLang="ko-KR" dirty="0">
+              <a:solidFill>
+                <a:schemeClr val="tx1">
+                  <a:lumMod val="65000"/>
+                  <a:lumOff val="35000"/>
+                </a:schemeClr>
+              </a:solidFill>
+              <a:latin typeface="맑은 고딕" panose="020B0503020000020004" pitchFamily="50" charset="-127"/>
+              <a:ea typeface="맑은 고딕" panose="020B0503020000020004" pitchFamily="50" charset="-127"/>
+            </a:endParaRPr>
+          </a:p>
+          <a:p>
+            <a:pPr marL="285750" indent="-285750">
+              <a:buFontTx/>
+              <a:buChar char="-"/>
+            </a:pPr>
+            <a:r>
+              <a:rPr lang="ko-KR" altLang="en-US" dirty="0">
+                <a:solidFill>
+                  <a:schemeClr val="tx1">
+                    <a:lumMod val="65000"/>
+                    <a:lumOff val="35000"/>
+                  </a:schemeClr>
+                </a:solidFill>
+                <a:latin typeface="맑은 고딕" panose="020B0503020000020004" pitchFamily="50" charset="-127"/>
+                <a:ea typeface="맑은 고딕" panose="020B0503020000020004" pitchFamily="50" charset="-127"/>
+              </a:rPr>
+              <a:t>설정 버튼 </a:t>
+            </a:r>
+            <a:r>
+              <a:rPr lang="en-US" altLang="ko-KR" dirty="0">
+                <a:solidFill>
+                  <a:schemeClr val="tx1">
+                    <a:lumMod val="65000"/>
+                    <a:lumOff val="35000"/>
+                  </a:schemeClr>
+                </a:solidFill>
+                <a:latin typeface="맑은 고딕" panose="020B0503020000020004" pitchFamily="50" charset="-127"/>
+                <a:ea typeface="맑은 고딕" panose="020B0503020000020004" pitchFamily="50" charset="-127"/>
+              </a:rPr>
+              <a:t>: </a:t>
+            </a:r>
+            <a:r>
+              <a:rPr lang="ko-KR" altLang="en-US" dirty="0">
+                <a:solidFill>
+                  <a:schemeClr val="tx1">
+                    <a:lumMod val="65000"/>
+                    <a:lumOff val="35000"/>
+                  </a:schemeClr>
+                </a:solidFill>
+                <a:latin typeface="맑은 고딕" panose="020B0503020000020004" pitchFamily="50" charset="-127"/>
+                <a:ea typeface="맑은 고딕" panose="020B0503020000020004" pitchFamily="50" charset="-127"/>
+              </a:rPr>
+              <a:t>보류</a:t>
+            </a:r>
+            <a:endParaRPr lang="en-US" altLang="ko-KR" dirty="0">
+              <a:solidFill>
+                <a:schemeClr val="tx1">
+                  <a:lumMod val="65000"/>
+                  <a:lumOff val="35000"/>
+                </a:schemeClr>
+              </a:solidFill>
+              <a:latin typeface="맑은 고딕" panose="020B0503020000020004" pitchFamily="50" charset="-127"/>
+              <a:ea typeface="맑은 고딕" panose="020B0503020000020004" pitchFamily="50" charset="-127"/>
+            </a:endParaRPr>
+          </a:p>
+          <a:p>
+            <a:pPr marL="285750" indent="-285750">
+              <a:buFontTx/>
+              <a:buChar char="-"/>
+            </a:pPr>
+            <a:r>
+              <a:rPr lang="ko-KR" altLang="en-US" dirty="0">
+                <a:latin typeface="맑은 고딕" panose="020B0503020000020004" pitchFamily="50" charset="-127"/>
+                <a:ea typeface="맑은 고딕" panose="020B0503020000020004" pitchFamily="50" charset="-127"/>
+              </a:rPr>
+              <a:t>로그아웃 버튼 구현</a:t>
+            </a:r>
+            <a:endParaRPr lang="en-US" altLang="ko-KR" dirty="0">
+              <a:latin typeface="맑은 고딕" panose="020B0503020000020004" pitchFamily="50" charset="-127"/>
+              <a:ea typeface="맑은 고딕" panose="020B0503020000020004" pitchFamily="50" charset="-127"/>
+            </a:endParaRPr>
+          </a:p>
+        </p:txBody>
+      </p:sp>
     </p:spTree>
   </p:cSld>
   <p:clrMapOvr>
@@ -9116,7 +9788,7 @@
     <mc:Choice Requires="p14">
       <p:transition/>
     </mc:Choice>
-    <mc:Fallback xmlns:dsp="http://schemas.microsoft.com/office/drawing/2008/diagram" xmlns:dgm="http://schemas.openxmlformats.org/drawingml/2006/diagram" xmlns:c="http://schemas.openxmlformats.org/drawingml/2006/chart" xmlns="">
+    <mc:Fallback xmlns="" xmlns:c="http://schemas.openxmlformats.org/drawingml/2006/chart" xmlns:dgm="http://schemas.openxmlformats.org/drawingml/2006/diagram" xmlns:dsp="http://schemas.microsoft.com/office/drawing/2008/diagram">
       <p:transition/>
     </mc:Fallback>
   </mc:AlternateContent>
@@ -9140,26 +9812,16 @@
           <a:chExt cx="0" cy="0"/>
         </a:xfrm>
       </p:grpSpPr>
-      <p:pic>
-        <p:nvPicPr>
-          <p:cNvPr id="6148" name="그림 6147" descr="2021년 8월 달력 프린트 심플 도안 (비밀번호X) : 네이버 블로그"/>
-          <p:cNvPicPr>
-            <a:picLocks noChangeAspect="1"/>
-          </p:cNvPicPr>
+      <p:sp>
+        <p:nvSpPr>
+          <p:cNvPr id="4101" name="TextBox 4100"/>
+          <p:cNvSpPr txBox="1"/>
           <p:nvPr/>
-        </p:nvPicPr>
-        <p:blipFill rotWithShape="1">
-          <a:blip r:embed="rId2">
-            <a:lum/>
-          </a:blip>
-          <a:stretch>
-            <a:fillRect/>
-          </a:stretch>
-        </p:blipFill>
+        </p:nvSpPr>
         <p:spPr>
           <a:xfrm>
-            <a:off x="3445839" y="753927"/>
-            <a:ext cx="8302688" cy="5964716"/>
+            <a:off x="3231555" y="2071332"/>
+            <a:ext cx="6091700" cy="369791"/>
           </a:xfrm>
           <a:prstGeom prst="rect">
             <a:avLst/>
@@ -9171,34 +9833,74 @@
             <a:round/>
           </a:ln>
         </p:spPr>
-      </p:pic>
-      <p:sp>
-        <p:nvSpPr>
-          <p:cNvPr id="6149" name="TextBox 6148"/>
+        <p:txBody>
+          <a:bodyPr vert="horz" wrap="square" lIns="91424" tIns="45700" rIns="91424" bIns="45700" anchor="t">
+            <a:noAutofit/>
+          </a:bodyPr>
+          <a:lstStyle/>
+          <a:p>
+            <a:pPr marL="0" lvl="0" indent="0" algn="ctr" defTabSz="58846888" rtl="0" eaLnBrk="1" latinLnBrk="0" hangingPunct="1">
+              <a:lnSpc>
+                <a:spcPct val="100000"/>
+              </a:lnSpc>
+              <a:spcBef>
+                <a:spcPct val="0"/>
+              </a:spcBef>
+              <a:spcAft>
+                <a:spcPct val="0"/>
+              </a:spcAft>
+              <a:buNone/>
+              <a:defRPr/>
+            </a:pPr>
+            <a:r>
+              <a:rPr kumimoji="1" lang="ko-KR" altLang="en-US" sz="1800" b="0" i="0" baseline="0">
+                <a:solidFill>
+                  <a:srgbClr val="FFFFFF">
+                    <a:alpha val="100000"/>
+                  </a:srgbClr>
+                </a:solidFill>
+                <a:latin typeface="맑은 고딕"/>
+                <a:ea typeface="맑은 고딕"/>
+                <a:sym typeface="맑은 고딕"/>
+              </a:rPr>
+              <a:t> 자바SW A조 사무용 캘린더</a:t>
+            </a:r>
+            <a:endParaRPr kumimoji="1" lang="ko-KR" altLang="en-US" sz="1800" b="0" i="0">
+              <a:solidFill>
+                <a:srgbClr val="FFFFFF">
+                  <a:alpha val="100000"/>
+                </a:srgbClr>
+              </a:solidFill>
+              <a:latin typeface="맑은 고딕"/>
+              <a:ea typeface="맑은 고딕"/>
+              <a:sym typeface="맑은 고딕"/>
+            </a:endParaRPr>
+          </a:p>
+        </p:txBody>
+      </p:sp>
+      <p:sp>
+        <p:nvSpPr>
+          <p:cNvPr id="4106" name="TextBox 4105"/>
           <p:cNvSpPr txBox="1"/>
           <p:nvPr/>
         </p:nvSpPr>
         <p:spPr>
           <a:xfrm>
-            <a:off x="4940967" y="3220447"/>
-            <a:ext cx="4275957" cy="234935"/>
+            <a:off x="4191840" y="2942699"/>
+            <a:ext cx="693588" cy="358683"/>
           </a:xfrm>
           <a:prstGeom prst="rect">
             <a:avLst/>
           </a:prstGeom>
-          <a:solidFill>
-            <a:srgbClr val="4472C4"/>
-          </a:solidFill>
-          <a:ln w="12726" cap="flat" cmpd="sng" algn="ctr">
-            <a:solidFill>
-              <a:srgbClr val="31538F"/>
-            </a:solidFill>
+          <a:noFill/>
+          <a:ln w="9525" cap="flat" cmpd="sng" algn="ctr">
+            <a:noFill/>
             <a:prstDash val="solid"/>
-            <a:miter/>
+            <a:round/>
           </a:ln>
         </p:spPr>
         <p:txBody>
-          <a:bodyPr vert="horz" wrap="square" lIns="91424" tIns="45700" rIns="91424" bIns="45700" anchor="ctr">
+          <a:bodyPr vert="horz" wrap="square" lIns="91424" tIns="45700" rIns="91424" bIns="45700" anchor="t">
             <a:noAutofit/>
           </a:bodyPr>
           <a:lstStyle/>
@@ -9217,7 +9919,7 @@
               <a:defRPr/>
             </a:pPr>
             <a:r>
-              <a:rPr kumimoji="1" lang="ko-KR" altLang="en-US" sz="1200" b="0" i="0" baseline="0">
+              <a:rPr kumimoji="1" lang="ko-KR" altLang="en-US" sz="1800" b="0" i="0" baseline="0">
                 <a:solidFill>
                   <a:srgbClr val="FFFFFF">
                     <a:alpha val="100000"/>
@@ -9227,9 +9929,9 @@
                 <a:ea typeface="맑은 고딕"/>
                 <a:sym typeface="맑은 고딕"/>
               </a:rPr>
-              <a:t> 일정 내용</a:t>
-            </a:r>
-            <a:endParaRPr kumimoji="1" lang="ko-KR" altLang="en-US" sz="1200" b="0" i="0">
+              <a:t>ID</a:t>
+            </a:r>
+            <a:endParaRPr kumimoji="1" lang="ko-KR" altLang="en-US" sz="1800" b="0" i="0">
               <a:solidFill>
                 <a:srgbClr val="FFFFFF">
                   <a:alpha val="100000"/>
@@ -9244,87 +9946,14 @@
       </p:sp>
       <p:sp>
         <p:nvSpPr>
-          <p:cNvPr id="6150" name="말풍선: 사각형 6149"/>
-          <p:cNvSpPr/>
-          <p:nvPr/>
-        </p:nvSpPr>
-        <p:spPr>
-          <a:xfrm rot="10800000">
-            <a:off x="8204282" y="1477713"/>
-            <a:ext cx="3209340" cy="1693559"/>
-          </a:xfrm>
-          <a:prstGeom prst="wedgeRectCallout">
-            <a:avLst>
-              <a:gd name="adj1" fmla="val -20833"/>
-              <a:gd name="adj2" fmla="val 62500"/>
-            </a:avLst>
-          </a:prstGeom>
-          <a:solidFill>
-            <a:srgbClr val="FFFFFF"/>
-          </a:solidFill>
-          <a:ln w="9544" cap="flat" cmpd="sng" algn="ctr">
-            <a:solidFill>
-              <a:srgbClr val="44546A"/>
-            </a:solidFill>
-            <a:prstDash val="solid"/>
-            <a:round/>
-          </a:ln>
-        </p:spPr>
-        <p:style>
-          <a:lnRef idx="2">
-            <a:schemeClr val="accent1">
-              <a:shade val="20000"/>
-            </a:schemeClr>
-          </a:lnRef>
-          <a:fillRef idx="1">
-            <a:schemeClr val="accent1"/>
-          </a:fillRef>
-          <a:effectRef idx="0">
-            <a:schemeClr val="accent1"/>
-          </a:effectRef>
-          <a:fontRef idx="minor">
-            <a:schemeClr val="lt1"/>
-          </a:fontRef>
-        </p:style>
-        <p:txBody>
-          <a:bodyPr vert="horz" wrap="none" lIns="91440" tIns="45720" rIns="91440" bIns="45720" anchor="t">
-            <a:noAutofit/>
-          </a:bodyPr>
-          <a:lstStyle/>
-          <a:p>
-            <a:pPr marL="0" lvl="0" indent="0" algn="l" rtl="0" eaLnBrk="1" latinLnBrk="1" hangingPunct="1">
-              <a:lnSpc>
-                <a:spcPct val="100000"/>
-              </a:lnSpc>
-              <a:spcBef>
-                <a:spcPct val="30000"/>
-              </a:spcBef>
-              <a:spcAft>
-                <a:spcPct val="0"/>
-              </a:spcAft>
-              <a:buNone/>
-              <a:defRPr/>
-            </a:pPr>
-            <a:endParaRPr kumimoji="1" lang="ko-KR" altLang="en-US" sz="1200" b="0" i="0" baseline="0">
-              <a:solidFill>
-                <a:schemeClr val="tx1"/>
-              </a:solidFill>
-              <a:latin typeface="Arial"/>
-              <a:ea typeface="Arial"/>
-            </a:endParaRPr>
-          </a:p>
-        </p:txBody>
-      </p:sp>
-      <p:sp>
-        <p:nvSpPr>
-          <p:cNvPr id="6151" name="TextBox 6150"/>
+          <p:cNvPr id="4107" name="TextBox 4106"/>
           <p:cNvSpPr txBox="1"/>
           <p:nvPr/>
         </p:nvSpPr>
         <p:spPr>
           <a:xfrm>
-            <a:off x="8337631" y="1555467"/>
-            <a:ext cx="2788699" cy="611090"/>
+            <a:off x="4191840" y="3812504"/>
+            <a:ext cx="693588" cy="369791"/>
           </a:xfrm>
           <a:prstGeom prst="rect">
             <a:avLst/>
@@ -9337,7 +9966,7 @@
           </a:ln>
         </p:spPr>
         <p:txBody>
-          <a:bodyPr vert="horz" wrap="square" lIns="91424" tIns="91424" rIns="91424" bIns="91424" anchor="t">
+          <a:bodyPr vert="horz" wrap="square" lIns="91424" tIns="45700" rIns="91424" bIns="45700" anchor="t">
             <a:noAutofit/>
           </a:bodyPr>
           <a:lstStyle/>
@@ -9356,9 +9985,9 @@
               <a:defRPr/>
             </a:pPr>
             <a:r>
-              <a:rPr kumimoji="1" lang="ko-KR" altLang="en-US" sz="1400" b="0" i="0" baseline="0">
+              <a:rPr kumimoji="1" lang="ko-KR" altLang="en-US" sz="1800" b="0" i="0" baseline="0">
                 <a:solidFill>
-                  <a:srgbClr val="000000">
+                  <a:srgbClr val="FFFFFF">
                     <a:alpha val="100000"/>
                   </a:srgbClr>
                 </a:solidFill>
@@ -9366,39 +9995,11 @@
                 <a:ea typeface="맑은 고딕"/>
                 <a:sym typeface="맑은 고딕"/>
               </a:rPr>
-              <a:t>2022.03.16 일정 코멘트 </a:t>
-            </a:r>
-          </a:p>
-          <a:p>
-            <a:pPr marL="0" lvl="0" indent="0" algn="l" defTabSz="58846888" rtl="0" eaLnBrk="1" latinLnBrk="0" hangingPunct="1">
-              <a:lnSpc>
-                <a:spcPct val="100000"/>
-              </a:lnSpc>
-              <a:spcBef>
-                <a:spcPct val="0"/>
-              </a:spcBef>
-              <a:spcAft>
-                <a:spcPct val="0"/>
-              </a:spcAft>
-              <a:buNone/>
-              <a:defRPr/>
-            </a:pPr>
-            <a:r>
-              <a:rPr kumimoji="1" lang="ko-KR" altLang="en-US" sz="1400" b="0" i="0" baseline="0">
-                <a:solidFill>
-                  <a:srgbClr val="000000">
-                    <a:alpha val="100000"/>
-                  </a:srgbClr>
-                </a:solidFill>
-                <a:latin typeface="맑은 고딕"/>
-                <a:ea typeface="맑은 고딕"/>
-                <a:sym typeface="맑은 고딕"/>
-              </a:rPr>
-              <a:t>ㅇㅇㅇ</a:t>
-            </a:r>
-            <a:endParaRPr kumimoji="1" lang="ko-KR" altLang="en-US" sz="1400" b="0" i="0">
+              <a:t>PW</a:t>
+            </a:r>
+            <a:endParaRPr kumimoji="1" lang="ko-KR" altLang="en-US" sz="1800" b="0" i="0">
               <a:solidFill>
-                <a:srgbClr val="000000">
+                <a:srgbClr val="FFFFFF">
                   <a:alpha val="100000"/>
                 </a:srgbClr>
               </a:solidFill>
@@ -9411,233 +10012,334 @@
       </p:sp>
       <p:pic>
         <p:nvPicPr>
-          <p:cNvPr id="6152" name="그림 6151"/>
+          <p:cNvPr id="4" name="그림 3">
+            <a:extLst>
+              <a:ext uri="{FF2B5EF4-FFF2-40B4-BE49-F238E27FC236}">
+                <a16:creationId xmlns:a16="http://schemas.microsoft.com/office/drawing/2014/main" id="{F75F4BFD-0E5A-4B0D-9BD6-D54E3E60E6D5}"/>
+              </a:ext>
+            </a:extLst>
+          </p:cNvPr>
           <p:cNvPicPr>
             <a:picLocks noChangeAspect="1"/>
           </p:cNvPicPr>
           <p:nvPr/>
         </p:nvPicPr>
-        <p:blipFill rotWithShape="1">
-          <a:blip r:embed="rId3">
-            <a:lum/>
-          </a:blip>
+        <p:blipFill>
+          <a:blip r:embed="rId2"/>
           <a:stretch>
             <a:fillRect/>
           </a:stretch>
         </p:blipFill>
         <p:spPr>
           <a:xfrm>
-            <a:off x="8185249" y="2320501"/>
-            <a:ext cx="3228373" cy="20652"/>
+            <a:off x="546230" y="276247"/>
+            <a:ext cx="5370649" cy="3025134"/>
           </a:xfrm>
           <a:prstGeom prst="rect">
             <a:avLst/>
           </a:prstGeom>
-          <a:noFill/>
-          <a:ln w="9525" cap="flat" cmpd="sng" algn="ctr">
-            <a:noFill/>
-            <a:prstDash val="solid"/>
-            <a:round/>
-          </a:ln>
         </p:spPr>
       </p:pic>
-      <p:sp>
-        <p:nvSpPr>
-          <p:cNvPr id="6153" name="TextBox 6152"/>
-          <p:cNvSpPr txBox="1"/>
-          <p:nvPr/>
-        </p:nvSpPr>
-        <p:spPr>
-          <a:xfrm>
-            <a:off x="8337631" y="2325246"/>
-            <a:ext cx="2941081" cy="603164"/>
-          </a:xfrm>
-          <a:prstGeom prst="rect">
-            <a:avLst/>
-          </a:prstGeom>
-          <a:noFill/>
-          <a:ln w="9525" cap="flat" cmpd="sng" algn="ctr">
-            <a:noFill/>
-            <a:prstDash val="solid"/>
-            <a:round/>
-          </a:ln>
-        </p:spPr>
-        <p:txBody>
-          <a:bodyPr vert="horz" wrap="square" lIns="91424" tIns="91424" rIns="91424" bIns="91424" anchor="t">
-            <a:noAutofit/>
-          </a:bodyPr>
-          <a:lstStyle/>
-          <a:p>
-            <a:pPr marL="0" lvl="0" indent="0" algn="l" defTabSz="58846888" rtl="0" eaLnBrk="1" latinLnBrk="0" hangingPunct="1">
-              <a:lnSpc>
-                <a:spcPct val="100000"/>
-              </a:lnSpc>
-              <a:spcBef>
-                <a:spcPct val="0"/>
-              </a:spcBef>
-              <a:spcAft>
-                <a:spcPct val="0"/>
-              </a:spcAft>
-              <a:buNone/>
-              <a:defRPr/>
-            </a:pPr>
-            <a:r>
-              <a:rPr kumimoji="1" lang="ko-KR" altLang="en-US" sz="1400" b="0" i="0" baseline="0">
-                <a:solidFill>
-                  <a:srgbClr val="000000">
-                    <a:alpha val="100000"/>
-                  </a:srgbClr>
-                </a:solidFill>
-                <a:latin typeface="맑은 고딕"/>
-                <a:ea typeface="맑은 고딕"/>
-                <a:sym typeface="맑은 고딕"/>
-              </a:rPr>
-              <a:t>2022.03.18 일정 코멘트 </a:t>
-            </a:r>
-          </a:p>
-          <a:p>
-            <a:pPr marL="0" lvl="0" indent="0" algn="l" defTabSz="58846888" rtl="0" eaLnBrk="1" latinLnBrk="0" hangingPunct="1">
-              <a:lnSpc>
-                <a:spcPct val="100000"/>
-              </a:lnSpc>
-              <a:spcBef>
-                <a:spcPct val="0"/>
-              </a:spcBef>
-              <a:spcAft>
-                <a:spcPct val="0"/>
-              </a:spcAft>
-              <a:buNone/>
-              <a:defRPr/>
-            </a:pPr>
-            <a:r>
-              <a:rPr kumimoji="1" lang="ko-KR" altLang="en-US" sz="1400" b="0" i="0" baseline="0">
-                <a:solidFill>
-                  <a:srgbClr val="000000">
-                    <a:alpha val="100000"/>
-                  </a:srgbClr>
-                </a:solidFill>
-                <a:latin typeface="맑은 고딕"/>
-                <a:ea typeface="맑은 고딕"/>
-                <a:sym typeface="맑은 고딕"/>
-              </a:rPr>
-              <a:t>ㅇㅇㅇ</a:t>
-            </a:r>
-            <a:endParaRPr kumimoji="1" lang="ko-KR" altLang="en-US" sz="1400" b="0" i="0">
-              <a:solidFill>
-                <a:srgbClr val="000000">
-                  <a:alpha val="100000"/>
-                </a:srgbClr>
-              </a:solidFill>
-              <a:latin typeface="맑은 고딕"/>
-              <a:ea typeface="맑은 고딕"/>
-              <a:sym typeface="맑은 고딕"/>
-            </a:endParaRPr>
-          </a:p>
-        </p:txBody>
-      </p:sp>
-      <p:sp>
-        <p:nvSpPr>
-          <p:cNvPr id="6154" name="TextBox 6153"/>
-          <p:cNvSpPr txBox="1"/>
-          <p:nvPr/>
-        </p:nvSpPr>
-        <p:spPr>
-          <a:xfrm>
-            <a:off x="8707422" y="3074429"/>
-            <a:ext cx="2203061" cy="525354"/>
-          </a:xfrm>
-          <a:prstGeom prst="rect">
-            <a:avLst/>
-          </a:prstGeom>
-          <a:solidFill>
-            <a:srgbClr val="F4B081"/>
-          </a:solidFill>
-          <a:ln w="12726" cap="flat" cmpd="sng" algn="ctr">
-            <a:solidFill>
-              <a:srgbClr val="31538F"/>
-            </a:solidFill>
-            <a:prstDash val="solid"/>
-            <a:miter/>
-          </a:ln>
-        </p:spPr>
-        <p:txBody>
-          <a:bodyPr vert="horz" wrap="square" lIns="91424" tIns="45700" rIns="91424" bIns="45700" anchor="ctr">
-            <a:noAutofit/>
-          </a:bodyPr>
-          <a:lstStyle/>
-          <a:p>
-            <a:pPr marL="0" lvl="0" indent="0" algn="l" defTabSz="58846888" rtl="0" eaLnBrk="1" latinLnBrk="0" hangingPunct="1">
-              <a:lnSpc>
-                <a:spcPct val="100000"/>
-              </a:lnSpc>
-              <a:spcBef>
-                <a:spcPct val="0"/>
-              </a:spcBef>
-              <a:spcAft>
-                <a:spcPct val="0"/>
-              </a:spcAft>
-              <a:buNone/>
-              <a:defRPr/>
-            </a:pPr>
-            <a:r>
-              <a:rPr kumimoji="1" lang="ko-KR" altLang="en-US" sz="1400" b="0" i="0" baseline="0">
-                <a:solidFill>
-                  <a:srgbClr val="000000">
-                    <a:alpha val="100000"/>
-                  </a:srgbClr>
-                </a:solidFill>
-                <a:latin typeface="맑은 고딕"/>
-                <a:ea typeface="맑은 고딕"/>
-                <a:sym typeface="맑은 고딕"/>
-              </a:rPr>
-              <a:t>코멘트 알림</a:t>
-            </a:r>
-            <a:endParaRPr kumimoji="1" lang="ko-KR" altLang="en-US" sz="1400" b="0" i="0">
-              <a:solidFill>
-                <a:srgbClr val="000000">
-                  <a:alpha val="100000"/>
-                </a:srgbClr>
-              </a:solidFill>
-              <a:latin typeface="맑은 고딕"/>
-              <a:ea typeface="맑은 고딕"/>
-              <a:sym typeface="맑은 고딕"/>
-            </a:endParaRPr>
-          </a:p>
-        </p:txBody>
-      </p:sp>
       <p:pic>
         <p:nvPicPr>
-          <p:cNvPr id="6155" name="그림 6154"/>
+          <p:cNvPr id="5" name="그림 4">
+            <a:extLst>
+              <a:ext uri="{FF2B5EF4-FFF2-40B4-BE49-F238E27FC236}">
+                <a16:creationId xmlns:a16="http://schemas.microsoft.com/office/drawing/2014/main" id="{8B387B92-D131-45B2-9D6D-B05D4ACA0DD1}"/>
+              </a:ext>
+            </a:extLst>
+          </p:cNvPr>
           <p:cNvPicPr>
             <a:picLocks noChangeAspect="1"/>
           </p:cNvPicPr>
           <p:nvPr/>
         </p:nvPicPr>
-        <p:blipFill rotWithShape="1">
-          <a:blip r:embed="rId4">
-            <a:lum/>
-          </a:blip>
+        <p:blipFill>
+          <a:blip r:embed="rId3"/>
           <a:stretch>
             <a:fillRect/>
           </a:stretch>
         </p:blipFill>
         <p:spPr>
           <a:xfrm>
-            <a:off x="3787107" y="933269"/>
-            <a:ext cx="295218" cy="285729"/>
+            <a:off x="6270361" y="0"/>
+            <a:ext cx="5596629" cy="3312947"/>
           </a:xfrm>
           <a:prstGeom prst="rect">
             <a:avLst/>
           </a:prstGeom>
-          <a:noFill/>
-          <a:ln w="9525" cap="flat" cmpd="sng" algn="ctr">
-            <a:noFill/>
-            <a:prstDash val="solid"/>
-            <a:round/>
+        </p:spPr>
+      </p:pic>
+      <p:sp>
+        <p:nvSpPr>
+          <p:cNvPr id="17" name="TextBox 16">
+            <a:extLst>
+              <a:ext uri="{FF2B5EF4-FFF2-40B4-BE49-F238E27FC236}">
+                <a16:creationId xmlns:a16="http://schemas.microsoft.com/office/drawing/2014/main" id="{5F17F7CE-5853-4ED8-8C22-F0AF42B69814}"/>
+              </a:ext>
+            </a:extLst>
+          </p:cNvPr>
+          <p:cNvSpPr txBox="1"/>
+          <p:nvPr/>
+        </p:nvSpPr>
+        <p:spPr>
+          <a:xfrm>
+            <a:off x="2756791" y="3561504"/>
+            <a:ext cx="6853430" cy="1477328"/>
+          </a:xfrm>
+          <a:prstGeom prst="rect">
+            <a:avLst/>
+          </a:prstGeom>
+          <a:solidFill>
+            <a:schemeClr val="accent2">
+              <a:lumMod val="40000"/>
+              <a:lumOff val="60000"/>
+            </a:schemeClr>
+          </a:solidFill>
+          <a:ln w="19050">
+            <a:solidFill>
+              <a:schemeClr val="accent2">
+                <a:lumMod val="75000"/>
+              </a:schemeClr>
+            </a:solidFill>
           </a:ln>
         </p:spPr>
-      </p:pic>
+        <p:txBody>
+          <a:bodyPr wrap="square" rtlCol="0">
+            <a:spAutoFit/>
+          </a:bodyPr>
+          <a:lstStyle/>
+          <a:p>
+            <a:r>
+              <a:rPr lang="ko-KR" altLang="en-US" dirty="0">
+                <a:latin typeface="맑은 고딕" panose="020B0503020000020004" pitchFamily="50" charset="-127"/>
+                <a:ea typeface="맑은 고딕" panose="020B0503020000020004" pitchFamily="50" charset="-127"/>
+              </a:rPr>
+              <a:t>창 크기 조절 </a:t>
+            </a:r>
+            <a:r>
+              <a:rPr lang="en-US" altLang="ko-KR" dirty="0">
+                <a:latin typeface="맑은 고딕" panose="020B0503020000020004" pitchFamily="50" charset="-127"/>
+                <a:ea typeface="맑은 고딕" panose="020B0503020000020004" pitchFamily="50" charset="-127"/>
+              </a:rPr>
+              <a:t>: </a:t>
+            </a:r>
+          </a:p>
+          <a:p>
+            <a:r>
+              <a:rPr lang="ko-KR" altLang="en-US" dirty="0">
+                <a:latin typeface="맑은 고딕" panose="020B0503020000020004" pitchFamily="50" charset="-127"/>
+                <a:ea typeface="맑은 고딕" panose="020B0503020000020004" pitchFamily="50" charset="-127"/>
+              </a:rPr>
+              <a:t>창 크기가 바뀔 때마다</a:t>
+            </a:r>
+            <a:r>
+              <a:rPr lang="en-US" altLang="ko-KR" dirty="0">
+                <a:latin typeface="맑은 고딕" panose="020B0503020000020004" pitchFamily="50" charset="-127"/>
+                <a:ea typeface="맑은 고딕" panose="020B0503020000020004" pitchFamily="50" charset="-127"/>
+              </a:rPr>
+              <a:t>, </a:t>
+            </a:r>
+            <a:r>
+              <a:rPr lang="ko-KR" altLang="en-US" dirty="0">
+                <a:latin typeface="맑은 고딕" panose="020B0503020000020004" pitchFamily="50" charset="-127"/>
+                <a:ea typeface="맑은 고딕" panose="020B0503020000020004" pitchFamily="50" charset="-127"/>
+              </a:rPr>
+              <a:t>창 크기에 맞게</a:t>
+            </a:r>
+            <a:br>
+              <a:rPr lang="en-US" altLang="ko-KR" dirty="0">
+                <a:latin typeface="맑은 고딕" panose="020B0503020000020004" pitchFamily="50" charset="-127"/>
+                <a:ea typeface="맑은 고딕" panose="020B0503020000020004" pitchFamily="50" charset="-127"/>
+              </a:rPr>
+            </a:br>
+            <a:r>
+              <a:rPr lang="ko-KR" altLang="en-US" dirty="0">
+                <a:latin typeface="맑은 고딕" panose="020B0503020000020004" pitchFamily="50" charset="-127"/>
+                <a:ea typeface="맑은 고딕" panose="020B0503020000020004" pitchFamily="50" charset="-127"/>
+              </a:rPr>
+              <a:t>컨텐츠가 확대 축소될 수 있도록</a:t>
+            </a:r>
+            <a:r>
+              <a:rPr lang="en-US" altLang="ko-KR" dirty="0">
+                <a:latin typeface="맑은 고딕" panose="020B0503020000020004" pitchFamily="50" charset="-127"/>
+                <a:ea typeface="맑은 고딕" panose="020B0503020000020004" pitchFamily="50" charset="-127"/>
+              </a:rPr>
+              <a:t>.</a:t>
+            </a:r>
+          </a:p>
+          <a:p>
+            <a:endParaRPr lang="en-US" altLang="ko-KR" dirty="0">
+              <a:latin typeface="맑은 고딕" panose="020B0503020000020004" pitchFamily="50" charset="-127"/>
+              <a:ea typeface="맑은 고딕" panose="020B0503020000020004" pitchFamily="50" charset="-127"/>
+            </a:endParaRPr>
+          </a:p>
+          <a:p>
+            <a:r>
+              <a:rPr lang="en-US" altLang="ko-KR" dirty="0">
+                <a:latin typeface="맑은 고딕" panose="020B0503020000020004" pitchFamily="50" charset="-127"/>
+                <a:ea typeface="맑은 고딕" panose="020B0503020000020004" pitchFamily="50" charset="-127"/>
+              </a:rPr>
+              <a:t>(</a:t>
+            </a:r>
+            <a:r>
+              <a:rPr lang="ko-KR" altLang="en-US" dirty="0">
+                <a:latin typeface="맑은 고딕" panose="020B0503020000020004" pitchFamily="50" charset="-127"/>
+                <a:ea typeface="맑은 고딕" panose="020B0503020000020004" pitchFamily="50" charset="-127"/>
+              </a:rPr>
+              <a:t>안 되면 </a:t>
+            </a:r>
+            <a:r>
+              <a:rPr lang="en-US" altLang="ko-KR" dirty="0" err="1">
+                <a:latin typeface="맑은 고딕" panose="020B0503020000020004" pitchFamily="50" charset="-127"/>
+                <a:ea typeface="맑은 고딕" panose="020B0503020000020004" pitchFamily="50" charset="-127"/>
+              </a:rPr>
+              <a:t>setResizable</a:t>
+            </a:r>
+            <a:r>
+              <a:rPr lang="en-US" altLang="ko-KR" dirty="0">
+                <a:latin typeface="맑은 고딕" panose="020B0503020000020004" pitchFamily="50" charset="-127"/>
+                <a:ea typeface="맑은 고딕" panose="020B0503020000020004" pitchFamily="50" charset="-127"/>
+              </a:rPr>
+              <a:t> = false </a:t>
+            </a:r>
+            <a:r>
+              <a:rPr lang="ko-KR" altLang="en-US" dirty="0">
+                <a:latin typeface="맑은 고딕" panose="020B0503020000020004" pitchFamily="50" charset="-127"/>
+                <a:ea typeface="맑은 고딕" panose="020B0503020000020004" pitchFamily="50" charset="-127"/>
+              </a:rPr>
+              <a:t>등으로 창 크기 조절 자체를 봉쇄</a:t>
+            </a:r>
+            <a:r>
+              <a:rPr lang="en-US" altLang="ko-KR" dirty="0">
+                <a:latin typeface="맑은 고딕" panose="020B0503020000020004" pitchFamily="50" charset="-127"/>
+                <a:ea typeface="맑은 고딕" panose="020B0503020000020004" pitchFamily="50" charset="-127"/>
+              </a:rPr>
+              <a:t>)</a:t>
+            </a:r>
+          </a:p>
+        </p:txBody>
+      </p:sp>
+      <p:sp>
+        <p:nvSpPr>
+          <p:cNvPr id="18" name="TextBox 17">
+            <a:extLst>
+              <a:ext uri="{FF2B5EF4-FFF2-40B4-BE49-F238E27FC236}">
+                <a16:creationId xmlns:a16="http://schemas.microsoft.com/office/drawing/2014/main" id="{5D4B3778-3946-49FC-9344-01B8585BEEC4}"/>
+              </a:ext>
+            </a:extLst>
+          </p:cNvPr>
+          <p:cNvSpPr txBox="1"/>
+          <p:nvPr/>
+        </p:nvSpPr>
+        <p:spPr>
+          <a:xfrm>
+            <a:off x="185262" y="158127"/>
+            <a:ext cx="2451061" cy="369332"/>
+          </a:xfrm>
+          <a:prstGeom prst="rect">
+            <a:avLst/>
+          </a:prstGeom>
+          <a:solidFill>
+            <a:schemeClr val="accent2">
+              <a:lumMod val="40000"/>
+              <a:lumOff val="60000"/>
+            </a:schemeClr>
+          </a:solidFill>
+          <a:ln w="19050">
+            <a:solidFill>
+              <a:schemeClr val="accent2">
+                <a:lumMod val="75000"/>
+              </a:schemeClr>
+            </a:solidFill>
+          </a:ln>
+        </p:spPr>
+        <p:txBody>
+          <a:bodyPr wrap="square" rtlCol="0">
+            <a:spAutoFit/>
+          </a:bodyPr>
+          <a:lstStyle/>
+          <a:p>
+            <a:r>
+              <a:rPr lang="ko-KR" altLang="en-US" dirty="0">
+                <a:latin typeface="맑은 고딕" panose="020B0503020000020004" pitchFamily="50" charset="-127"/>
+                <a:ea typeface="맑은 고딕" panose="020B0503020000020004" pitchFamily="50" charset="-127"/>
+              </a:rPr>
+              <a:t>빈 공간이 생기거나</a:t>
+            </a:r>
+            <a:r>
+              <a:rPr lang="en-US" altLang="ko-KR" dirty="0">
+                <a:latin typeface="맑은 고딕" panose="020B0503020000020004" pitchFamily="50" charset="-127"/>
+                <a:ea typeface="맑은 고딕" panose="020B0503020000020004" pitchFamily="50" charset="-127"/>
+              </a:rPr>
+              <a:t>…</a:t>
+            </a:r>
+          </a:p>
+        </p:txBody>
+      </p:sp>
+      <p:sp>
+        <p:nvSpPr>
+          <p:cNvPr id="19" name="TextBox 18">
+            <a:extLst>
+              <a:ext uri="{FF2B5EF4-FFF2-40B4-BE49-F238E27FC236}">
+                <a16:creationId xmlns:a16="http://schemas.microsoft.com/office/drawing/2014/main" id="{7539F474-CEF9-434D-BBC1-042B1F8A8CCA}"/>
+              </a:ext>
+            </a:extLst>
+          </p:cNvPr>
+          <p:cNvSpPr txBox="1"/>
+          <p:nvPr/>
+        </p:nvSpPr>
+        <p:spPr>
+          <a:xfrm>
+            <a:off x="6183506" y="225131"/>
+            <a:ext cx="2287004" cy="369332"/>
+          </a:xfrm>
+          <a:prstGeom prst="rect">
+            <a:avLst/>
+          </a:prstGeom>
+          <a:solidFill>
+            <a:schemeClr val="accent2">
+              <a:lumMod val="40000"/>
+              <a:lumOff val="60000"/>
+            </a:schemeClr>
+          </a:solidFill>
+          <a:ln w="19050">
+            <a:solidFill>
+              <a:schemeClr val="accent2">
+                <a:lumMod val="75000"/>
+              </a:schemeClr>
+            </a:solidFill>
+          </a:ln>
+        </p:spPr>
+        <p:txBody>
+          <a:bodyPr wrap="square" rtlCol="0">
+            <a:spAutoFit/>
+          </a:bodyPr>
+          <a:lstStyle/>
+          <a:p>
+            <a:r>
+              <a:rPr lang="ko-KR" altLang="en-US" dirty="0">
+                <a:latin typeface="맑은 고딕" panose="020B0503020000020004" pitchFamily="50" charset="-127"/>
+                <a:ea typeface="맑은 고딕" panose="020B0503020000020004" pitchFamily="50" charset="-127"/>
+              </a:rPr>
+              <a:t>화면이 잘려 보임</a:t>
+            </a:r>
+            <a:r>
+              <a:rPr lang="en-US" altLang="ko-KR" dirty="0">
+                <a:latin typeface="맑은 고딕" panose="020B0503020000020004" pitchFamily="50" charset="-127"/>
+                <a:ea typeface="맑은 고딕" panose="020B0503020000020004" pitchFamily="50" charset="-127"/>
+              </a:rPr>
+              <a:t>.</a:t>
+            </a:r>
+          </a:p>
+        </p:txBody>
+      </p:sp>
     </p:spTree>
+    <p:extLst>
+      <p:ext uri="{BB962C8B-B14F-4D97-AF65-F5344CB8AC3E}">
+        <p14:creationId xmlns:p14="http://schemas.microsoft.com/office/powerpoint/2010/main" val="2703645249"/>
+      </p:ext>
+    </p:extLst>
   </p:cSld>
   <p:clrMapOvr>
     <a:masterClrMapping/>
@@ -9646,7 +10348,7 @@
     <mc:Choice Requires="p14">
       <p:transition/>
     </mc:Choice>
-    <mc:Fallback xmlns:dsp="http://schemas.microsoft.com/office/drawing/2008/diagram" xmlns:dgm="http://schemas.openxmlformats.org/drawingml/2006/diagram" xmlns:c="http://schemas.openxmlformats.org/drawingml/2006/chart" xmlns="">
+    <mc:Fallback xmlns="" xmlns:c="http://schemas.openxmlformats.org/drawingml/2006/chart" xmlns:dgm="http://schemas.openxmlformats.org/drawingml/2006/diagram" xmlns:dsp="http://schemas.microsoft.com/office/drawing/2008/diagram">
       <p:transition/>
     </mc:Fallback>
   </mc:AlternateContent>
@@ -10504,6 +11206,92 @@
           </a:ln>
         </p:spPr>
       </p:pic>
+      <p:sp>
+        <p:nvSpPr>
+          <p:cNvPr id="13" name="TextBox 12">
+            <a:extLst>
+              <a:ext uri="{FF2B5EF4-FFF2-40B4-BE49-F238E27FC236}">
+                <a16:creationId xmlns:a16="http://schemas.microsoft.com/office/drawing/2014/main" id="{A96067CB-CD40-43D1-B047-5092AD9ECF56}"/>
+              </a:ext>
+            </a:extLst>
+          </p:cNvPr>
+          <p:cNvSpPr txBox="1"/>
+          <p:nvPr/>
+        </p:nvSpPr>
+        <p:spPr>
+          <a:xfrm>
+            <a:off x="5910067" y="2432267"/>
+            <a:ext cx="6127315" cy="369332"/>
+          </a:xfrm>
+          <a:prstGeom prst="rect">
+            <a:avLst/>
+          </a:prstGeom>
+          <a:solidFill>
+            <a:schemeClr val="accent2">
+              <a:lumMod val="40000"/>
+              <a:lumOff val="60000"/>
+            </a:schemeClr>
+          </a:solidFill>
+          <a:ln w="19050">
+            <a:solidFill>
+              <a:schemeClr val="accent2">
+                <a:lumMod val="75000"/>
+              </a:schemeClr>
+            </a:solidFill>
+          </a:ln>
+        </p:spPr>
+        <p:txBody>
+          <a:bodyPr wrap="square" rtlCol="0">
+            <a:spAutoFit/>
+          </a:bodyPr>
+          <a:lstStyle/>
+          <a:p>
+            <a:pPr marL="285750" indent="-285750">
+              <a:buFontTx/>
+              <a:buChar char="-"/>
+            </a:pPr>
+            <a:r>
+              <a:rPr lang="ko-KR" altLang="en-US" dirty="0">
+                <a:latin typeface="맑은 고딕" panose="020B0503020000020004" pitchFamily="50" charset="-127"/>
+                <a:ea typeface="맑은 고딕" panose="020B0503020000020004" pitchFamily="50" charset="-127"/>
+              </a:rPr>
+              <a:t>일정 </a:t>
+            </a:r>
+            <a:r>
+              <a:rPr lang="en-US" altLang="ko-KR" dirty="0">
+                <a:latin typeface="맑은 고딕" panose="020B0503020000020004" pitchFamily="50" charset="-127"/>
+                <a:ea typeface="맑은 고딕" panose="020B0503020000020004" pitchFamily="50" charset="-127"/>
+              </a:rPr>
+              <a:t>-&gt; </a:t>
+            </a:r>
+            <a:r>
+              <a:rPr lang="ko-KR" altLang="en-US" dirty="0">
+                <a:latin typeface="맑은 고딕" panose="020B0503020000020004" pitchFamily="50" charset="-127"/>
+                <a:ea typeface="맑은 고딕" panose="020B0503020000020004" pitchFamily="50" charset="-127"/>
+              </a:rPr>
+              <a:t>일정 간단히 보기 </a:t>
+            </a:r>
+            <a:r>
+              <a:rPr lang="en-US" altLang="ko-KR" dirty="0">
+                <a:latin typeface="맑은 고딕" panose="020B0503020000020004" pitchFamily="50" charset="-127"/>
+                <a:ea typeface="맑은 고딕" panose="020B0503020000020004" pitchFamily="50" charset="-127"/>
+              </a:rPr>
+              <a:t>-&gt; </a:t>
+            </a:r>
+            <a:r>
+              <a:rPr lang="ko-KR" altLang="en-US" dirty="0">
+                <a:latin typeface="맑은 고딕" panose="020B0503020000020004" pitchFamily="50" charset="-127"/>
+                <a:ea typeface="맑은 고딕" panose="020B0503020000020004" pitchFamily="50" charset="-127"/>
+              </a:rPr>
+              <a:t>일정 세부내용 보기 연결 </a:t>
+            </a:r>
+            <a:endParaRPr lang="en-US" altLang="ko-KR" dirty="0">
+              <a:latin typeface="맑은 고딕" panose="020B0503020000020004" pitchFamily="50" charset="-127"/>
+              <a:ea typeface="맑은 고딕" panose="020B0503020000020004" pitchFamily="50" charset="-127"/>
+            </a:endParaRPr>
+          </a:p>
+        </p:txBody>
+      </p:sp>
     </p:spTree>
   </p:cSld>
   <p:clrMapOvr>
@@ -10513,7 +11301,7 @@
     <mc:Choice Requires="p14">
       <p:transition/>
     </mc:Choice>
-    <mc:Fallback xmlns:dsp="http://schemas.microsoft.com/office/drawing/2008/diagram" xmlns:dgm="http://schemas.openxmlformats.org/drawingml/2006/diagram" xmlns:c="http://schemas.openxmlformats.org/drawingml/2006/chart" xmlns="">
+    <mc:Fallback xmlns="" xmlns:c="http://schemas.openxmlformats.org/drawingml/2006/chart" xmlns:dgm="http://schemas.openxmlformats.org/drawingml/2006/diagram" xmlns:dsp="http://schemas.microsoft.com/office/drawing/2008/diagram">
       <p:transition/>
     </mc:Fallback>
   </mc:AlternateContent>
@@ -11565,38 +12353,6 @@
               </a:p>
             </p:txBody>
           </p:sp>
-          <p:pic>
-            <p:nvPicPr>
-              <p:cNvPr id="8214" name="그림 8213"/>
-              <p:cNvPicPr>
-                <a:picLocks noChangeAspect="1"/>
-              </p:cNvPicPr>
-              <p:nvPr/>
-            </p:nvPicPr>
-            <p:blipFill rotWithShape="1">
-              <a:blip r:embed="rId5">
-                <a:lum/>
-              </a:blip>
-              <a:stretch>
-                <a:fillRect/>
-              </a:stretch>
-            </p:blipFill>
-            <p:spPr>
-              <a:xfrm>
-                <a:off x="7893211" y="1258685"/>
-                <a:ext cx="1637965" cy="1637965"/>
-              </a:xfrm>
-              <a:prstGeom prst="rect">
-                <a:avLst/>
-              </a:prstGeom>
-              <a:noFill/>
-              <a:ln w="9525" cap="flat" cmpd="sng" algn="ctr">
-                <a:noFill/>
-                <a:prstDash val="solid"/>
-                <a:round/>
-              </a:ln>
-            </p:spPr>
-          </p:pic>
         </p:grpSp>
         <p:pic>
           <p:nvPicPr>
@@ -11672,7 +12428,7 @@
           <p:nvPr/>
         </p:nvPicPr>
         <p:blipFill rotWithShape="1">
-          <a:blip r:embed="rId6">
+          <a:blip r:embed="rId5">
             <a:lum/>
           </a:blip>
           <a:stretch>
@@ -11695,6 +12451,198 @@
           </a:ln>
         </p:spPr>
       </p:pic>
+      <p:sp>
+        <p:nvSpPr>
+          <p:cNvPr id="21" name="TextBox 20">
+            <a:extLst>
+              <a:ext uri="{FF2B5EF4-FFF2-40B4-BE49-F238E27FC236}">
+                <a16:creationId xmlns:a16="http://schemas.microsoft.com/office/drawing/2014/main" id="{B894575D-8154-4DB8-B4D3-424E1D833092}"/>
+              </a:ext>
+            </a:extLst>
+          </p:cNvPr>
+          <p:cNvSpPr txBox="1"/>
+          <p:nvPr/>
+        </p:nvSpPr>
+        <p:spPr>
+          <a:xfrm>
+            <a:off x="7030523" y="1996929"/>
+            <a:ext cx="3488262" cy="1200329"/>
+          </a:xfrm>
+          <a:prstGeom prst="rect">
+            <a:avLst/>
+          </a:prstGeom>
+          <a:solidFill>
+            <a:schemeClr val="accent2">
+              <a:lumMod val="40000"/>
+              <a:lumOff val="60000"/>
+            </a:schemeClr>
+          </a:solidFill>
+          <a:ln w="19050">
+            <a:solidFill>
+              <a:schemeClr val="accent2">
+                <a:lumMod val="75000"/>
+              </a:schemeClr>
+            </a:solidFill>
+          </a:ln>
+        </p:spPr>
+        <p:txBody>
+          <a:bodyPr wrap="square" rtlCol="0">
+            <a:spAutoFit/>
+          </a:bodyPr>
+          <a:lstStyle/>
+          <a:p>
+            <a:pPr marL="285750" indent="-285750">
+              <a:buFontTx/>
+              <a:buChar char="-"/>
+            </a:pPr>
+            <a:r>
+              <a:rPr lang="ko-KR" altLang="en-US" dirty="0">
+                <a:solidFill>
+                  <a:schemeClr val="tx1">
+                    <a:lumMod val="65000"/>
+                    <a:lumOff val="35000"/>
+                  </a:schemeClr>
+                </a:solidFill>
+                <a:latin typeface="맑은 고딕" panose="020B0503020000020004" pitchFamily="50" charset="-127"/>
+                <a:ea typeface="맑은 고딕" panose="020B0503020000020004" pitchFamily="50" charset="-127"/>
+              </a:rPr>
+              <a:t>사진 </a:t>
+            </a:r>
+            <a:r>
+              <a:rPr lang="en-US" altLang="ko-KR" dirty="0">
+                <a:solidFill>
+                  <a:schemeClr val="tx1">
+                    <a:lumMod val="65000"/>
+                    <a:lumOff val="35000"/>
+                  </a:schemeClr>
+                </a:solidFill>
+                <a:latin typeface="맑은 고딕" panose="020B0503020000020004" pitchFamily="50" charset="-127"/>
+                <a:ea typeface="맑은 고딕" panose="020B0503020000020004" pitchFamily="50" charset="-127"/>
+              </a:rPr>
+              <a:t>: </a:t>
+            </a:r>
+            <a:r>
+              <a:rPr lang="ko-KR" altLang="en-US" dirty="0">
+                <a:solidFill>
+                  <a:schemeClr val="tx1">
+                    <a:lumMod val="65000"/>
+                    <a:lumOff val="35000"/>
+                  </a:schemeClr>
+                </a:solidFill>
+                <a:latin typeface="맑은 고딕" panose="020B0503020000020004" pitchFamily="50" charset="-127"/>
+                <a:ea typeface="맑은 고딕" panose="020B0503020000020004" pitchFamily="50" charset="-127"/>
+              </a:rPr>
+              <a:t>폐기</a:t>
+            </a:r>
+            <a:endParaRPr lang="en-US" altLang="ko-KR" dirty="0">
+              <a:solidFill>
+                <a:schemeClr val="tx1">
+                  <a:lumMod val="65000"/>
+                  <a:lumOff val="35000"/>
+                </a:schemeClr>
+              </a:solidFill>
+              <a:latin typeface="맑은 고딕" panose="020B0503020000020004" pitchFamily="50" charset="-127"/>
+              <a:ea typeface="맑은 고딕" panose="020B0503020000020004" pitchFamily="50" charset="-127"/>
+            </a:endParaRPr>
+          </a:p>
+          <a:p>
+            <a:pPr marL="285750" indent="-285750">
+              <a:buFontTx/>
+              <a:buChar char="-"/>
+            </a:pPr>
+            <a:r>
+              <a:rPr lang="ko-KR" altLang="en-US" dirty="0">
+                <a:latin typeface="맑은 고딕" panose="020B0503020000020004" pitchFamily="50" charset="-127"/>
+                <a:ea typeface="맑은 고딕" panose="020B0503020000020004" pitchFamily="50" charset="-127"/>
+              </a:rPr>
+              <a:t>코멘트 들어갈 패널 구현</a:t>
+            </a:r>
+            <a:endParaRPr lang="en-US" altLang="ko-KR" dirty="0">
+              <a:latin typeface="맑은 고딕" panose="020B0503020000020004" pitchFamily="50" charset="-127"/>
+              <a:ea typeface="맑은 고딕" panose="020B0503020000020004" pitchFamily="50" charset="-127"/>
+            </a:endParaRPr>
+          </a:p>
+          <a:p>
+            <a:pPr marL="285750" indent="-285750">
+              <a:buFontTx/>
+              <a:buChar char="-"/>
+            </a:pPr>
+            <a:r>
+              <a:rPr lang="ko-KR" altLang="en-US" dirty="0">
+                <a:latin typeface="맑은 고딕" panose="020B0503020000020004" pitchFamily="50" charset="-127"/>
+                <a:ea typeface="맑은 고딕" panose="020B0503020000020004" pitchFamily="50" charset="-127"/>
+              </a:rPr>
+              <a:t>코멘트 등록</a:t>
+            </a:r>
+            <a:r>
+              <a:rPr lang="en-US" altLang="ko-KR" dirty="0">
+                <a:latin typeface="맑은 고딕" panose="020B0503020000020004" pitchFamily="50" charset="-127"/>
+                <a:ea typeface="맑은 고딕" panose="020B0503020000020004" pitchFamily="50" charset="-127"/>
+              </a:rPr>
+              <a:t>/</a:t>
+            </a:r>
+            <a:r>
+              <a:rPr lang="ko-KR" altLang="en-US" dirty="0">
+                <a:latin typeface="맑은 고딕" panose="020B0503020000020004" pitchFamily="50" charset="-127"/>
+                <a:ea typeface="맑은 고딕" panose="020B0503020000020004" pitchFamily="50" charset="-127"/>
+              </a:rPr>
+              <a:t>삭제</a:t>
+            </a:r>
+            <a:r>
+              <a:rPr lang="en-US" altLang="ko-KR" dirty="0">
+                <a:latin typeface="맑은 고딕" panose="020B0503020000020004" pitchFamily="50" charset="-127"/>
+                <a:ea typeface="맑은 고딕" panose="020B0503020000020004" pitchFamily="50" charset="-127"/>
+              </a:rPr>
+              <a:t>/</a:t>
+            </a:r>
+            <a:r>
+              <a:rPr lang="ko-KR" altLang="en-US" dirty="0">
+                <a:latin typeface="맑은 고딕" panose="020B0503020000020004" pitchFamily="50" charset="-127"/>
+                <a:ea typeface="맑은 고딕" panose="020B0503020000020004" pitchFamily="50" charset="-127"/>
+              </a:rPr>
+              <a:t>수정 구현</a:t>
+            </a:r>
+            <a:br>
+              <a:rPr lang="en-US" altLang="ko-KR" dirty="0">
+                <a:latin typeface="맑은 고딕" panose="020B0503020000020004" pitchFamily="50" charset="-127"/>
+                <a:ea typeface="맑은 고딕" panose="020B0503020000020004" pitchFamily="50" charset="-127"/>
+              </a:rPr>
+            </a:br>
+            <a:r>
+              <a:rPr lang="en-US" altLang="ko-KR" dirty="0">
+                <a:latin typeface="맑은 고딕" panose="020B0503020000020004" pitchFamily="50" charset="-127"/>
+                <a:ea typeface="맑은 고딕" panose="020B0503020000020004" pitchFamily="50" charset="-127"/>
+              </a:rPr>
+              <a:t>(8</a:t>
+            </a:r>
+            <a:r>
+              <a:rPr lang="ko-KR" altLang="en-US" dirty="0">
+                <a:latin typeface="맑은 고딕" panose="020B0503020000020004" pitchFamily="50" charset="-127"/>
+                <a:ea typeface="맑은 고딕" panose="020B0503020000020004" pitchFamily="50" charset="-127"/>
+              </a:rPr>
+              <a:t>번 슬라이드로</a:t>
+            </a:r>
+            <a:r>
+              <a:rPr lang="en-US" altLang="ko-KR" dirty="0">
+                <a:latin typeface="맑은 고딕" panose="020B0503020000020004" pitchFamily="50" charset="-127"/>
+                <a:ea typeface="맑은 고딕" panose="020B0503020000020004" pitchFamily="50" charset="-127"/>
+              </a:rPr>
+              <a:t>)</a:t>
+            </a:r>
+            <a:r>
+              <a:rPr lang="ko-KR" altLang="en-US" dirty="0">
+                <a:latin typeface="맑은 고딕" panose="020B0503020000020004" pitchFamily="50" charset="-127"/>
+                <a:ea typeface="맑은 고딕" panose="020B0503020000020004" pitchFamily="50" charset="-127"/>
+              </a:rPr>
+              <a:t> </a:t>
+            </a:r>
+            <a:endParaRPr lang="en-US" altLang="ko-KR" dirty="0">
+              <a:latin typeface="맑은 고딕" panose="020B0503020000020004" pitchFamily="50" charset="-127"/>
+              <a:ea typeface="맑은 고딕" panose="020B0503020000020004" pitchFamily="50" charset="-127"/>
+            </a:endParaRPr>
+          </a:p>
+        </p:txBody>
+      </p:sp>
     </p:spTree>
   </p:cSld>
   <p:clrMapOvr>
@@ -11704,7 +12652,7 @@
     <mc:Choice Requires="p14">
       <p:transition/>
     </mc:Choice>
-    <mc:Fallback xmlns:dsp="http://schemas.microsoft.com/office/drawing/2008/diagram" xmlns:dgm="http://schemas.openxmlformats.org/drawingml/2006/diagram" xmlns:c="http://schemas.openxmlformats.org/drawingml/2006/chart" xmlns="">
+    <mc:Fallback xmlns="" xmlns:c="http://schemas.openxmlformats.org/drawingml/2006/chart" xmlns:dgm="http://schemas.openxmlformats.org/drawingml/2006/diagram" xmlns:dsp="http://schemas.microsoft.com/office/drawing/2008/diagram">
       <p:transition/>
     </mc:Fallback>
   </mc:AlternateContent>
@@ -11876,7 +12824,7 @@
               <a:defRPr/>
             </a:pPr>
             <a:r>
-              <a:rPr kumimoji="1" lang="ko-KR" altLang="en-US" sz="1200" b="0" i="0" baseline="0">
+              <a:rPr kumimoji="1" lang="ko-KR" altLang="en-US" sz="1200" b="0" i="0" baseline="0" dirty="0">
                 <a:solidFill>
                   <a:srgbClr val="FFFFFF">
                     <a:alpha val="100000"/>
@@ -11888,7 +12836,7 @@
               </a:rPr>
               <a:t> 일정 내용</a:t>
             </a:r>
-            <a:endParaRPr kumimoji="1" lang="ko-KR" altLang="en-US" sz="1200" b="0" i="0">
+            <a:endParaRPr kumimoji="1" lang="ko-KR" altLang="en-US" sz="1200" b="0" i="0" dirty="0">
               <a:solidFill>
                 <a:srgbClr val="FFFFFF">
                   <a:alpha val="100000"/>
@@ -12689,102 +13637,6 @@
           </a:ln>
         </p:spPr>
       </p:pic>
-      <p:sp>
-        <p:nvSpPr>
-          <p:cNvPr id="9237" name="TextBox 9236"/>
-          <p:cNvSpPr txBox="1"/>
-          <p:nvPr/>
-        </p:nvSpPr>
-        <p:spPr>
-          <a:xfrm>
-            <a:off x="9545466" y="1836396"/>
-            <a:ext cx="2203061" cy="525354"/>
-          </a:xfrm>
-          <a:prstGeom prst="rect">
-            <a:avLst/>
-          </a:prstGeom>
-          <a:solidFill>
-            <a:srgbClr val="F4B081"/>
-          </a:solidFill>
-          <a:ln w="12726" cap="flat" cmpd="sng" algn="ctr">
-            <a:solidFill>
-              <a:srgbClr val="31538F"/>
-            </a:solidFill>
-            <a:prstDash val="solid"/>
-            <a:miter/>
-          </a:ln>
-        </p:spPr>
-        <p:txBody>
-          <a:bodyPr vert="horz" wrap="square" lIns="91424" tIns="45700" rIns="91424" bIns="45700" anchor="ctr">
-            <a:noAutofit/>
-          </a:bodyPr>
-          <a:lstStyle/>
-          <a:p>
-            <a:pPr marL="0" lvl="0" indent="0" algn="l" defTabSz="58846888" rtl="0" eaLnBrk="1" latinLnBrk="0" hangingPunct="1">
-              <a:lnSpc>
-                <a:spcPct val="100000"/>
-              </a:lnSpc>
-              <a:spcBef>
-                <a:spcPct val="0"/>
-              </a:spcBef>
-              <a:spcAft>
-                <a:spcPct val="0"/>
-              </a:spcAft>
-              <a:buNone/>
-              <a:defRPr/>
-            </a:pPr>
-            <a:r>
-              <a:rPr kumimoji="1" lang="ko-KR" altLang="en-US" sz="1400" b="0" i="0" baseline="0">
-                <a:solidFill>
-                  <a:srgbClr val="000000">
-                    <a:alpha val="100000"/>
-                  </a:srgbClr>
-                </a:solidFill>
-                <a:latin typeface="맑은 고딕"/>
-                <a:ea typeface="맑은 고딕"/>
-                <a:sym typeface="맑은 고딕"/>
-              </a:rPr>
-              <a:t>달력</a:t>
-            </a:r>
-            <a:r>
-              <a:rPr kumimoji="1" lang="ko-KR" altLang="en-US" sz="1400" b="0" i="0" baseline="0">
-                <a:solidFill>
-                  <a:srgbClr val="000000">
-                    <a:alpha val="100000"/>
-                  </a:srgbClr>
-                </a:solidFill>
-                <a:latin typeface="바탕"/>
-                <a:ea typeface="맑은 고딕"/>
-                <a:sym typeface="맑은 고딕"/>
-              </a:rPr>
-              <a:t>:</a:t>
-            </a:r>
-            <a:r>
-              <a:rPr kumimoji="1" lang="ko-KR" altLang="en-US" sz="1400" b="0" i="0" baseline="0">
-                <a:solidFill>
-                  <a:srgbClr val="000000">
-                    <a:alpha val="100000"/>
-                  </a:srgbClr>
-                </a:solidFill>
-                <a:latin typeface="맑은 고딕"/>
-                <a:ea typeface="맑은 고딕"/>
-                <a:sym typeface="맑은 고딕"/>
-              </a:rPr>
-              <a:t> 주별 보기</a:t>
-            </a:r>
-            <a:endParaRPr kumimoji="1" lang="ko-KR" altLang="en-US" sz="1400" b="0" i="0">
-              <a:solidFill>
-                <a:srgbClr val="000000">
-                  <a:alpha val="100000"/>
-                </a:srgbClr>
-              </a:solidFill>
-              <a:latin typeface="맑은 고딕"/>
-              <a:ea typeface="맑은 고딕"/>
-              <a:sym typeface="맑은 고딕"/>
-            </a:endParaRPr>
-          </a:p>
-        </p:txBody>
-      </p:sp>
       <p:pic>
         <p:nvPicPr>
           <p:cNvPr id="9238" name="그림 9237"/>
@@ -12817,7 +13669,1445 @@
           </a:ln>
         </p:spPr>
       </p:pic>
+      <p:sp>
+        <p:nvSpPr>
+          <p:cNvPr id="18" name="TextBox 17">
+            <a:extLst>
+              <a:ext uri="{FF2B5EF4-FFF2-40B4-BE49-F238E27FC236}">
+                <a16:creationId xmlns:a16="http://schemas.microsoft.com/office/drawing/2014/main" id="{7E8F8F04-0E64-4C7E-BC24-A4C8DF563DFB}"/>
+              </a:ext>
+            </a:extLst>
+          </p:cNvPr>
+          <p:cNvSpPr txBox="1"/>
+          <p:nvPr/>
+        </p:nvSpPr>
+        <p:spPr>
+          <a:xfrm>
+            <a:off x="256966" y="753927"/>
+            <a:ext cx="2091250" cy="369332"/>
+          </a:xfrm>
+          <a:prstGeom prst="rect">
+            <a:avLst/>
+          </a:prstGeom>
+          <a:solidFill>
+            <a:schemeClr val="accent2">
+              <a:lumMod val="40000"/>
+              <a:lumOff val="60000"/>
+            </a:schemeClr>
+          </a:solidFill>
+          <a:ln w="19050">
+            <a:solidFill>
+              <a:schemeClr val="accent2">
+                <a:lumMod val="75000"/>
+              </a:schemeClr>
+            </a:solidFill>
+          </a:ln>
+        </p:spPr>
+        <p:txBody>
+          <a:bodyPr wrap="square" rtlCol="0">
+            <a:spAutoFit/>
+          </a:bodyPr>
+          <a:lstStyle/>
+          <a:p>
+            <a:r>
+              <a:rPr lang="en-US" altLang="ko-KR" dirty="0">
+                <a:latin typeface="맑은 고딕" panose="020B0503020000020004" pitchFamily="50" charset="-127"/>
+                <a:ea typeface="맑은 고딕" panose="020B0503020000020004" pitchFamily="50" charset="-127"/>
+              </a:rPr>
+              <a:t>[D-Day </a:t>
+            </a:r>
+            <a:r>
+              <a:rPr lang="ko-KR" altLang="en-US" dirty="0">
+                <a:latin typeface="맑은 고딕" panose="020B0503020000020004" pitchFamily="50" charset="-127"/>
+                <a:ea typeface="맑은 고딕" panose="020B0503020000020004" pitchFamily="50" charset="-127"/>
+              </a:rPr>
+              <a:t>구상 예시</a:t>
+            </a:r>
+            <a:r>
+              <a:rPr lang="en-US" altLang="ko-KR" dirty="0">
+                <a:latin typeface="맑은 고딕" panose="020B0503020000020004" pitchFamily="50" charset="-127"/>
+                <a:ea typeface="맑은 고딕" panose="020B0503020000020004" pitchFamily="50" charset="-127"/>
+              </a:rPr>
+              <a:t>]</a:t>
+            </a:r>
+          </a:p>
+        </p:txBody>
+      </p:sp>
+      <p:grpSp>
+        <p:nvGrpSpPr>
+          <p:cNvPr id="19" name="Group 1">
+            <a:extLst>
+              <a:ext uri="{FF2B5EF4-FFF2-40B4-BE49-F238E27FC236}">
+                <a16:creationId xmlns:a16="http://schemas.microsoft.com/office/drawing/2014/main" id="{ABB4CA00-3C02-4379-8B67-07AE1AA0B427}"/>
+              </a:ext>
+            </a:extLst>
+          </p:cNvPr>
+          <p:cNvGrpSpPr/>
+          <p:nvPr/>
+        </p:nvGrpSpPr>
+        <p:grpSpPr>
+          <a:xfrm>
+            <a:off x="4758444" y="661884"/>
+            <a:ext cx="5166358" cy="5755233"/>
+            <a:chOff x="4758444" y="661884"/>
+            <a:chExt cx="5166358" cy="5755233"/>
+          </a:xfrm>
+        </p:grpSpPr>
+        <p:grpSp>
+          <p:nvGrpSpPr>
+            <p:cNvPr id="20" name="Group 1">
+              <a:extLst>
+                <a:ext uri="{FF2B5EF4-FFF2-40B4-BE49-F238E27FC236}">
+                  <a16:creationId xmlns:a16="http://schemas.microsoft.com/office/drawing/2014/main" id="{63BA6AC5-58AF-4776-A7C9-0109BA0E2201}"/>
+                </a:ext>
+              </a:extLst>
+            </p:cNvPr>
+            <p:cNvGrpSpPr/>
+            <p:nvPr/>
+          </p:nvGrpSpPr>
+          <p:grpSpPr>
+            <a:xfrm>
+              <a:off x="4758444" y="661884"/>
+              <a:ext cx="5166358" cy="5755233"/>
+              <a:chOff x="4758444" y="661884"/>
+              <a:chExt cx="5166358" cy="5755233"/>
+            </a:xfrm>
+          </p:grpSpPr>
+          <p:grpSp>
+            <p:nvGrpSpPr>
+              <p:cNvPr id="23" name="Group 1">
+                <a:extLst>
+                  <a:ext uri="{FF2B5EF4-FFF2-40B4-BE49-F238E27FC236}">
+                    <a16:creationId xmlns:a16="http://schemas.microsoft.com/office/drawing/2014/main" id="{9C618F11-5147-4519-97A8-377875309B2C}"/>
+                  </a:ext>
+                </a:extLst>
+              </p:cNvPr>
+              <p:cNvGrpSpPr/>
+              <p:nvPr/>
+            </p:nvGrpSpPr>
+            <p:grpSpPr>
+              <a:xfrm>
+                <a:off x="4758444" y="661884"/>
+                <a:ext cx="5166358" cy="5755233"/>
+                <a:chOff x="4758444" y="661884"/>
+                <a:chExt cx="5166358" cy="5755233"/>
+              </a:xfrm>
+            </p:grpSpPr>
+            <p:sp>
+              <p:nvSpPr>
+                <p:cNvPr id="30" name="TextBox 29">
+                  <a:extLst>
+                    <a:ext uri="{FF2B5EF4-FFF2-40B4-BE49-F238E27FC236}">
+                      <a16:creationId xmlns:a16="http://schemas.microsoft.com/office/drawing/2014/main" id="{1305E57F-E9DB-47A6-8FB4-0C8F9612154C}"/>
+                    </a:ext>
+                  </a:extLst>
+                </p:cNvPr>
+                <p:cNvSpPr txBox="1"/>
+                <p:nvPr/>
+              </p:nvSpPr>
+              <p:spPr>
+                <a:xfrm>
+                  <a:off x="4758444" y="763472"/>
+                  <a:ext cx="5166358" cy="5653645"/>
+                </a:xfrm>
+                <a:prstGeom prst="rect">
+                  <a:avLst/>
+                </a:prstGeom>
+                <a:solidFill>
+                  <a:srgbClr val="C9DAF8"/>
+                </a:solidFill>
+                <a:ln w="12726" cap="flat" cmpd="sng" algn="ctr">
+                  <a:solidFill>
+                    <a:srgbClr val="31538F"/>
+                  </a:solidFill>
+                  <a:prstDash val="solid"/>
+                  <a:miter/>
+                </a:ln>
+              </p:spPr>
+              <p:txBody>
+                <a:bodyPr vert="horz" wrap="square" lIns="91424" tIns="45700" rIns="91424" bIns="45700" anchor="t">
+                  <a:noAutofit/>
+                </a:bodyPr>
+                <a:lstStyle/>
+                <a:p>
+                  <a:pPr marL="0" lvl="0" indent="0" algn="l" defTabSz="58846888" rtl="0" eaLnBrk="1" latinLnBrk="0" hangingPunct="1">
+                    <a:lnSpc>
+                      <a:spcPct val="100000"/>
+                    </a:lnSpc>
+                    <a:spcBef>
+                      <a:spcPct val="0"/>
+                    </a:spcBef>
+                    <a:spcAft>
+                      <a:spcPct val="0"/>
+                    </a:spcAft>
+                    <a:buNone/>
+                    <a:defRPr/>
+                  </a:pPr>
+                  <a:endParaRPr kumimoji="0" lang="ko-KR" altLang="en-US" sz="1500" b="1" i="0" baseline="0">
+                    <a:solidFill>
+                      <a:srgbClr val="000000">
+                        <a:alpha val="100000"/>
+                      </a:srgbClr>
+                    </a:solidFill>
+                    <a:latin typeface="Arial"/>
+                    <a:ea typeface="Arial"/>
+                    <a:sym typeface="Arial"/>
+                  </a:endParaRPr>
+                </a:p>
+                <a:p>
+                  <a:pPr marL="0" lvl="0" indent="0" algn="l" defTabSz="58846888" rtl="0" eaLnBrk="1" latinLnBrk="0" hangingPunct="1">
+                    <a:lnSpc>
+                      <a:spcPct val="100000"/>
+                    </a:lnSpc>
+                    <a:spcBef>
+                      <a:spcPct val="0"/>
+                    </a:spcBef>
+                    <a:spcAft>
+                      <a:spcPct val="0"/>
+                    </a:spcAft>
+                    <a:buNone/>
+                    <a:defRPr/>
+                  </a:pPr>
+                  <a:endParaRPr kumimoji="0" lang="ko-KR" altLang="en-US" sz="1500" b="1" i="0" baseline="0">
+                    <a:solidFill>
+                      <a:srgbClr val="000000">
+                        <a:alpha val="100000"/>
+                      </a:srgbClr>
+                    </a:solidFill>
+                    <a:latin typeface="Arial"/>
+                    <a:ea typeface="Arial"/>
+                    <a:sym typeface="Arial"/>
+                  </a:endParaRPr>
+                </a:p>
+                <a:p>
+                  <a:pPr marL="0" lvl="0" indent="0" algn="l" defTabSz="58846888" rtl="0" eaLnBrk="1" latinLnBrk="0" hangingPunct="1">
+                    <a:lnSpc>
+                      <a:spcPct val="100000"/>
+                    </a:lnSpc>
+                    <a:spcBef>
+                      <a:spcPct val="0"/>
+                    </a:spcBef>
+                    <a:spcAft>
+                      <a:spcPct val="0"/>
+                    </a:spcAft>
+                    <a:buNone/>
+                    <a:defRPr/>
+                  </a:pPr>
+                  <a:r>
+                    <a:rPr kumimoji="0" lang="ko-KR" altLang="en-US" sz="2000" b="1" i="0" baseline="0">
+                      <a:solidFill>
+                        <a:srgbClr val="000000">
+                          <a:alpha val="100000"/>
+                        </a:srgbClr>
+                      </a:solidFill>
+                      <a:latin typeface="Arial"/>
+                      <a:ea typeface="Arial"/>
+                      <a:sym typeface="Arial"/>
+                    </a:rPr>
+                    <a:t>ㅇ 일정 제목</a:t>
+                  </a:r>
+                </a:p>
+                <a:p>
+                  <a:pPr marL="0" lvl="0" indent="0" algn="l" defTabSz="58846888" rtl="0" eaLnBrk="1" latinLnBrk="0" hangingPunct="1">
+                    <a:lnSpc>
+                      <a:spcPct val="100000"/>
+                    </a:lnSpc>
+                    <a:spcBef>
+                      <a:spcPct val="0"/>
+                    </a:spcBef>
+                    <a:spcAft>
+                      <a:spcPct val="0"/>
+                    </a:spcAft>
+                    <a:buNone/>
+                    <a:defRPr/>
+                  </a:pPr>
+                  <a:endParaRPr kumimoji="0" lang="ko-KR" altLang="en-US" sz="1500" b="1" i="0" baseline="0">
+                    <a:solidFill>
+                      <a:srgbClr val="000000">
+                        <a:alpha val="100000"/>
+                      </a:srgbClr>
+                    </a:solidFill>
+                    <a:latin typeface="Arial"/>
+                    <a:ea typeface="Arial"/>
+                    <a:sym typeface="Arial"/>
+                  </a:endParaRPr>
+                </a:p>
+                <a:p>
+                  <a:pPr marL="0" lvl="0" indent="0" algn="l" defTabSz="58846888" rtl="0" eaLnBrk="1" latinLnBrk="0" hangingPunct="1">
+                    <a:lnSpc>
+                      <a:spcPct val="100000"/>
+                    </a:lnSpc>
+                    <a:spcBef>
+                      <a:spcPct val="0"/>
+                    </a:spcBef>
+                    <a:spcAft>
+                      <a:spcPct val="0"/>
+                    </a:spcAft>
+                    <a:buNone/>
+                    <a:defRPr/>
+                  </a:pPr>
+                  <a:r>
+                    <a:rPr kumimoji="0" lang="ko-KR" altLang="en-US" sz="1500" b="0" i="0" baseline="0">
+                      <a:solidFill>
+                        <a:srgbClr val="000000">
+                          <a:alpha val="100000"/>
+                        </a:srgbClr>
+                      </a:solidFill>
+                      <a:latin typeface="Arial"/>
+                      <a:ea typeface="Arial"/>
+                      <a:sym typeface="Arial"/>
+                    </a:rPr>
+                    <a:t>ㅇ 일정 세부 내용</a:t>
+                  </a:r>
+                </a:p>
+                <a:p>
+                  <a:pPr marL="0" lvl="0" indent="0" algn="l" defTabSz="58846888" rtl="0" eaLnBrk="1" latinLnBrk="0" hangingPunct="1">
+                    <a:lnSpc>
+                      <a:spcPct val="100000"/>
+                    </a:lnSpc>
+                    <a:spcBef>
+                      <a:spcPct val="0"/>
+                    </a:spcBef>
+                    <a:spcAft>
+                      <a:spcPct val="0"/>
+                    </a:spcAft>
+                    <a:buClr>
+                      <a:srgbClr val="000000">
+                        <a:alpha val="100000"/>
+                      </a:srgbClr>
+                    </a:buClr>
+                    <a:buSzPct val="25000"/>
+                    <a:buFont typeface="Arial"/>
+                    <a:buAutoNum type="arabicPeriod"/>
+                    <a:defRPr/>
+                  </a:pPr>
+                  <a:r>
+                    <a:rPr kumimoji="0" lang="ko-KR" altLang="en-US" sz="1500" b="0" i="0" baseline="0">
+                      <a:solidFill>
+                        <a:srgbClr val="000000">
+                          <a:alpha val="100000"/>
+                        </a:srgbClr>
+                      </a:solidFill>
+                      <a:latin typeface="Arial"/>
+                      <a:ea typeface="Arial"/>
+                      <a:sym typeface="Arial"/>
+                    </a:rPr>
+                    <a:t>……….</a:t>
+                  </a:r>
+                </a:p>
+                <a:p>
+                  <a:pPr marL="0" lvl="0" indent="0" algn="l" defTabSz="58846888" rtl="0" eaLnBrk="1" latinLnBrk="0" hangingPunct="1">
+                    <a:lnSpc>
+                      <a:spcPct val="100000"/>
+                    </a:lnSpc>
+                    <a:spcBef>
+                      <a:spcPct val="0"/>
+                    </a:spcBef>
+                    <a:spcAft>
+                      <a:spcPct val="0"/>
+                    </a:spcAft>
+                    <a:buClr>
+                      <a:srgbClr val="000000">
+                        <a:alpha val="100000"/>
+                      </a:srgbClr>
+                    </a:buClr>
+                    <a:buSzPct val="25000"/>
+                    <a:buFont typeface="Arial"/>
+                    <a:buAutoNum type="arabicPeriod" startAt="2"/>
+                    <a:defRPr/>
+                  </a:pPr>
+                  <a:r>
+                    <a:rPr kumimoji="0" lang="ko-KR" altLang="en-US" sz="1500" b="0" i="0" baseline="0">
+                      <a:solidFill>
+                        <a:srgbClr val="000000">
+                          <a:alpha val="100000"/>
+                        </a:srgbClr>
+                      </a:solidFill>
+                      <a:latin typeface="Arial"/>
+                      <a:ea typeface="Arial"/>
+                      <a:sym typeface="Arial"/>
+                    </a:rPr>
+                    <a:t>……….</a:t>
+                  </a:r>
+                </a:p>
+                <a:p>
+                  <a:pPr marL="0" lvl="0" indent="0" algn="l" defTabSz="58846888" rtl="0" eaLnBrk="1" latinLnBrk="0" hangingPunct="1">
+                    <a:lnSpc>
+                      <a:spcPct val="100000"/>
+                    </a:lnSpc>
+                    <a:spcBef>
+                      <a:spcPct val="0"/>
+                    </a:spcBef>
+                    <a:spcAft>
+                      <a:spcPct val="0"/>
+                    </a:spcAft>
+                    <a:buClr>
+                      <a:srgbClr val="000000">
+                        <a:alpha val="100000"/>
+                      </a:srgbClr>
+                    </a:buClr>
+                    <a:buSzPct val="25000"/>
+                    <a:buFont typeface="Arial"/>
+                    <a:buAutoNum type="arabicPeriod" startAt="3"/>
+                    <a:defRPr/>
+                  </a:pPr>
+                  <a:r>
+                    <a:rPr kumimoji="0" lang="ko-KR" altLang="en-US" sz="1500" b="0" i="0" baseline="0">
+                      <a:solidFill>
+                        <a:srgbClr val="000000">
+                          <a:alpha val="100000"/>
+                        </a:srgbClr>
+                      </a:solidFill>
+                      <a:latin typeface="Arial"/>
+                      <a:ea typeface="Arial"/>
+                      <a:sym typeface="Arial"/>
+                    </a:rPr>
+                    <a:t>……….</a:t>
+                  </a:r>
+                </a:p>
+                <a:p>
+                  <a:pPr marL="0" lvl="0" indent="0" algn="l" defTabSz="58846888" rtl="0" eaLnBrk="1" latinLnBrk="0" hangingPunct="1">
+                    <a:lnSpc>
+                      <a:spcPct val="100000"/>
+                    </a:lnSpc>
+                    <a:spcBef>
+                      <a:spcPct val="0"/>
+                    </a:spcBef>
+                    <a:spcAft>
+                      <a:spcPct val="0"/>
+                    </a:spcAft>
+                    <a:buNone/>
+                    <a:defRPr/>
+                  </a:pPr>
+                  <a:endParaRPr kumimoji="0" lang="ko-KR" altLang="en-US" sz="3000" b="0" i="0">
+                    <a:solidFill>
+                      <a:srgbClr val="FFFFFF">
+                        <a:alpha val="100000"/>
+                      </a:srgbClr>
+                    </a:solidFill>
+                    <a:latin typeface="맑은 고딕"/>
+                    <a:ea typeface="맑은 고딕"/>
+                    <a:sym typeface="맑은 고딕"/>
+                  </a:endParaRPr>
+                </a:p>
+              </p:txBody>
+            </p:sp>
+            <p:sp>
+              <p:nvSpPr>
+                <p:cNvPr id="31" name="TextBox 30">
+                  <a:extLst>
+                    <a:ext uri="{FF2B5EF4-FFF2-40B4-BE49-F238E27FC236}">
+                      <a16:creationId xmlns:a16="http://schemas.microsoft.com/office/drawing/2014/main" id="{033CFD5A-E091-42BA-8C0C-E56FAA821004}"/>
+                    </a:ext>
+                  </a:extLst>
+                </p:cNvPr>
+                <p:cNvSpPr txBox="1"/>
+                <p:nvPr/>
+              </p:nvSpPr>
+              <p:spPr>
+                <a:xfrm>
+                  <a:off x="4758444" y="661884"/>
+                  <a:ext cx="5166358" cy="263458"/>
+                </a:xfrm>
+                <a:prstGeom prst="rect">
+                  <a:avLst/>
+                </a:prstGeom>
+                <a:solidFill>
+                  <a:srgbClr val="4472C4"/>
+                </a:solidFill>
+                <a:ln w="12726" cap="flat" cmpd="sng" algn="ctr">
+                  <a:solidFill>
+                    <a:srgbClr val="31538F"/>
+                  </a:solidFill>
+                  <a:prstDash val="solid"/>
+                  <a:miter/>
+                </a:ln>
+              </p:spPr>
+              <p:txBody>
+                <a:bodyPr vert="horz" wrap="square" lIns="91424" tIns="45700" rIns="91424" bIns="45700" anchor="ctr">
+                  <a:noAutofit/>
+                </a:bodyPr>
+                <a:lstStyle/>
+                <a:p>
+                  <a:pPr marL="0" lvl="0" indent="0" algn="l" defTabSz="58846888" rtl="0" eaLnBrk="1" latinLnBrk="0" hangingPunct="1">
+                    <a:lnSpc>
+                      <a:spcPct val="100000"/>
+                    </a:lnSpc>
+                    <a:spcBef>
+                      <a:spcPct val="0"/>
+                    </a:spcBef>
+                    <a:spcAft>
+                      <a:spcPct val="0"/>
+                    </a:spcAft>
+                    <a:buNone/>
+                    <a:defRPr/>
+                  </a:pPr>
+                  <a:r>
+                    <a:rPr kumimoji="1" lang="ko-KR" altLang="en-US" sz="1500" b="0" i="0" baseline="0">
+                      <a:solidFill>
+                        <a:srgbClr val="FFFFFF">
+                          <a:alpha val="100000"/>
+                        </a:srgbClr>
+                      </a:solidFill>
+                      <a:latin typeface="맑은 고딕"/>
+                      <a:ea typeface="맑은 고딕"/>
+                      <a:sym typeface="맑은 고딕"/>
+                    </a:rPr>
+                    <a:t>일정 세부내용(더보기)</a:t>
+                  </a:r>
+                  <a:endParaRPr kumimoji="1" lang="ko-KR" altLang="en-US" sz="1500" b="0" i="0">
+                    <a:solidFill>
+                      <a:srgbClr val="FFFFFF">
+                        <a:alpha val="100000"/>
+                      </a:srgbClr>
+                    </a:solidFill>
+                    <a:latin typeface="맑은 고딕"/>
+                    <a:ea typeface="맑은 고딕"/>
+                    <a:sym typeface="맑은 고딕"/>
+                  </a:endParaRPr>
+                </a:p>
+              </p:txBody>
+            </p:sp>
+          </p:grpSp>
+          <p:sp>
+            <p:nvSpPr>
+              <p:cNvPr id="24" name="TextBox 23">
+                <a:extLst>
+                  <a:ext uri="{FF2B5EF4-FFF2-40B4-BE49-F238E27FC236}">
+                    <a16:creationId xmlns:a16="http://schemas.microsoft.com/office/drawing/2014/main" id="{81452994-692E-48A6-A039-4B052CE08D8E}"/>
+                  </a:ext>
+                </a:extLst>
+              </p:cNvPr>
+              <p:cNvSpPr txBox="1"/>
+              <p:nvPr/>
+            </p:nvSpPr>
+            <p:spPr>
+              <a:xfrm>
+                <a:off x="4758444" y="4352148"/>
+                <a:ext cx="5166358" cy="2042698"/>
+              </a:xfrm>
+              <a:prstGeom prst="rect">
+                <a:avLst/>
+              </a:prstGeom>
+              <a:solidFill>
+                <a:srgbClr val="4472C4"/>
+              </a:solidFill>
+              <a:ln w="12726" cap="flat" cmpd="sng" algn="ctr">
+                <a:solidFill>
+                  <a:srgbClr val="31538F"/>
+                </a:solidFill>
+                <a:prstDash val="solid"/>
+                <a:miter/>
+              </a:ln>
+            </p:spPr>
+            <p:txBody>
+              <a:bodyPr vert="horz" wrap="none" lIns="91440" tIns="45720" rIns="91440" bIns="45720" anchor="t">
+                <a:noAutofit/>
+              </a:bodyPr>
+              <a:lstStyle/>
+              <a:p>
+                <a:pPr marL="0" lvl="0" indent="0" algn="l" rtl="0" eaLnBrk="1" latinLnBrk="1" hangingPunct="1">
+                  <a:lnSpc>
+                    <a:spcPct val="100000"/>
+                  </a:lnSpc>
+                  <a:spcBef>
+                    <a:spcPct val="30000"/>
+                  </a:spcBef>
+                  <a:spcAft>
+                    <a:spcPct val="0"/>
+                  </a:spcAft>
+                  <a:buNone/>
+                  <a:defRPr/>
+                </a:pPr>
+                <a:endParaRPr kumimoji="1" lang="ko-KR" altLang="en-US" sz="1200" b="0" i="0" baseline="0">
+                  <a:solidFill>
+                    <a:schemeClr val="tx1"/>
+                  </a:solidFill>
+                  <a:latin typeface="Arial"/>
+                  <a:ea typeface="Arial"/>
+                </a:endParaRPr>
+              </a:p>
+            </p:txBody>
+          </p:sp>
+          <p:pic>
+            <p:nvPicPr>
+              <p:cNvPr id="25" name="그림 24">
+                <a:extLst>
+                  <a:ext uri="{FF2B5EF4-FFF2-40B4-BE49-F238E27FC236}">
+                    <a16:creationId xmlns:a16="http://schemas.microsoft.com/office/drawing/2014/main" id="{AD55AEE8-9BA4-4F58-A05B-8B550E29459D}"/>
+                  </a:ext>
+                </a:extLst>
+              </p:cNvPr>
+              <p:cNvPicPr>
+                <a:picLocks noChangeAspect="1"/>
+              </p:cNvPicPr>
+              <p:nvPr/>
+            </p:nvPicPr>
+            <p:blipFill rotWithShape="1">
+              <a:blip r:embed="rId5">
+                <a:lum/>
+              </a:blip>
+              <a:stretch>
+                <a:fillRect/>
+              </a:stretch>
+            </p:blipFill>
+            <p:spPr>
+              <a:xfrm>
+                <a:off x="4937785" y="5266383"/>
+                <a:ext cx="261895" cy="261895"/>
+              </a:xfrm>
+              <a:prstGeom prst="rect">
+                <a:avLst/>
+              </a:prstGeom>
+              <a:noFill/>
+              <a:ln w="9525" cap="flat" cmpd="sng" algn="ctr">
+                <a:noFill/>
+                <a:prstDash val="solid"/>
+                <a:round/>
+              </a:ln>
+            </p:spPr>
+          </p:pic>
+          <p:sp>
+            <p:nvSpPr>
+              <p:cNvPr id="26" name="TextBox 25">
+                <a:extLst>
+                  <a:ext uri="{FF2B5EF4-FFF2-40B4-BE49-F238E27FC236}">
+                    <a16:creationId xmlns:a16="http://schemas.microsoft.com/office/drawing/2014/main" id="{B63AF130-51C0-44AC-8D78-A77268C4C231}"/>
+                  </a:ext>
+                </a:extLst>
+              </p:cNvPr>
+              <p:cNvSpPr txBox="1"/>
+              <p:nvPr/>
+            </p:nvSpPr>
+            <p:spPr>
+              <a:xfrm>
+                <a:off x="5294905" y="4461662"/>
+                <a:ext cx="3471236" cy="615834"/>
+              </a:xfrm>
+              <a:prstGeom prst="rect">
+                <a:avLst/>
+              </a:prstGeom>
+              <a:noFill/>
+              <a:ln w="9525" cap="flat" cmpd="sng" algn="ctr">
+                <a:noFill/>
+                <a:prstDash val="solid"/>
+                <a:round/>
+              </a:ln>
+            </p:spPr>
+            <p:txBody>
+              <a:bodyPr vert="horz" wrap="square" lIns="91424" tIns="91424" rIns="91424" bIns="91424" anchor="t">
+                <a:noAutofit/>
+              </a:bodyPr>
+              <a:lstStyle/>
+              <a:p>
+                <a:pPr marL="0" lvl="0" indent="0" algn="l" defTabSz="58846888" rtl="0" eaLnBrk="1" latinLnBrk="0" hangingPunct="1">
+                  <a:lnSpc>
+                    <a:spcPct val="100000"/>
+                  </a:lnSpc>
+                  <a:spcBef>
+                    <a:spcPct val="0"/>
+                  </a:spcBef>
+                  <a:spcAft>
+                    <a:spcPct val="0"/>
+                  </a:spcAft>
+                  <a:buNone/>
+                  <a:defRPr/>
+                </a:pPr>
+                <a:r>
+                  <a:rPr kumimoji="1" lang="ko-KR" altLang="en-US" sz="1400" b="0" i="0" baseline="0">
+                    <a:solidFill>
+                      <a:srgbClr val="FFFFFF">
+                        <a:alpha val="100000"/>
+                      </a:srgbClr>
+                    </a:solidFill>
+                    <a:latin typeface="맑은 고딕"/>
+                    <a:ea typeface="맑은 고딕"/>
+                    <a:sym typeface="맑은 고딕"/>
+                  </a:rPr>
+                  <a:t>사용자1</a:t>
+                </a:r>
+              </a:p>
+              <a:p>
+                <a:pPr marL="0" lvl="0" indent="0" algn="l" defTabSz="58846888" rtl="0" eaLnBrk="1" latinLnBrk="0" hangingPunct="1">
+                  <a:lnSpc>
+                    <a:spcPct val="100000"/>
+                  </a:lnSpc>
+                  <a:spcBef>
+                    <a:spcPct val="0"/>
+                  </a:spcBef>
+                  <a:spcAft>
+                    <a:spcPct val="0"/>
+                  </a:spcAft>
+                  <a:buNone/>
+                  <a:defRPr/>
+                </a:pPr>
+                <a:r>
+                  <a:rPr kumimoji="1" lang="ko-KR" altLang="en-US" sz="1400" b="0" i="0" baseline="0">
+                    <a:solidFill>
+                      <a:srgbClr val="FFFFFF">
+                        <a:alpha val="100000"/>
+                      </a:srgbClr>
+                    </a:solidFill>
+                    <a:latin typeface="맑은 고딕"/>
+                    <a:ea typeface="맑은 고딕"/>
+                    <a:sym typeface="맑은 고딕"/>
+                  </a:rPr>
+                  <a:t>코멘트 내용이 여기에 입력됩니다.</a:t>
+                </a:r>
+                <a:endParaRPr kumimoji="1" lang="ko-KR" altLang="en-US" sz="1400" b="0" i="0">
+                  <a:solidFill>
+                    <a:srgbClr val="FFFFFF">
+                      <a:alpha val="100000"/>
+                    </a:srgbClr>
+                  </a:solidFill>
+                  <a:latin typeface="맑은 고딕"/>
+                  <a:ea typeface="맑은 고딕"/>
+                  <a:sym typeface="맑은 고딕"/>
+                </a:endParaRPr>
+              </a:p>
+            </p:txBody>
+          </p:sp>
+          <p:sp>
+            <p:nvSpPr>
+              <p:cNvPr id="27" name="TextBox 26">
+                <a:extLst>
+                  <a:ext uri="{FF2B5EF4-FFF2-40B4-BE49-F238E27FC236}">
+                    <a16:creationId xmlns:a16="http://schemas.microsoft.com/office/drawing/2014/main" id="{7B16C85F-529E-4619-A404-C2F50DF88328}"/>
+                  </a:ext>
+                </a:extLst>
+              </p:cNvPr>
+              <p:cNvSpPr txBox="1"/>
+              <p:nvPr/>
+            </p:nvSpPr>
+            <p:spPr>
+              <a:xfrm>
+                <a:off x="5294905" y="5066389"/>
+                <a:ext cx="3471236" cy="604727"/>
+              </a:xfrm>
+              <a:prstGeom prst="rect">
+                <a:avLst/>
+              </a:prstGeom>
+              <a:noFill/>
+              <a:ln w="9525" cap="flat" cmpd="sng" algn="ctr">
+                <a:noFill/>
+                <a:prstDash val="solid"/>
+                <a:round/>
+              </a:ln>
+            </p:spPr>
+            <p:txBody>
+              <a:bodyPr vert="horz" wrap="square" lIns="91424" tIns="91424" rIns="91424" bIns="91424" anchor="t">
+                <a:noAutofit/>
+              </a:bodyPr>
+              <a:lstStyle/>
+              <a:p>
+                <a:pPr marL="0" lvl="0" indent="0" algn="l" defTabSz="58846888" rtl="0" eaLnBrk="1" latinLnBrk="0" hangingPunct="1">
+                  <a:lnSpc>
+                    <a:spcPct val="100000"/>
+                  </a:lnSpc>
+                  <a:spcBef>
+                    <a:spcPct val="0"/>
+                  </a:spcBef>
+                  <a:spcAft>
+                    <a:spcPct val="0"/>
+                  </a:spcAft>
+                  <a:buNone/>
+                  <a:defRPr/>
+                </a:pPr>
+                <a:r>
+                  <a:rPr kumimoji="1" lang="ko-KR" altLang="en-US" sz="1400" b="0" i="0" baseline="0">
+                    <a:solidFill>
+                      <a:srgbClr val="FFFFFF">
+                        <a:alpha val="100000"/>
+                      </a:srgbClr>
+                    </a:solidFill>
+                    <a:latin typeface="맑은 고딕"/>
+                    <a:ea typeface="맑은 고딕"/>
+                    <a:sym typeface="맑은 고딕"/>
+                  </a:rPr>
+                  <a:t>사용자2</a:t>
+                </a:r>
+              </a:p>
+              <a:p>
+                <a:pPr marL="0" lvl="0" indent="0" algn="l" defTabSz="58846888" rtl="0" eaLnBrk="1" latinLnBrk="0" hangingPunct="1">
+                  <a:lnSpc>
+                    <a:spcPct val="100000"/>
+                  </a:lnSpc>
+                  <a:spcBef>
+                    <a:spcPct val="0"/>
+                  </a:spcBef>
+                  <a:spcAft>
+                    <a:spcPct val="0"/>
+                  </a:spcAft>
+                  <a:buNone/>
+                  <a:defRPr/>
+                </a:pPr>
+                <a:r>
+                  <a:rPr kumimoji="1" lang="ko-KR" altLang="en-US" sz="1400" b="0" i="0" baseline="0">
+                    <a:solidFill>
+                      <a:srgbClr val="FFFFFF">
+                        <a:alpha val="100000"/>
+                      </a:srgbClr>
+                    </a:solidFill>
+                    <a:latin typeface="맑은 고딕"/>
+                    <a:ea typeface="맑은 고딕"/>
+                    <a:sym typeface="맑은 고딕"/>
+                  </a:rPr>
+                  <a:t>코멘트 내용이 여기에 입력됩니다.</a:t>
+                </a:r>
+                <a:endParaRPr kumimoji="1" lang="ko-KR" altLang="en-US" sz="1400" b="0" i="0">
+                  <a:solidFill>
+                    <a:srgbClr val="FFFFFF">
+                      <a:alpha val="100000"/>
+                    </a:srgbClr>
+                  </a:solidFill>
+                  <a:latin typeface="맑은 고딕"/>
+                  <a:ea typeface="맑은 고딕"/>
+                  <a:sym typeface="맑은 고딕"/>
+                </a:endParaRPr>
+              </a:p>
+            </p:txBody>
+          </p:sp>
+          <p:sp>
+            <p:nvSpPr>
+              <p:cNvPr id="28" name="TextBox 27">
+                <a:extLst>
+                  <a:ext uri="{FF2B5EF4-FFF2-40B4-BE49-F238E27FC236}">
+                    <a16:creationId xmlns:a16="http://schemas.microsoft.com/office/drawing/2014/main" id="{5A6BCAD6-082D-420A-AC81-DCB7CE50A3CD}"/>
+                  </a:ext>
+                </a:extLst>
+              </p:cNvPr>
+              <p:cNvSpPr txBox="1"/>
+              <p:nvPr/>
+            </p:nvSpPr>
+            <p:spPr>
+              <a:xfrm>
+                <a:off x="5294905" y="5728217"/>
+                <a:ext cx="3471236" cy="615834"/>
+              </a:xfrm>
+              <a:prstGeom prst="rect">
+                <a:avLst/>
+              </a:prstGeom>
+              <a:noFill/>
+              <a:ln w="9525" cap="flat" cmpd="sng" algn="ctr">
+                <a:noFill/>
+                <a:prstDash val="solid"/>
+                <a:round/>
+              </a:ln>
+            </p:spPr>
+            <p:txBody>
+              <a:bodyPr vert="horz" wrap="square" lIns="91424" tIns="91424" rIns="91424" bIns="91424" anchor="t">
+                <a:noAutofit/>
+              </a:bodyPr>
+              <a:lstStyle/>
+              <a:p>
+                <a:pPr marL="0" lvl="0" indent="0" algn="l" defTabSz="58846888" rtl="0" eaLnBrk="1" latinLnBrk="0" hangingPunct="1">
+                  <a:lnSpc>
+                    <a:spcPct val="100000"/>
+                  </a:lnSpc>
+                  <a:spcBef>
+                    <a:spcPct val="0"/>
+                  </a:spcBef>
+                  <a:spcAft>
+                    <a:spcPct val="0"/>
+                  </a:spcAft>
+                  <a:buNone/>
+                  <a:defRPr/>
+                </a:pPr>
+                <a:r>
+                  <a:rPr kumimoji="1" lang="ko-KR" altLang="en-US" sz="1400" b="0" i="0" baseline="0">
+                    <a:solidFill>
+                      <a:srgbClr val="FFFFFF">
+                        <a:alpha val="100000"/>
+                      </a:srgbClr>
+                    </a:solidFill>
+                    <a:latin typeface="맑은 고딕"/>
+                    <a:ea typeface="맑은 고딕"/>
+                    <a:sym typeface="맑은 고딕"/>
+                  </a:rPr>
+                  <a:t>사용자3</a:t>
+                </a:r>
+              </a:p>
+              <a:p>
+                <a:pPr marL="0" lvl="0" indent="0" algn="l" defTabSz="58846888" rtl="0" eaLnBrk="1" latinLnBrk="0" hangingPunct="1">
+                  <a:lnSpc>
+                    <a:spcPct val="100000"/>
+                  </a:lnSpc>
+                  <a:spcBef>
+                    <a:spcPct val="0"/>
+                  </a:spcBef>
+                  <a:spcAft>
+                    <a:spcPct val="0"/>
+                  </a:spcAft>
+                  <a:buNone/>
+                  <a:defRPr/>
+                </a:pPr>
+                <a:r>
+                  <a:rPr kumimoji="1" lang="ko-KR" altLang="en-US" sz="1400" b="0" i="0" baseline="0">
+                    <a:solidFill>
+                      <a:srgbClr val="FFFFFF">
+                        <a:alpha val="100000"/>
+                      </a:srgbClr>
+                    </a:solidFill>
+                    <a:latin typeface="맑은 고딕"/>
+                    <a:ea typeface="맑은 고딕"/>
+                    <a:sym typeface="맑은 고딕"/>
+                  </a:rPr>
+                  <a:t>코멘트 내용이 여기에 입력됩니다.</a:t>
+                </a:r>
+                <a:endParaRPr kumimoji="1" lang="ko-KR" altLang="en-US" sz="1400" b="0" i="0">
+                  <a:solidFill>
+                    <a:srgbClr val="FFFFFF">
+                      <a:alpha val="100000"/>
+                    </a:srgbClr>
+                  </a:solidFill>
+                  <a:latin typeface="맑은 고딕"/>
+                  <a:ea typeface="맑은 고딕"/>
+                  <a:sym typeface="맑은 고딕"/>
+                </a:endParaRPr>
+              </a:p>
+            </p:txBody>
+          </p:sp>
+        </p:grpSp>
+        <p:pic>
+          <p:nvPicPr>
+            <p:cNvPr id="21" name="그림 20">
+              <a:extLst>
+                <a:ext uri="{FF2B5EF4-FFF2-40B4-BE49-F238E27FC236}">
+                  <a16:creationId xmlns:a16="http://schemas.microsoft.com/office/drawing/2014/main" id="{B644FB40-5032-45F5-A7D6-16BC428FE913}"/>
+                </a:ext>
+              </a:extLst>
+            </p:cNvPr>
+            <p:cNvPicPr>
+              <a:picLocks noChangeAspect="1"/>
+            </p:cNvPicPr>
+            <p:nvPr/>
+          </p:nvPicPr>
+          <p:blipFill rotWithShape="1">
+            <a:blip r:embed="rId5">
+              <a:lum/>
+            </a:blip>
+            <a:stretch>
+              <a:fillRect/>
+            </a:stretch>
+          </p:blipFill>
+          <p:spPr>
+            <a:xfrm>
+              <a:off x="4937785" y="4637822"/>
+              <a:ext cx="261895" cy="263458"/>
+            </a:xfrm>
+            <a:prstGeom prst="rect">
+              <a:avLst/>
+            </a:prstGeom>
+            <a:noFill/>
+            <a:ln w="9525" cap="flat" cmpd="sng" algn="ctr">
+              <a:noFill/>
+              <a:prstDash val="solid"/>
+              <a:round/>
+            </a:ln>
+          </p:spPr>
+        </p:pic>
+        <p:pic>
+          <p:nvPicPr>
+            <p:cNvPr id="22" name="그림 21">
+              <a:extLst>
+                <a:ext uri="{FF2B5EF4-FFF2-40B4-BE49-F238E27FC236}">
+                  <a16:creationId xmlns:a16="http://schemas.microsoft.com/office/drawing/2014/main" id="{78EF564B-DA4B-4B2D-A5F3-AABEC6A49228}"/>
+                </a:ext>
+              </a:extLst>
+            </p:cNvPr>
+            <p:cNvPicPr>
+              <a:picLocks noChangeAspect="1"/>
+            </p:cNvPicPr>
+            <p:nvPr/>
+          </p:nvPicPr>
+          <p:blipFill rotWithShape="1">
+            <a:blip r:embed="rId5">
+              <a:lum/>
+            </a:blip>
+            <a:stretch>
+              <a:fillRect/>
+            </a:stretch>
+          </p:blipFill>
+          <p:spPr>
+            <a:xfrm>
+              <a:off x="4937785" y="5904433"/>
+              <a:ext cx="261895" cy="263458"/>
+            </a:xfrm>
+            <a:prstGeom prst="rect">
+              <a:avLst/>
+            </a:prstGeom>
+            <a:noFill/>
+            <a:ln w="9525" cap="flat" cmpd="sng" algn="ctr">
+              <a:noFill/>
+              <a:prstDash val="solid"/>
+              <a:round/>
+            </a:ln>
+          </p:spPr>
+        </p:pic>
+      </p:grpSp>
+      <p:pic>
+        <p:nvPicPr>
+          <p:cNvPr id="5" name="그림 4">
+            <a:extLst>
+              <a:ext uri="{FF2B5EF4-FFF2-40B4-BE49-F238E27FC236}">
+                <a16:creationId xmlns:a16="http://schemas.microsoft.com/office/drawing/2014/main" id="{0200E5F4-1A1B-4B16-926B-5DDB17F3D34B}"/>
+              </a:ext>
+            </a:extLst>
+          </p:cNvPr>
+          <p:cNvPicPr>
+            <a:picLocks noChangeAspect="1"/>
+          </p:cNvPicPr>
+          <p:nvPr/>
+        </p:nvPicPr>
+        <p:blipFill>
+          <a:blip r:embed="rId6" cstate="print">
+            <a:extLst>
+              <a:ext uri="{28A0092B-C50C-407E-A947-70E740481C1C}">
+                <a14:useLocalDpi xmlns:a14="http://schemas.microsoft.com/office/drawing/2010/main" val="0"/>
+              </a:ext>
+            </a:extLst>
+          </a:blip>
+          <a:stretch>
+            <a:fillRect/>
+          </a:stretch>
+        </p:blipFill>
+        <p:spPr>
+          <a:xfrm>
+            <a:off x="8843402" y="1215923"/>
+            <a:ext cx="553068" cy="553068"/>
+          </a:xfrm>
+          <a:prstGeom prst="rect">
+            <a:avLst/>
+          </a:prstGeom>
+        </p:spPr>
+      </p:pic>
+      <p:pic>
+        <p:nvPicPr>
+          <p:cNvPr id="37" name="그림 36" descr="Cursor Mouse Click - Free vector graphic on Pixabay">
+            <a:extLst>
+              <a:ext uri="{FF2B5EF4-FFF2-40B4-BE49-F238E27FC236}">
+                <a16:creationId xmlns:a16="http://schemas.microsoft.com/office/drawing/2014/main" id="{89064B38-E779-45B1-BED3-84FB34069D02}"/>
+              </a:ext>
+            </a:extLst>
+          </p:cNvPr>
+          <p:cNvPicPr>
+            <a:picLocks noChangeAspect="1"/>
+          </p:cNvPicPr>
+          <p:nvPr/>
+        </p:nvPicPr>
+        <p:blipFill rotWithShape="1">
+          <a:blip r:embed="rId7">
+            <a:lum/>
+          </a:blip>
+          <a:stretch>
+            <a:fillRect/>
+          </a:stretch>
+        </p:blipFill>
+        <p:spPr>
+          <a:xfrm>
+            <a:off x="8883637" y="1522088"/>
+            <a:ext cx="317434" cy="401551"/>
+          </a:xfrm>
+          <a:prstGeom prst="rect">
+            <a:avLst/>
+          </a:prstGeom>
+          <a:noFill/>
+          <a:ln w="9525" cap="flat" cmpd="sng" algn="ctr">
+            <a:noFill/>
+            <a:prstDash val="solid"/>
+            <a:round/>
+          </a:ln>
+        </p:spPr>
+      </p:pic>
+      <p:sp>
+        <p:nvSpPr>
+          <p:cNvPr id="9237" name="TextBox 9236"/>
+          <p:cNvSpPr txBox="1"/>
+          <p:nvPr/>
+        </p:nvSpPr>
+        <p:spPr>
+          <a:xfrm>
+            <a:off x="8129723" y="1923639"/>
+            <a:ext cx="1825262" cy="525354"/>
+          </a:xfrm>
+          <a:prstGeom prst="rect">
+            <a:avLst/>
+          </a:prstGeom>
+          <a:solidFill>
+            <a:srgbClr val="F4B081"/>
+          </a:solidFill>
+          <a:ln w="12726" cap="flat" cmpd="sng" algn="ctr">
+            <a:solidFill>
+              <a:srgbClr val="31538F"/>
+            </a:solidFill>
+            <a:prstDash val="solid"/>
+            <a:miter/>
+          </a:ln>
+        </p:spPr>
+        <p:txBody>
+          <a:bodyPr vert="horz" wrap="square" lIns="91424" tIns="45700" rIns="91424" bIns="45700" anchor="ctr">
+            <a:noAutofit/>
+          </a:bodyPr>
+          <a:lstStyle/>
+          <a:p>
+            <a:pPr marL="0" lvl="0" indent="0" algn="l" defTabSz="58846888" rtl="0" eaLnBrk="1" latinLnBrk="0" hangingPunct="1">
+              <a:lnSpc>
+                <a:spcPct val="100000"/>
+              </a:lnSpc>
+              <a:spcBef>
+                <a:spcPct val="0"/>
+              </a:spcBef>
+              <a:spcAft>
+                <a:spcPct val="0"/>
+              </a:spcAft>
+              <a:buNone/>
+              <a:defRPr/>
+            </a:pPr>
+            <a:r>
+              <a:rPr kumimoji="1" lang="en-US" altLang="ko-KR" sz="1400" dirty="0">
+                <a:solidFill>
+                  <a:srgbClr val="000000">
+                    <a:alpha val="100000"/>
+                  </a:srgbClr>
+                </a:solidFill>
+                <a:latin typeface="맑은 고딕"/>
+                <a:ea typeface="맑은 고딕"/>
+                <a:sym typeface="맑은 고딕"/>
+              </a:rPr>
+              <a:t>D-DAY</a:t>
+            </a:r>
+            <a:r>
+              <a:rPr kumimoji="1" lang="ko-KR" altLang="en-US" sz="1400" dirty="0">
+                <a:solidFill>
+                  <a:srgbClr val="000000">
+                    <a:alpha val="100000"/>
+                  </a:srgbClr>
+                </a:solidFill>
+                <a:latin typeface="맑은 고딕"/>
+                <a:ea typeface="맑은 고딕"/>
+                <a:sym typeface="맑은 고딕"/>
+              </a:rPr>
+              <a:t>로 등록</a:t>
+            </a:r>
+            <a:r>
+              <a:rPr kumimoji="1" lang="en-US" altLang="ko-KR" sz="1400" dirty="0">
+                <a:solidFill>
+                  <a:srgbClr val="000000">
+                    <a:alpha val="100000"/>
+                  </a:srgbClr>
+                </a:solidFill>
+                <a:latin typeface="맑은 고딕"/>
+                <a:ea typeface="맑은 고딕"/>
+                <a:sym typeface="맑은 고딕"/>
+              </a:rPr>
+              <a:t>/</a:t>
+            </a:r>
+            <a:r>
+              <a:rPr kumimoji="1" lang="ko-KR" altLang="en-US" sz="1400" dirty="0">
+                <a:solidFill>
+                  <a:srgbClr val="000000">
+                    <a:alpha val="100000"/>
+                  </a:srgbClr>
+                </a:solidFill>
+                <a:latin typeface="맑은 고딕"/>
+                <a:ea typeface="맑은 고딕"/>
+                <a:sym typeface="맑은 고딕"/>
+              </a:rPr>
+              <a:t>해제</a:t>
+            </a:r>
+            <a:endParaRPr kumimoji="1" lang="ko-KR" altLang="en-US" sz="1400" b="0" i="0" dirty="0">
+              <a:solidFill>
+                <a:srgbClr val="000000">
+                  <a:alpha val="100000"/>
+                </a:srgbClr>
+              </a:solidFill>
+              <a:latin typeface="맑은 고딕"/>
+              <a:ea typeface="맑은 고딕"/>
+              <a:sym typeface="맑은 고딕"/>
+            </a:endParaRPr>
+          </a:p>
+        </p:txBody>
+      </p:sp>
+      <p:pic>
+        <p:nvPicPr>
+          <p:cNvPr id="38" name="그림 37" descr="Cursor Mouse Click - Free vector graphic on Pixabay">
+            <a:extLst>
+              <a:ext uri="{FF2B5EF4-FFF2-40B4-BE49-F238E27FC236}">
+                <a16:creationId xmlns:a16="http://schemas.microsoft.com/office/drawing/2014/main" id="{0C17C5B7-90E2-4263-ABBB-F2231B143627}"/>
+              </a:ext>
+            </a:extLst>
+          </p:cNvPr>
+          <p:cNvPicPr>
+            <a:picLocks noChangeAspect="1"/>
+          </p:cNvPicPr>
+          <p:nvPr/>
+        </p:nvPicPr>
+        <p:blipFill rotWithShape="1">
+          <a:blip r:embed="rId7">
+            <a:lum/>
+          </a:blip>
+          <a:stretch>
+            <a:fillRect/>
+          </a:stretch>
+        </p:blipFill>
+        <p:spPr>
+          <a:xfrm>
+            <a:off x="1617413" y="2734456"/>
+            <a:ext cx="317434" cy="401551"/>
+          </a:xfrm>
+          <a:prstGeom prst="rect">
+            <a:avLst/>
+          </a:prstGeom>
+          <a:noFill/>
+          <a:ln w="9525" cap="flat" cmpd="sng" algn="ctr">
+            <a:noFill/>
+            <a:prstDash val="solid"/>
+            <a:round/>
+          </a:ln>
+        </p:spPr>
+      </p:pic>
+      <p:sp>
+        <p:nvSpPr>
+          <p:cNvPr id="40" name="TextBox 39">
+            <a:extLst>
+              <a:ext uri="{FF2B5EF4-FFF2-40B4-BE49-F238E27FC236}">
+                <a16:creationId xmlns:a16="http://schemas.microsoft.com/office/drawing/2014/main" id="{DF742785-3247-4E13-9004-19C50AD332E1}"/>
+              </a:ext>
+            </a:extLst>
+          </p:cNvPr>
+          <p:cNvSpPr txBox="1"/>
+          <p:nvPr/>
+        </p:nvSpPr>
+        <p:spPr>
+          <a:xfrm>
+            <a:off x="788908" y="3069171"/>
+            <a:ext cx="3293417" cy="525354"/>
+          </a:xfrm>
+          <a:prstGeom prst="rect">
+            <a:avLst/>
+          </a:prstGeom>
+          <a:solidFill>
+            <a:srgbClr val="F4B081"/>
+          </a:solidFill>
+          <a:ln w="12726" cap="flat" cmpd="sng" algn="ctr">
+            <a:solidFill>
+              <a:srgbClr val="31538F"/>
+            </a:solidFill>
+            <a:prstDash val="solid"/>
+            <a:miter/>
+          </a:ln>
+        </p:spPr>
+        <p:txBody>
+          <a:bodyPr vert="horz" wrap="square" lIns="91424" tIns="45700" rIns="91424" bIns="45700" anchor="ctr">
+            <a:noAutofit/>
+          </a:bodyPr>
+          <a:lstStyle/>
+          <a:p>
+            <a:pPr marL="0" lvl="0" indent="0" algn="l" defTabSz="58846888" rtl="0" eaLnBrk="1" latinLnBrk="0" hangingPunct="1">
+              <a:lnSpc>
+                <a:spcPct val="100000"/>
+              </a:lnSpc>
+              <a:spcBef>
+                <a:spcPct val="0"/>
+              </a:spcBef>
+              <a:spcAft>
+                <a:spcPct val="0"/>
+              </a:spcAft>
+              <a:buNone/>
+              <a:defRPr/>
+            </a:pPr>
+            <a:r>
+              <a:rPr kumimoji="1" lang="en-US" altLang="ko-KR" sz="1400" dirty="0">
+                <a:solidFill>
+                  <a:srgbClr val="000000">
+                    <a:alpha val="100000"/>
+                  </a:srgbClr>
+                </a:solidFill>
+                <a:latin typeface="맑은 고딕"/>
+                <a:ea typeface="맑은 고딕"/>
+                <a:sym typeface="맑은 고딕"/>
+              </a:rPr>
+              <a:t>D-DAY</a:t>
+            </a:r>
+            <a:r>
+              <a:rPr kumimoji="1" lang="ko-KR" altLang="en-US" sz="1400" dirty="0">
+                <a:solidFill>
+                  <a:srgbClr val="000000">
+                    <a:alpha val="100000"/>
+                  </a:srgbClr>
+                </a:solidFill>
+                <a:latin typeface="맑은 고딕"/>
+                <a:ea typeface="맑은 고딕"/>
+                <a:sym typeface="맑은 고딕"/>
+              </a:rPr>
+              <a:t> 등록 후</a:t>
+            </a:r>
+            <a:r>
+              <a:rPr kumimoji="1" lang="en-US" altLang="ko-KR" sz="1400" dirty="0">
+                <a:solidFill>
+                  <a:srgbClr val="000000">
+                    <a:alpha val="100000"/>
+                  </a:srgbClr>
+                </a:solidFill>
+                <a:latin typeface="맑은 고딕"/>
+                <a:ea typeface="맑은 고딕"/>
+                <a:sym typeface="맑은 고딕"/>
+              </a:rPr>
+              <a:t>, </a:t>
+            </a:r>
+          </a:p>
+          <a:p>
+            <a:pPr marL="0" lvl="0" indent="0" algn="l" defTabSz="58846888" rtl="0" eaLnBrk="1" latinLnBrk="0" hangingPunct="1">
+              <a:lnSpc>
+                <a:spcPct val="100000"/>
+              </a:lnSpc>
+              <a:spcBef>
+                <a:spcPct val="0"/>
+              </a:spcBef>
+              <a:spcAft>
+                <a:spcPct val="0"/>
+              </a:spcAft>
+              <a:buNone/>
+              <a:defRPr/>
+            </a:pPr>
+            <a:r>
+              <a:rPr kumimoji="1" lang="ko-KR" altLang="en-US" sz="1400" dirty="0">
+                <a:solidFill>
+                  <a:srgbClr val="000000">
+                    <a:alpha val="100000"/>
+                  </a:srgbClr>
+                </a:solidFill>
+                <a:latin typeface="맑은 고딕"/>
+                <a:ea typeface="맑은 고딕"/>
+                <a:sym typeface="맑은 고딕"/>
+              </a:rPr>
+              <a:t>제목 </a:t>
+            </a:r>
+            <a:r>
+              <a:rPr kumimoji="1" lang="ko-KR" altLang="en-US" sz="1400" dirty="0" err="1">
+                <a:solidFill>
+                  <a:srgbClr val="000000">
+                    <a:alpha val="100000"/>
+                  </a:srgbClr>
+                </a:solidFill>
+                <a:latin typeface="맑은 고딕"/>
+                <a:ea typeface="맑은 고딕"/>
+                <a:sym typeface="맑은 고딕"/>
+              </a:rPr>
+              <a:t>클릭시</a:t>
+            </a:r>
+            <a:r>
+              <a:rPr kumimoji="1" lang="ko-KR" altLang="en-US" sz="1400" dirty="0">
+                <a:solidFill>
+                  <a:srgbClr val="000000">
+                    <a:alpha val="100000"/>
+                  </a:srgbClr>
+                </a:solidFill>
+                <a:latin typeface="맑은 고딕"/>
+                <a:ea typeface="맑은 고딕"/>
+                <a:sym typeface="맑은 고딕"/>
+              </a:rPr>
+              <a:t> 세부내용 화면 표시</a:t>
+            </a:r>
+            <a:endParaRPr kumimoji="1" lang="ko-KR" altLang="en-US" sz="1400" b="0" i="0" dirty="0">
+              <a:solidFill>
+                <a:srgbClr val="000000">
+                  <a:alpha val="100000"/>
+                </a:srgbClr>
+              </a:solidFill>
+              <a:latin typeface="맑은 고딕"/>
+              <a:ea typeface="맑은 고딕"/>
+              <a:sym typeface="맑은 고딕"/>
+            </a:endParaRPr>
+          </a:p>
+        </p:txBody>
+      </p:sp>
+      <p:cxnSp>
+        <p:nvCxnSpPr>
+          <p:cNvPr id="7" name="직선 화살표 연결선 6">
+            <a:extLst>
+              <a:ext uri="{FF2B5EF4-FFF2-40B4-BE49-F238E27FC236}">
+                <a16:creationId xmlns:a16="http://schemas.microsoft.com/office/drawing/2014/main" id="{703047D8-BFC8-41EC-BB95-FDF5284487B1}"/>
+              </a:ext>
+            </a:extLst>
+          </p:cNvPr>
+          <p:cNvCxnSpPr>
+            <a:cxnSpLocks/>
+          </p:cNvCxnSpPr>
+          <p:nvPr/>
+        </p:nvCxnSpPr>
+        <p:spPr>
+          <a:xfrm flipV="1">
+            <a:off x="4082325" y="3259810"/>
+            <a:ext cx="676119" cy="167602"/>
+          </a:xfrm>
+          <a:prstGeom prst="straightConnector1">
+            <a:avLst/>
+          </a:prstGeom>
+          <a:ln w="38100">
+            <a:tailEnd type="triangle"/>
+          </a:ln>
+        </p:spPr>
+        <p:style>
+          <a:lnRef idx="1">
+            <a:schemeClr val="accent6"/>
+          </a:lnRef>
+          <a:fillRef idx="0">
+            <a:schemeClr val="accent6"/>
+          </a:fillRef>
+          <a:effectRef idx="0">
+            <a:schemeClr val="accent6"/>
+          </a:effectRef>
+          <a:fontRef idx="minor">
+            <a:schemeClr val="tx1"/>
+          </a:fontRef>
+        </p:style>
+      </p:cxnSp>
+      <p:cxnSp>
+        <p:nvCxnSpPr>
+          <p:cNvPr id="9" name="직선 화살표 연결선 8">
+            <a:extLst>
+              <a:ext uri="{FF2B5EF4-FFF2-40B4-BE49-F238E27FC236}">
+                <a16:creationId xmlns:a16="http://schemas.microsoft.com/office/drawing/2014/main" id="{5AB6BE3A-1226-4E48-BEB4-A2B63D655EFC}"/>
+              </a:ext>
+            </a:extLst>
+          </p:cNvPr>
+          <p:cNvCxnSpPr/>
+          <p:nvPr/>
+        </p:nvCxnSpPr>
+        <p:spPr>
+          <a:xfrm flipH="1">
+            <a:off x="2199879" y="1698303"/>
+            <a:ext cx="6643523" cy="441237"/>
+          </a:xfrm>
+          <a:prstGeom prst="straightConnector1">
+            <a:avLst/>
+          </a:prstGeom>
+          <a:ln w="38100">
+            <a:tailEnd type="triangle"/>
+          </a:ln>
+        </p:spPr>
+        <p:style>
+          <a:lnRef idx="1">
+            <a:schemeClr val="accent6"/>
+          </a:lnRef>
+          <a:fillRef idx="0">
+            <a:schemeClr val="accent6"/>
+          </a:fillRef>
+          <a:effectRef idx="0">
+            <a:schemeClr val="accent6"/>
+          </a:effectRef>
+          <a:fontRef idx="minor">
+            <a:schemeClr val="tx1"/>
+          </a:fontRef>
+        </p:style>
+      </p:cxnSp>
     </p:spTree>
+    <p:extLst>
+      <p:ext uri="{BB962C8B-B14F-4D97-AF65-F5344CB8AC3E}">
+        <p14:creationId xmlns:p14="http://schemas.microsoft.com/office/powerpoint/2010/main" val="1300237520"/>
+      </p:ext>
+    </p:extLst>
   </p:cSld>
   <p:clrMapOvr>
     <a:masterClrMapping/>
@@ -12826,7 +15116,7 @@
     <mc:Choice Requires="p14">
       <p:transition/>
     </mc:Choice>
-    <mc:Fallback xmlns:dsp="http://schemas.microsoft.com/office/drawing/2008/diagram" xmlns:dgm="http://schemas.openxmlformats.org/drawingml/2006/diagram" xmlns:c="http://schemas.openxmlformats.org/drawingml/2006/chart" xmlns="">
+    <mc:Fallback xmlns="" xmlns:c="http://schemas.openxmlformats.org/drawingml/2006/chart" xmlns:dgm="http://schemas.openxmlformats.org/drawingml/2006/diagram" xmlns:dsp="http://schemas.microsoft.com/office/drawing/2008/diagram">
       <p:transition/>
     </mc:Fallback>
   </mc:AlternateContent>
@@ -12850,9 +15140,47 @@
           <a:chExt cx="0" cy="0"/>
         </a:xfrm>
       </p:grpSpPr>
-      <p:sp>
-        <p:nvSpPr>
-          <p:cNvPr id="10244" name="TextBox 10243"/>
+      <p:pic>
+        <p:nvPicPr>
+          <p:cNvPr id="19" name="그림 18" descr="2021년 8월 달력 프린트 심플 도안 (비밀번호X) : 네이버 블로그">
+            <a:extLst>
+              <a:ext uri="{FF2B5EF4-FFF2-40B4-BE49-F238E27FC236}">
+                <a16:creationId xmlns:a16="http://schemas.microsoft.com/office/drawing/2014/main" id="{AB098BE4-E36B-4CF1-B1DB-453EAA9B646A}"/>
+              </a:ext>
+            </a:extLst>
+          </p:cNvPr>
+          <p:cNvPicPr>
+            <a:picLocks noChangeAspect="1"/>
+          </p:cNvPicPr>
+          <p:nvPr/>
+        </p:nvPicPr>
+        <p:blipFill rotWithShape="1">
+          <a:blip r:embed="rId2">
+            <a:lum/>
+          </a:blip>
+          <a:stretch>
+            <a:fillRect/>
+          </a:stretch>
+        </p:blipFill>
+        <p:spPr>
+          <a:xfrm>
+            <a:off x="3445839" y="753927"/>
+            <a:ext cx="8302688" cy="5964716"/>
+          </a:xfrm>
+          <a:prstGeom prst="rect">
+            <a:avLst/>
+          </a:prstGeom>
+          <a:noFill/>
+          <a:ln w="9525" cap="flat" cmpd="sng" algn="ctr">
+            <a:noFill/>
+            <a:prstDash val="solid"/>
+            <a:round/>
+          </a:ln>
+        </p:spPr>
+      </p:pic>
+      <p:sp>
+        <p:nvSpPr>
+          <p:cNvPr id="9221" name="TextBox 9220"/>
           <p:cNvSpPr txBox="1"/>
           <p:nvPr/>
         </p:nvSpPr>
@@ -12922,77 +15250,7 @@
       </p:sp>
       <p:sp>
         <p:nvSpPr>
-          <p:cNvPr id="10245" name="TextBox 10244"/>
-          <p:cNvSpPr txBox="1"/>
-          <p:nvPr/>
-        </p:nvSpPr>
-        <p:spPr>
-          <a:xfrm>
-            <a:off x="5539386" y="4218800"/>
-            <a:ext cx="4117211" cy="2114144"/>
-          </a:xfrm>
-          <a:prstGeom prst="rect">
-            <a:avLst/>
-          </a:prstGeom>
-          <a:solidFill>
-            <a:srgbClr val="4472C4"/>
-          </a:solidFill>
-          <a:ln w="12726" cap="flat" cmpd="sng" algn="ctr">
-            <a:solidFill>
-              <a:srgbClr val="31538F"/>
-            </a:solidFill>
-            <a:prstDash val="solid"/>
-            <a:miter/>
-          </a:ln>
-        </p:spPr>
-        <p:txBody>
-          <a:bodyPr vert="horz" wrap="square" lIns="91424" tIns="45700" rIns="91424" bIns="45700" anchor="ctr">
-            <a:noAutofit/>
-          </a:bodyPr>
-          <a:lstStyle/>
-          <a:p>
-            <a:pPr marL="0" lvl="0" indent="0" algn="l" defTabSz="58846888" rtl="0" eaLnBrk="1" latinLnBrk="0" hangingPunct="1">
-              <a:lnSpc>
-                <a:spcPct val="100000"/>
-              </a:lnSpc>
-              <a:spcBef>
-                <a:spcPct val="0"/>
-              </a:spcBef>
-              <a:spcAft>
-                <a:spcPct val="0"/>
-              </a:spcAft>
-              <a:buNone/>
-              <a:defRPr/>
-            </a:pPr>
-            <a:r>
-              <a:rPr kumimoji="1" lang="ko-KR" altLang="en-US" sz="2000" b="0" i="0" baseline="0">
-                <a:solidFill>
-                  <a:srgbClr val="FFFFFF">
-                    <a:alpha val="100000"/>
-                  </a:srgbClr>
-                </a:solidFill>
-                <a:latin typeface="맑은 고딕"/>
-                <a:ea typeface="맑은 고딕"/>
-                <a:sym typeface="맑은 고딕"/>
-              </a:rPr>
-              <a:t> 일정 내용</a:t>
-            </a:r>
-            <a:endParaRPr kumimoji="1" lang="ko-KR" altLang="en-US" sz="2000" b="0" i="0">
-              <a:solidFill>
-                <a:srgbClr val="FFFFFF">
-                  <a:alpha val="100000"/>
-                </a:srgbClr>
-              </a:solidFill>
-              <a:latin typeface="맑은 고딕"/>
-              <a:ea typeface="맑은 고딕"/>
-              <a:sym typeface="맑은 고딕"/>
-            </a:endParaRPr>
-          </a:p>
-        </p:txBody>
-      </p:sp>
-      <p:sp>
-        <p:nvSpPr>
-          <p:cNvPr id="10246" name="TextBox 10245"/>
+          <p:cNvPr id="9223" name="TextBox 9222"/>
           <p:cNvSpPr txBox="1"/>
           <p:nvPr/>
         </p:nvSpPr>
@@ -13046,7 +15304,7 @@
       </p:sp>
       <p:sp>
         <p:nvSpPr>
-          <p:cNvPr id="10247" name="TextBox 10246"/>
+          <p:cNvPr id="9224" name="TextBox 9223"/>
           <p:cNvSpPr txBox="1"/>
           <p:nvPr/>
         </p:nvSpPr>
@@ -13140,7 +15398,7 @@
       </p:sp>
       <p:grpSp>
         <p:nvGrpSpPr>
-          <p:cNvPr id="10248" name="Group 1"/>
+          <p:cNvPr id="9225" name="Group 1"/>
           <p:cNvGrpSpPr/>
           <p:nvPr/>
         </p:nvGrpSpPr>
@@ -13154,7 +15412,7 @@
         </p:grpSpPr>
         <p:sp>
           <p:nvSpPr>
-            <p:cNvPr id="10249" name="TextBox 10248"/>
+            <p:cNvPr id="9226" name="TextBox 9225"/>
             <p:cNvSpPr txBox="1"/>
             <p:nvPr/>
           </p:nvSpPr>
@@ -13392,7 +15650,7 @@
         </p:sp>
         <p:sp>
           <p:nvSpPr>
-            <p:cNvPr id="10250" name="TextBox 10249"/>
+            <p:cNvPr id="9227" name="TextBox 9226"/>
             <p:cNvSpPr txBox="1"/>
             <p:nvPr/>
           </p:nvSpPr>
@@ -13463,7 +15721,7 @@
       </p:grpSp>
       <p:sp>
         <p:nvSpPr>
-          <p:cNvPr id="10251" name="TextBox 10250"/>
+          <p:cNvPr id="9228" name="TextBox 9227"/>
           <p:cNvSpPr txBox="1"/>
           <p:nvPr/>
         </p:nvSpPr>
@@ -13529,7 +15787,7 @@
       </p:sp>
       <p:grpSp>
         <p:nvGrpSpPr>
-          <p:cNvPr id="10252" name="Group 2"/>
+          <p:cNvPr id="9229" name="Group 2"/>
           <p:cNvGrpSpPr/>
           <p:nvPr/>
         </p:nvGrpSpPr>
@@ -13543,7 +15801,7 @@
         </p:grpSpPr>
         <p:sp>
           <p:nvSpPr>
-            <p:cNvPr id="10253" name="TextBox 10252"/>
+            <p:cNvPr id="9230" name="TextBox 9229"/>
             <p:cNvSpPr txBox="1"/>
             <p:nvPr/>
           </p:nvSpPr>
@@ -13611,7 +15869,7 @@
         </p:sp>
         <p:sp>
           <p:nvSpPr>
-            <p:cNvPr id="10254" name="TextBox 10253"/>
+            <p:cNvPr id="9231" name="TextBox 9230"/>
             <p:cNvSpPr txBox="1"/>
             <p:nvPr/>
           </p:nvSpPr>
@@ -13679,7 +15937,7 @@
         </p:sp>
         <p:sp>
           <p:nvSpPr>
-            <p:cNvPr id="10255" name="TextBox 10254"/>
+            <p:cNvPr id="9232" name="TextBox 9231"/>
             <p:cNvSpPr txBox="1"/>
             <p:nvPr/>
           </p:nvSpPr>
@@ -13748,293 +16006,7 @@
       </p:grpSp>
       <p:pic>
         <p:nvPicPr>
-          <p:cNvPr id="10256" name="그림 10255" descr="2021년 8월 달력 프린트 심플 도안 (비밀번호X) : 네이버 블로그"/>
-          <p:cNvPicPr>
-            <a:picLocks noChangeAspect="1"/>
-          </p:cNvPicPr>
-          <p:nvPr/>
-        </p:nvPicPr>
-        <p:blipFill rotWithShape="1">
-          <a:blip r:embed="rId2">
-            <a:lum/>
-          </a:blip>
-          <a:srcRect r="33370" b="80420"/>
-          <a:stretch>
-            <a:fillRect/>
-          </a:stretch>
-        </p:blipFill>
-        <p:spPr>
-          <a:xfrm>
-            <a:off x="3445839" y="1007897"/>
-            <a:ext cx="5533023" cy="1166586"/>
-          </a:xfrm>
-          <a:prstGeom prst="rect">
-            <a:avLst/>
-          </a:prstGeom>
-          <a:noFill/>
-          <a:ln w="9525" cap="flat" cmpd="sng" algn="ctr">
-            <a:noFill/>
-            <a:prstDash val="solid"/>
-            <a:round/>
-          </a:ln>
-        </p:spPr>
-      </p:pic>
-      <p:grpSp>
-        <p:nvGrpSpPr>
-          <p:cNvPr id="10260" name="Group 3"/>
-          <p:cNvGrpSpPr/>
-          <p:nvPr/>
-        </p:nvGrpSpPr>
-        <p:grpSpPr>
-          <a:xfrm>
-            <a:off x="6088519" y="1964944"/>
-            <a:ext cx="2753842" cy="2315757"/>
-            <a:chOff x="6088519" y="1964944"/>
-            <a:chExt cx="2753842" cy="2315757"/>
-          </a:xfrm>
-        </p:grpSpPr>
-        <p:sp>
-          <p:nvSpPr>
-            <p:cNvPr id="10261" name="TextBox 10260"/>
-            <p:cNvSpPr txBox="1"/>
-            <p:nvPr/>
-          </p:nvSpPr>
-          <p:spPr>
-            <a:xfrm>
-              <a:off x="6088519" y="1964944"/>
-              <a:ext cx="2753813" cy="2315757"/>
-            </a:xfrm>
-            <a:prstGeom prst="rect">
-              <a:avLst/>
-            </a:prstGeom>
-            <a:noFill/>
-            <a:ln w="9525" cap="flat" cmpd="sng" algn="ctr">
-              <a:noFill/>
-              <a:prstDash val="solid"/>
-              <a:round/>
-            </a:ln>
-          </p:spPr>
-          <p:txBody>
-            <a:bodyPr vert="horz" wrap="square" lIns="91424" tIns="91424" rIns="91424" bIns="91424" anchor="t">
-              <a:noAutofit/>
-            </a:bodyPr>
-            <a:lstStyle/>
-            <a:p>
-              <a:pPr marL="0" lvl="0" indent="0" algn="ctr" defTabSz="58846888" rtl="0" eaLnBrk="1" latinLnBrk="0" hangingPunct="1">
-                <a:lnSpc>
-                  <a:spcPct val="100000"/>
-                </a:lnSpc>
-                <a:spcBef>
-                  <a:spcPct val="0"/>
-                </a:spcBef>
-                <a:spcAft>
-                  <a:spcPct val="0"/>
-                </a:spcAft>
-                <a:buNone/>
-                <a:defRPr/>
-              </a:pPr>
-              <a:r>
-                <a:rPr kumimoji="0" lang="ko-KR" altLang="en-US" sz="4000" b="1" i="0" baseline="0">
-                  <a:solidFill>
-                    <a:srgbClr val="000000">
-                      <a:alpha val="100000"/>
-                    </a:srgbClr>
-                  </a:solidFill>
-                  <a:latin typeface="맑은 고딕"/>
-                  <a:ea typeface="맑은 고딕"/>
-                  <a:sym typeface="맑은 고딕"/>
-                </a:rPr>
-                <a:t>mon</a:t>
-              </a:r>
-            </a:p>
-            <a:p>
-              <a:pPr marL="0" lvl="0" indent="0" algn="ctr" defTabSz="58846888" rtl="0" eaLnBrk="1" latinLnBrk="0" hangingPunct="1">
-                <a:lnSpc>
-                  <a:spcPct val="100000"/>
-                </a:lnSpc>
-                <a:spcBef>
-                  <a:spcPct val="0"/>
-                </a:spcBef>
-                <a:spcAft>
-                  <a:spcPct val="0"/>
-                </a:spcAft>
-                <a:buNone/>
-                <a:defRPr/>
-              </a:pPr>
-              <a:r>
-                <a:rPr kumimoji="0" lang="ko-KR" altLang="en-US" sz="10000" b="1" i="0" baseline="0">
-                  <a:solidFill>
-                    <a:srgbClr val="000000">
-                      <a:alpha val="100000"/>
-                    </a:srgbClr>
-                  </a:solidFill>
-                  <a:latin typeface="맑은 고딕"/>
-                  <a:ea typeface="맑은 고딕"/>
-                  <a:sym typeface="맑은 고딕"/>
-                </a:rPr>
-                <a:t>28</a:t>
-              </a:r>
-              <a:endParaRPr kumimoji="0" lang="ko-KR" altLang="en-US" sz="10000" b="1" i="0">
-                <a:solidFill>
-                  <a:srgbClr val="000000">
-                    <a:alpha val="100000"/>
-                  </a:srgbClr>
-                </a:solidFill>
-                <a:latin typeface="맑은 고딕"/>
-                <a:ea typeface="맑은 고딕"/>
-                <a:sym typeface="맑은 고딕"/>
-              </a:endParaRPr>
-            </a:p>
-          </p:txBody>
-        </p:sp>
-        <p:sp>
-          <p:nvSpPr>
-            <p:cNvPr id="10262" name="이등변 삼각형 10261"/>
-            <p:cNvSpPr/>
-            <p:nvPr/>
-          </p:nvSpPr>
-          <p:spPr>
-            <a:xfrm rot="5400000">
-              <a:off x="8345557" y="3191869"/>
-              <a:ext cx="717366" cy="276240"/>
-            </a:xfrm>
-            <a:prstGeom prst="triangle">
-              <a:avLst>
-                <a:gd name="adj" fmla="val 50000"/>
-              </a:avLst>
-            </a:prstGeom>
-            <a:solidFill>
-              <a:srgbClr val="000000"/>
-            </a:solidFill>
-            <a:ln w="9544" cap="flat" cmpd="sng" algn="ctr">
-              <a:solidFill>
-                <a:srgbClr val="44546A"/>
-              </a:solidFill>
-              <a:prstDash val="solid"/>
-              <a:round/>
-            </a:ln>
-          </p:spPr>
-          <p:style>
-            <a:lnRef idx="2">
-              <a:schemeClr val="accent1">
-                <a:shade val="20000"/>
-              </a:schemeClr>
-            </a:lnRef>
-            <a:fillRef idx="1">
-              <a:schemeClr val="accent1"/>
-            </a:fillRef>
-            <a:effectRef idx="0">
-              <a:schemeClr val="accent1"/>
-            </a:effectRef>
-            <a:fontRef idx="minor">
-              <a:schemeClr val="lt1"/>
-            </a:fontRef>
-          </p:style>
-          <p:txBody>
-            <a:bodyPr vert="horz" wrap="none" lIns="91440" tIns="45720" rIns="91440" bIns="45720" anchor="t">
-              <a:noAutofit/>
-            </a:bodyPr>
-            <a:lstStyle/>
-            <a:p>
-              <a:pPr marL="0" lvl="0" indent="0" algn="l" rtl="0" eaLnBrk="1" latinLnBrk="1" hangingPunct="1">
-                <a:lnSpc>
-                  <a:spcPct val="100000"/>
-                </a:lnSpc>
-                <a:spcBef>
-                  <a:spcPct val="30000"/>
-                </a:spcBef>
-                <a:spcAft>
-                  <a:spcPct val="0"/>
-                </a:spcAft>
-                <a:buNone/>
-                <a:defRPr/>
-              </a:pPr>
-              <a:endParaRPr kumimoji="1" lang="ko-KR" altLang="en-US" sz="1200" b="0" i="0" baseline="0">
-                <a:solidFill>
-                  <a:schemeClr val="tx1"/>
-                </a:solidFill>
-                <a:latin typeface="Arial"/>
-                <a:ea typeface="Arial"/>
-              </a:endParaRPr>
-            </a:p>
-          </p:txBody>
-        </p:sp>
-        <p:sp>
-          <p:nvSpPr>
-            <p:cNvPr id="10263" name="이등변 삼각형 10262"/>
-            <p:cNvSpPr/>
-            <p:nvPr/>
-          </p:nvSpPr>
-          <p:spPr>
-            <a:xfrm rot="16200000">
-              <a:off x="5870272" y="3191087"/>
-              <a:ext cx="714296" cy="277748"/>
-            </a:xfrm>
-            <a:prstGeom prst="triangle">
-              <a:avLst>
-                <a:gd name="adj" fmla="val 50000"/>
-              </a:avLst>
-            </a:prstGeom>
-            <a:solidFill>
-              <a:srgbClr val="000000"/>
-            </a:solidFill>
-            <a:ln w="9544" cap="flat" cmpd="sng" algn="ctr">
-              <a:solidFill>
-                <a:srgbClr val="44546A"/>
-              </a:solidFill>
-              <a:prstDash val="solid"/>
-              <a:round/>
-            </a:ln>
-          </p:spPr>
-          <p:style>
-            <a:lnRef idx="2">
-              <a:schemeClr val="accent1">
-                <a:shade val="20000"/>
-              </a:schemeClr>
-            </a:lnRef>
-            <a:fillRef idx="1">
-              <a:schemeClr val="accent1"/>
-            </a:fillRef>
-            <a:effectRef idx="0">
-              <a:schemeClr val="accent1"/>
-            </a:effectRef>
-            <a:fontRef idx="minor">
-              <a:schemeClr val="lt1"/>
-            </a:fontRef>
-          </p:style>
-          <p:txBody>
-            <a:bodyPr vert="horz" wrap="none" lIns="91440" tIns="45720" rIns="91440" bIns="45720" anchor="t">
-              <a:noAutofit/>
-            </a:bodyPr>
-            <a:lstStyle/>
-            <a:p>
-              <a:pPr marL="0" lvl="0" indent="0" algn="l" rtl="0" eaLnBrk="1" latinLnBrk="1" hangingPunct="1">
-                <a:lnSpc>
-                  <a:spcPct val="100000"/>
-                </a:lnSpc>
-                <a:spcBef>
-                  <a:spcPct val="30000"/>
-                </a:spcBef>
-                <a:spcAft>
-                  <a:spcPct val="0"/>
-                </a:spcAft>
-                <a:buNone/>
-                <a:defRPr/>
-              </a:pPr>
-              <a:endParaRPr kumimoji="1" lang="ko-KR" altLang="en-US" sz="1200" b="0" i="0" baseline="0">
-                <a:solidFill>
-                  <a:schemeClr val="tx1"/>
-                </a:solidFill>
-                <a:latin typeface="Arial"/>
-                <a:ea typeface="Arial"/>
-              </a:endParaRPr>
-            </a:p>
-          </p:txBody>
-        </p:sp>
-      </p:grpSp>
-      <p:pic>
-        <p:nvPicPr>
-          <p:cNvPr id="10264" name="그림 10263"/>
+          <p:cNvPr id="9236" name="그림 9235"/>
           <p:cNvPicPr>
             <a:picLocks noChangeAspect="1"/>
           </p:cNvPicPr>
@@ -14064,391 +16036,9 @@
           </a:ln>
         </p:spPr>
       </p:pic>
-      <p:sp>
-        <p:nvSpPr>
-          <p:cNvPr id="10265" name="TextBox 10264"/>
-          <p:cNvSpPr txBox="1"/>
-          <p:nvPr/>
-        </p:nvSpPr>
-        <p:spPr>
-          <a:xfrm>
-            <a:off x="5539386" y="4218800"/>
-            <a:ext cx="4117211" cy="2114144"/>
-          </a:xfrm>
-          <a:prstGeom prst="rect">
-            <a:avLst/>
-          </a:prstGeom>
-          <a:solidFill>
-            <a:srgbClr val="4472C4"/>
-          </a:solidFill>
-          <a:ln w="12726" cap="flat" cmpd="sng" algn="ctr">
-            <a:solidFill>
-              <a:srgbClr val="31538F"/>
-            </a:solidFill>
-            <a:prstDash val="solid"/>
-            <a:miter/>
-          </a:ln>
-        </p:spPr>
-        <p:txBody>
-          <a:bodyPr vert="horz" wrap="square" lIns="91424" tIns="45700" rIns="91424" bIns="45700" anchor="ctr">
-            <a:noAutofit/>
-          </a:bodyPr>
-          <a:lstStyle/>
-          <a:p>
-            <a:pPr marL="0" lvl="0" indent="0" algn="l" defTabSz="58846888" rtl="0" eaLnBrk="1" latinLnBrk="0" hangingPunct="1">
-              <a:lnSpc>
-                <a:spcPct val="100000"/>
-              </a:lnSpc>
-              <a:spcBef>
-                <a:spcPct val="0"/>
-              </a:spcBef>
-              <a:spcAft>
-                <a:spcPct val="0"/>
-              </a:spcAft>
-              <a:buNone/>
-              <a:defRPr/>
-            </a:pPr>
-            <a:endParaRPr kumimoji="1" lang="ko-KR" altLang="en-US" sz="2000" b="0" i="0" baseline="0">
-              <a:solidFill>
-                <a:srgbClr val="FFFFFF">
-                  <a:alpha val="100000"/>
-                </a:srgbClr>
-              </a:solidFill>
-              <a:latin typeface="맑은 고딕"/>
-              <a:ea typeface="맑은 고딕"/>
-              <a:sym typeface="맑은 고딕"/>
-            </a:endParaRPr>
-          </a:p>
-          <a:p>
-            <a:pPr marL="0" lvl="0" indent="0" algn="l" defTabSz="58846888" rtl="0" eaLnBrk="1" latinLnBrk="0" hangingPunct="1">
-              <a:lnSpc>
-                <a:spcPct val="100000"/>
-              </a:lnSpc>
-              <a:spcBef>
-                <a:spcPct val="0"/>
-              </a:spcBef>
-              <a:spcAft>
-                <a:spcPct val="0"/>
-              </a:spcAft>
-              <a:buNone/>
-              <a:defRPr/>
-            </a:pPr>
-            <a:r>
-              <a:rPr kumimoji="0" lang="ko-KR" altLang="en-US" sz="2000" b="0" i="0" baseline="0">
-                <a:solidFill>
-                  <a:srgbClr val="FFFFFF">
-                    <a:alpha val="100000"/>
-                  </a:srgbClr>
-                </a:solidFill>
-                <a:latin typeface="맑은 고딕"/>
-                <a:ea typeface="맑은 고딕"/>
-                <a:sym typeface="맑은 고딕"/>
-              </a:rPr>
-              <a:t> 일정 제목</a:t>
-            </a:r>
-          </a:p>
-          <a:p>
-            <a:pPr marL="0" lvl="0" indent="0" algn="l" defTabSz="58846888" rtl="0" eaLnBrk="1" latinLnBrk="0" hangingPunct="1">
-              <a:lnSpc>
-                <a:spcPct val="100000"/>
-              </a:lnSpc>
-              <a:spcBef>
-                <a:spcPct val="0"/>
-              </a:spcBef>
-              <a:spcAft>
-                <a:spcPct val="0"/>
-              </a:spcAft>
-              <a:buNone/>
-              <a:defRPr/>
-            </a:pPr>
-            <a:endParaRPr kumimoji="0" lang="ko-KR" altLang="en-US" sz="500" b="0" i="0" baseline="0">
-              <a:solidFill>
-                <a:srgbClr val="FFFFFF">
-                  <a:alpha val="100000"/>
-                </a:srgbClr>
-              </a:solidFill>
-              <a:latin typeface="맑은 고딕"/>
-              <a:ea typeface="맑은 고딕"/>
-              <a:sym typeface="맑은 고딕"/>
-            </a:endParaRPr>
-          </a:p>
-          <a:p>
-            <a:pPr marL="0" lvl="0" indent="0" algn="l" defTabSz="58846888" rtl="0" eaLnBrk="1" latinLnBrk="0" hangingPunct="1">
-              <a:lnSpc>
-                <a:spcPct val="100000"/>
-              </a:lnSpc>
-              <a:spcBef>
-                <a:spcPct val="0"/>
-              </a:spcBef>
-              <a:spcAft>
-                <a:spcPct val="0"/>
-              </a:spcAft>
-              <a:buNone/>
-              <a:defRPr/>
-            </a:pPr>
-            <a:r>
-              <a:rPr kumimoji="0" lang="ko-KR" altLang="en-US" sz="1500" b="0" i="0" baseline="0">
-                <a:solidFill>
-                  <a:srgbClr val="FFFFFF">
-                    <a:alpha val="100000"/>
-                  </a:srgbClr>
-                </a:solidFill>
-                <a:latin typeface="Arial"/>
-                <a:ea typeface="Arial"/>
-                <a:sym typeface="Arial"/>
-              </a:rPr>
-              <a:t>ㅇ 일정 세부 내용</a:t>
-            </a:r>
-          </a:p>
-          <a:p>
-            <a:pPr marL="0" lvl="0" indent="0" algn="l" defTabSz="58846888" rtl="0" eaLnBrk="1" latinLnBrk="0" hangingPunct="1">
-              <a:lnSpc>
-                <a:spcPct val="100000"/>
-              </a:lnSpc>
-              <a:spcBef>
-                <a:spcPct val="0"/>
-              </a:spcBef>
-              <a:spcAft>
-                <a:spcPct val="0"/>
-              </a:spcAft>
-              <a:buClr>
-                <a:srgbClr val="FFFFFF">
-                  <a:alpha val="100000"/>
-                </a:srgbClr>
-              </a:buClr>
-              <a:buSzPct val="25000"/>
-              <a:buFont typeface="Arial"/>
-              <a:buAutoNum type="arabicPeriod"/>
-              <a:defRPr/>
-            </a:pPr>
-            <a:r>
-              <a:rPr kumimoji="0" lang="ko-KR" altLang="en-US" sz="1500" b="0" i="0" baseline="0">
-                <a:solidFill>
-                  <a:srgbClr val="FFFFFF">
-                    <a:alpha val="100000"/>
-                  </a:srgbClr>
-                </a:solidFill>
-                <a:latin typeface="Arial"/>
-                <a:ea typeface="Arial"/>
-                <a:sym typeface="Arial"/>
-              </a:rPr>
-              <a:t>………</a:t>
-            </a:r>
-          </a:p>
-          <a:p>
-            <a:pPr marL="0" lvl="0" indent="0" algn="l" defTabSz="58846888" rtl="0" eaLnBrk="1" latinLnBrk="0" hangingPunct="1">
-              <a:lnSpc>
-                <a:spcPct val="100000"/>
-              </a:lnSpc>
-              <a:spcBef>
-                <a:spcPct val="0"/>
-              </a:spcBef>
-              <a:spcAft>
-                <a:spcPct val="0"/>
-              </a:spcAft>
-              <a:buClr>
-                <a:srgbClr val="FFFFFF">
-                  <a:alpha val="100000"/>
-                </a:srgbClr>
-              </a:buClr>
-              <a:buSzPct val="25000"/>
-              <a:buFont typeface="Arial"/>
-              <a:buAutoNum type="arabicPeriod" startAt="2"/>
-              <a:defRPr/>
-            </a:pPr>
-            <a:r>
-              <a:rPr kumimoji="0" lang="ko-KR" altLang="en-US" sz="1500" b="0" i="0" baseline="0">
-                <a:solidFill>
-                  <a:srgbClr val="FFFFFF">
-                    <a:alpha val="100000"/>
-                  </a:srgbClr>
-                </a:solidFill>
-                <a:latin typeface="Arial"/>
-                <a:ea typeface="Arial"/>
-                <a:sym typeface="Arial"/>
-              </a:rPr>
-              <a:t>………</a:t>
-            </a:r>
-          </a:p>
-          <a:p>
-            <a:pPr marL="0" lvl="0" indent="0" algn="l" defTabSz="58846888" rtl="0" eaLnBrk="1" latinLnBrk="0" hangingPunct="1">
-              <a:lnSpc>
-                <a:spcPct val="100000"/>
-              </a:lnSpc>
-              <a:spcBef>
-                <a:spcPct val="0"/>
-              </a:spcBef>
-              <a:spcAft>
-                <a:spcPct val="0"/>
-              </a:spcAft>
-              <a:buNone/>
-              <a:defRPr/>
-            </a:pPr>
-            <a:r>
-              <a:rPr kumimoji="0" lang="ko-KR" altLang="en-US" sz="1500" b="0" i="0" baseline="0">
-                <a:solidFill>
-                  <a:srgbClr val="FFFFFF">
-                    <a:alpha val="100000"/>
-                  </a:srgbClr>
-                </a:solidFill>
-                <a:latin typeface="Arial"/>
-                <a:ea typeface="Arial"/>
-                <a:sym typeface="Arial"/>
-              </a:rPr>
-              <a:t>[더보기]</a:t>
-            </a:r>
-          </a:p>
-          <a:p>
-            <a:pPr marL="0" lvl="0" indent="0" algn="l" defTabSz="58846888" rtl="0" eaLnBrk="1" latinLnBrk="0" hangingPunct="1">
-              <a:lnSpc>
-                <a:spcPct val="100000"/>
-              </a:lnSpc>
-              <a:spcBef>
-                <a:spcPct val="0"/>
-              </a:spcBef>
-              <a:spcAft>
-                <a:spcPct val="0"/>
-              </a:spcAft>
-              <a:buNone/>
-              <a:defRPr/>
-            </a:pPr>
-            <a:endParaRPr kumimoji="0" lang="ko-KR" altLang="en-US" sz="2000" b="0" i="0" baseline="0">
-              <a:solidFill>
-                <a:srgbClr val="FFFFFF">
-                  <a:alpha val="100000"/>
-                </a:srgbClr>
-              </a:solidFill>
-              <a:latin typeface="맑은 고딕"/>
-              <a:ea typeface="맑은 고딕"/>
-              <a:sym typeface="맑은 고딕"/>
-            </a:endParaRPr>
-          </a:p>
-          <a:p>
-            <a:pPr marL="0" lvl="0" indent="0" algn="l" defTabSz="58846888" rtl="0" eaLnBrk="1" latinLnBrk="0" hangingPunct="1">
-              <a:lnSpc>
-                <a:spcPct val="100000"/>
-              </a:lnSpc>
-              <a:spcBef>
-                <a:spcPct val="0"/>
-              </a:spcBef>
-              <a:spcAft>
-                <a:spcPct val="0"/>
-              </a:spcAft>
-              <a:buNone/>
-              <a:defRPr/>
-            </a:pPr>
-            <a:endParaRPr kumimoji="0" lang="ko-KR" altLang="en-US" sz="2000" b="0" i="0">
-              <a:solidFill>
-                <a:srgbClr val="FFFFFF">
-                  <a:alpha val="100000"/>
-                </a:srgbClr>
-              </a:solidFill>
-              <a:latin typeface="맑은 고딕"/>
-              <a:ea typeface="맑은 고딕"/>
-              <a:sym typeface="맑은 고딕"/>
-            </a:endParaRPr>
-          </a:p>
-        </p:txBody>
-      </p:sp>
-      <p:sp>
-        <p:nvSpPr>
-          <p:cNvPr id="10266" name="TextBox 10265"/>
-          <p:cNvSpPr txBox="1"/>
-          <p:nvPr/>
-        </p:nvSpPr>
-        <p:spPr>
-          <a:xfrm>
-            <a:off x="9545466" y="1836396"/>
-            <a:ext cx="2203061" cy="525354"/>
-          </a:xfrm>
-          <a:prstGeom prst="rect">
-            <a:avLst/>
-          </a:prstGeom>
-          <a:solidFill>
-            <a:srgbClr val="F4B081"/>
-          </a:solidFill>
-          <a:ln w="12726" cap="flat" cmpd="sng" algn="ctr">
-            <a:solidFill>
-              <a:srgbClr val="31538F"/>
-            </a:solidFill>
-            <a:prstDash val="solid"/>
-            <a:miter/>
-          </a:ln>
-        </p:spPr>
-        <p:txBody>
-          <a:bodyPr vert="horz" wrap="square" lIns="91424" tIns="45700" rIns="91424" bIns="45700" anchor="ctr">
-            <a:noAutofit/>
-          </a:bodyPr>
-          <a:lstStyle/>
-          <a:p>
-            <a:pPr marL="0" lvl="0" indent="0" algn="l" defTabSz="58846888" rtl="0" eaLnBrk="1" latinLnBrk="0" hangingPunct="1">
-              <a:lnSpc>
-                <a:spcPct val="100000"/>
-              </a:lnSpc>
-              <a:spcBef>
-                <a:spcPct val="0"/>
-              </a:spcBef>
-              <a:spcAft>
-                <a:spcPct val="0"/>
-              </a:spcAft>
-              <a:buNone/>
-              <a:defRPr/>
-            </a:pPr>
-            <a:r>
-              <a:rPr kumimoji="1" lang="ko-KR" altLang="en-US" sz="1400" b="0" i="0" baseline="0">
-                <a:solidFill>
-                  <a:srgbClr val="000000">
-                    <a:alpha val="100000"/>
-                  </a:srgbClr>
-                </a:solidFill>
-                <a:latin typeface="맑은 고딕"/>
-                <a:ea typeface="맑은 고딕"/>
-                <a:sym typeface="맑은 고딕"/>
-              </a:rPr>
-              <a:t>달력</a:t>
-            </a:r>
-            <a:r>
-              <a:rPr kumimoji="1" lang="ko-KR" altLang="en-US" sz="1400" b="0" i="0" baseline="0">
-                <a:solidFill>
-                  <a:srgbClr val="000000">
-                    <a:alpha val="100000"/>
-                  </a:srgbClr>
-                </a:solidFill>
-                <a:latin typeface="바탕"/>
-                <a:ea typeface="맑은 고딕"/>
-                <a:sym typeface="맑은 고딕"/>
-              </a:rPr>
-              <a:t>:</a:t>
-            </a:r>
-            <a:r>
-              <a:rPr kumimoji="1" lang="ko-KR" altLang="en-US" sz="1400" b="0" i="0" baseline="0">
-                <a:solidFill>
-                  <a:srgbClr val="000000">
-                    <a:alpha val="100000"/>
-                  </a:srgbClr>
-                </a:solidFill>
-                <a:latin typeface="맑은 고딕"/>
-                <a:ea typeface="맑은 고딕"/>
-                <a:sym typeface="맑은 고딕"/>
-              </a:rPr>
-              <a:t> 일별 상세보기</a:t>
-            </a:r>
-            <a:endParaRPr kumimoji="1" lang="ko-KR" altLang="en-US" sz="1400" b="0" i="0">
-              <a:solidFill>
-                <a:srgbClr val="000000">
-                  <a:alpha val="100000"/>
-                </a:srgbClr>
-              </a:solidFill>
-              <a:latin typeface="맑은 고딕"/>
-              <a:ea typeface="맑은 고딕"/>
-              <a:sym typeface="맑은 고딕"/>
-            </a:endParaRPr>
-          </a:p>
-        </p:txBody>
-      </p:sp>
       <p:pic>
         <p:nvPicPr>
-          <p:cNvPr id="10267" name="그림 10266"/>
+          <p:cNvPr id="9238" name="그림 9237"/>
           <p:cNvPicPr>
             <a:picLocks noChangeAspect="1"/>
           </p:cNvPicPr>
@@ -14478,6 +16068,339 @@
           </a:ln>
         </p:spPr>
       </p:pic>
+      <p:sp>
+        <p:nvSpPr>
+          <p:cNvPr id="18" name="TextBox 17">
+            <a:extLst>
+              <a:ext uri="{FF2B5EF4-FFF2-40B4-BE49-F238E27FC236}">
+                <a16:creationId xmlns:a16="http://schemas.microsoft.com/office/drawing/2014/main" id="{5275DA3D-69A3-4E05-A3AF-67D95348BA5E}"/>
+              </a:ext>
+            </a:extLst>
+          </p:cNvPr>
+          <p:cNvSpPr txBox="1"/>
+          <p:nvPr/>
+        </p:nvSpPr>
+        <p:spPr>
+          <a:xfrm>
+            <a:off x="256966" y="753927"/>
+            <a:ext cx="2091250" cy="369332"/>
+          </a:xfrm>
+          <a:prstGeom prst="rect">
+            <a:avLst/>
+          </a:prstGeom>
+          <a:solidFill>
+            <a:schemeClr val="accent2">
+              <a:lumMod val="40000"/>
+              <a:lumOff val="60000"/>
+            </a:schemeClr>
+          </a:solidFill>
+          <a:ln w="19050">
+            <a:solidFill>
+              <a:schemeClr val="accent2">
+                <a:lumMod val="75000"/>
+              </a:schemeClr>
+            </a:solidFill>
+          </a:ln>
+        </p:spPr>
+        <p:txBody>
+          <a:bodyPr wrap="square" rtlCol="0">
+            <a:spAutoFit/>
+          </a:bodyPr>
+          <a:lstStyle/>
+          <a:p>
+            <a:r>
+              <a:rPr lang="en-US" altLang="ko-KR" dirty="0">
+                <a:latin typeface="맑은 고딕" panose="020B0503020000020004" pitchFamily="50" charset="-127"/>
+                <a:ea typeface="맑은 고딕" panose="020B0503020000020004" pitchFamily="50" charset="-127"/>
+              </a:rPr>
+              <a:t>[To-Do </a:t>
+            </a:r>
+            <a:r>
+              <a:rPr lang="ko-KR" altLang="en-US" dirty="0">
+                <a:latin typeface="맑은 고딕" panose="020B0503020000020004" pitchFamily="50" charset="-127"/>
+                <a:ea typeface="맑은 고딕" panose="020B0503020000020004" pitchFamily="50" charset="-127"/>
+              </a:rPr>
+              <a:t>구상 예시</a:t>
+            </a:r>
+            <a:r>
+              <a:rPr lang="en-US" altLang="ko-KR" dirty="0">
+                <a:latin typeface="맑은 고딕" panose="020B0503020000020004" pitchFamily="50" charset="-127"/>
+                <a:ea typeface="맑은 고딕" panose="020B0503020000020004" pitchFamily="50" charset="-127"/>
+              </a:rPr>
+              <a:t>]</a:t>
+            </a:r>
+          </a:p>
+        </p:txBody>
+      </p:sp>
+      <p:pic>
+        <p:nvPicPr>
+          <p:cNvPr id="3" name="그림 2">
+            <a:extLst>
+              <a:ext uri="{FF2B5EF4-FFF2-40B4-BE49-F238E27FC236}">
+                <a16:creationId xmlns:a16="http://schemas.microsoft.com/office/drawing/2014/main" id="{D9C0D7DB-A2B7-4529-BE3E-1389A181519D}"/>
+              </a:ext>
+            </a:extLst>
+          </p:cNvPr>
+          <p:cNvPicPr>
+            <a:picLocks noChangeAspect="1"/>
+          </p:cNvPicPr>
+          <p:nvPr/>
+        </p:nvPicPr>
+        <p:blipFill>
+          <a:blip r:embed="rId5" cstate="print">
+            <a:extLst>
+              <a:ext uri="{28A0092B-C50C-407E-A947-70E740481C1C}">
+                <a14:useLocalDpi xmlns:a14="http://schemas.microsoft.com/office/drawing/2010/main" val="0"/>
+              </a:ext>
+            </a:extLst>
+          </a:blip>
+          <a:stretch>
+            <a:fillRect/>
+          </a:stretch>
+        </p:blipFill>
+        <p:spPr>
+          <a:xfrm>
+            <a:off x="2132134" y="5810155"/>
+            <a:ext cx="498337" cy="498337"/>
+          </a:xfrm>
+          <a:prstGeom prst="rect">
+            <a:avLst/>
+          </a:prstGeom>
+        </p:spPr>
+      </p:pic>
+      <p:pic>
+        <p:nvPicPr>
+          <p:cNvPr id="22" name="그림 21" descr="Cursor Mouse Click - Free vector graphic on Pixabay">
+            <a:extLst>
+              <a:ext uri="{FF2B5EF4-FFF2-40B4-BE49-F238E27FC236}">
+                <a16:creationId xmlns:a16="http://schemas.microsoft.com/office/drawing/2014/main" id="{56027478-16FC-4728-BB13-A4D604F5A833}"/>
+              </a:ext>
+            </a:extLst>
+          </p:cNvPr>
+          <p:cNvPicPr>
+            <a:picLocks noChangeAspect="1"/>
+          </p:cNvPicPr>
+          <p:nvPr/>
+        </p:nvPicPr>
+        <p:blipFill rotWithShape="1">
+          <a:blip r:embed="rId6">
+            <a:lum/>
+          </a:blip>
+          <a:stretch>
+            <a:fillRect/>
+          </a:stretch>
+        </p:blipFill>
+        <p:spPr>
+          <a:xfrm>
+            <a:off x="2157378" y="6093234"/>
+            <a:ext cx="317434" cy="401551"/>
+          </a:xfrm>
+          <a:prstGeom prst="rect">
+            <a:avLst/>
+          </a:prstGeom>
+          <a:noFill/>
+          <a:ln w="9525" cap="flat" cmpd="sng" algn="ctr">
+            <a:noFill/>
+            <a:prstDash val="solid"/>
+            <a:round/>
+          </a:ln>
+        </p:spPr>
+      </p:pic>
+      <p:sp>
+        <p:nvSpPr>
+          <p:cNvPr id="23" name="TextBox 22">
+            <a:extLst>
+              <a:ext uri="{FF2B5EF4-FFF2-40B4-BE49-F238E27FC236}">
+                <a16:creationId xmlns:a16="http://schemas.microsoft.com/office/drawing/2014/main" id="{ED092277-0D5A-4B19-BCA2-E5EA6415B814}"/>
+              </a:ext>
+            </a:extLst>
+          </p:cNvPr>
+          <p:cNvSpPr txBox="1"/>
+          <p:nvPr/>
+        </p:nvSpPr>
+        <p:spPr>
+          <a:xfrm>
+            <a:off x="2510810" y="6080054"/>
+            <a:ext cx="4014972" cy="525354"/>
+          </a:xfrm>
+          <a:prstGeom prst="rect">
+            <a:avLst/>
+          </a:prstGeom>
+          <a:solidFill>
+            <a:srgbClr val="F4B081"/>
+          </a:solidFill>
+          <a:ln w="12726" cap="flat" cmpd="sng" algn="ctr">
+            <a:solidFill>
+              <a:srgbClr val="31538F"/>
+            </a:solidFill>
+            <a:prstDash val="solid"/>
+            <a:miter/>
+          </a:ln>
+        </p:spPr>
+        <p:txBody>
+          <a:bodyPr vert="horz" wrap="square" lIns="91424" tIns="45700" rIns="91424" bIns="45700" anchor="ctr">
+            <a:noAutofit/>
+          </a:bodyPr>
+          <a:lstStyle/>
+          <a:p>
+            <a:pPr marL="0" lvl="0" indent="0" algn="l" defTabSz="58846888" rtl="0" eaLnBrk="1" latinLnBrk="0" hangingPunct="1">
+              <a:lnSpc>
+                <a:spcPct val="100000"/>
+              </a:lnSpc>
+              <a:spcBef>
+                <a:spcPct val="0"/>
+              </a:spcBef>
+              <a:spcAft>
+                <a:spcPct val="0"/>
+              </a:spcAft>
+              <a:buNone/>
+              <a:defRPr/>
+            </a:pPr>
+            <a:r>
+              <a:rPr kumimoji="1" lang="ko-KR" altLang="en-US" sz="1400" b="0" i="0" dirty="0" err="1">
+                <a:solidFill>
+                  <a:srgbClr val="000000">
+                    <a:alpha val="100000"/>
+                  </a:srgbClr>
+                </a:solidFill>
+                <a:latin typeface="맑은 고딕"/>
+                <a:ea typeface="맑은 고딕"/>
+                <a:sym typeface="맑은 고딕"/>
+              </a:rPr>
+              <a:t>클릭시</a:t>
+            </a:r>
+            <a:r>
+              <a:rPr kumimoji="1" lang="ko-KR" altLang="en-US" sz="1400" b="0" i="0" dirty="0">
+                <a:solidFill>
+                  <a:srgbClr val="000000">
+                    <a:alpha val="100000"/>
+                  </a:srgbClr>
+                </a:solidFill>
+                <a:latin typeface="맑은 고딕"/>
+                <a:ea typeface="맑은 고딕"/>
+                <a:sym typeface="맑은 고딕"/>
+              </a:rPr>
+              <a:t> </a:t>
+            </a:r>
+            <a:r>
+              <a:rPr kumimoji="1" lang="en-US" altLang="ko-KR" sz="1400" b="0" i="0" dirty="0">
+                <a:solidFill>
+                  <a:srgbClr val="000000">
+                    <a:alpha val="100000"/>
+                  </a:srgbClr>
+                </a:solidFill>
+                <a:latin typeface="맑은 고딕"/>
+                <a:ea typeface="맑은 고딕"/>
+                <a:sym typeface="맑은 고딕"/>
+              </a:rPr>
+              <a:t>To-Do List </a:t>
+            </a:r>
+            <a:r>
+              <a:rPr kumimoji="1" lang="ko-KR" altLang="en-US" sz="1400" b="0" i="0" dirty="0">
+                <a:solidFill>
+                  <a:srgbClr val="000000">
+                    <a:alpha val="100000"/>
+                  </a:srgbClr>
+                </a:solidFill>
+                <a:latin typeface="맑은 고딕"/>
+                <a:ea typeface="맑은 고딕"/>
+                <a:sym typeface="맑은 고딕"/>
+              </a:rPr>
+              <a:t>편집 활성화</a:t>
+            </a:r>
+            <a:r>
+              <a:rPr kumimoji="1" lang="en-US" altLang="ko-KR" sz="1400" b="0" i="0" dirty="0">
+                <a:solidFill>
+                  <a:srgbClr val="000000">
+                    <a:alpha val="100000"/>
+                  </a:srgbClr>
+                </a:solidFill>
+                <a:latin typeface="맑은 고딕"/>
+                <a:ea typeface="맑은 고딕"/>
+                <a:sym typeface="맑은 고딕"/>
+              </a:rPr>
+              <a:t>.</a:t>
+            </a:r>
+          </a:p>
+          <a:p>
+            <a:pPr marL="0" lvl="0" indent="0" algn="l" defTabSz="58846888" rtl="0" eaLnBrk="1" latinLnBrk="0" hangingPunct="1">
+              <a:lnSpc>
+                <a:spcPct val="100000"/>
+              </a:lnSpc>
+              <a:spcBef>
+                <a:spcPct val="0"/>
+              </a:spcBef>
+              <a:spcAft>
+                <a:spcPct val="0"/>
+              </a:spcAft>
+              <a:buNone/>
+              <a:defRPr/>
+            </a:pPr>
+            <a:r>
+              <a:rPr kumimoji="1" lang="ko-KR" altLang="en-US" sz="1400" dirty="0">
+                <a:solidFill>
+                  <a:srgbClr val="000000">
+                    <a:alpha val="100000"/>
+                  </a:srgbClr>
+                </a:solidFill>
+                <a:latin typeface="맑은 고딕"/>
+                <a:ea typeface="맑은 고딕"/>
+                <a:sym typeface="맑은 고딕"/>
+              </a:rPr>
+              <a:t>새 창 없이 바로 수정</a:t>
+            </a:r>
+            <a:r>
+              <a:rPr kumimoji="1" lang="en-US" altLang="ko-KR" sz="1400" dirty="0">
+                <a:solidFill>
+                  <a:srgbClr val="000000">
+                    <a:alpha val="100000"/>
+                  </a:srgbClr>
+                </a:solidFill>
+                <a:latin typeface="맑은 고딕"/>
+                <a:ea typeface="맑은 고딕"/>
+                <a:sym typeface="맑은 고딕"/>
+              </a:rPr>
+              <a:t>. </a:t>
+            </a:r>
+            <a:r>
+              <a:rPr kumimoji="1" lang="ko-KR" altLang="en-US" sz="1400" dirty="0">
+                <a:solidFill>
+                  <a:srgbClr val="000000">
+                    <a:alpha val="100000"/>
+                  </a:srgbClr>
+                </a:solidFill>
+                <a:latin typeface="맑은 고딕"/>
+                <a:ea typeface="맑은 고딕"/>
+                <a:sym typeface="맑은 고딕"/>
+              </a:rPr>
+              <a:t>한번 더 누르면 수정 완료</a:t>
+            </a:r>
+            <a:r>
+              <a:rPr kumimoji="1" lang="en-US" altLang="ko-KR" sz="1400" dirty="0">
+                <a:solidFill>
+                  <a:srgbClr val="000000">
+                    <a:alpha val="100000"/>
+                  </a:srgbClr>
+                </a:solidFill>
+                <a:latin typeface="맑은 고딕"/>
+                <a:ea typeface="맑은 고딕"/>
+                <a:sym typeface="맑은 고딕"/>
+              </a:rPr>
+              <a:t>.</a:t>
+            </a:r>
+            <a:endParaRPr kumimoji="1" lang="ko-KR" altLang="en-US" sz="1400" b="0" i="0" dirty="0">
+              <a:solidFill>
+                <a:srgbClr val="000000">
+                  <a:alpha val="100000"/>
+                </a:srgbClr>
+              </a:solidFill>
+              <a:latin typeface="맑은 고딕"/>
+              <a:ea typeface="맑은 고딕"/>
+              <a:sym typeface="맑은 고딕"/>
+            </a:endParaRPr>
+          </a:p>
+        </p:txBody>
+      </p:sp>
     </p:spTree>
   </p:cSld>
   <p:clrMapOvr>
@@ -14487,7 +16410,7 @@
     <mc:Choice Requires="p14">
       <p:transition/>
     </mc:Choice>
-    <mc:Fallback xmlns:dsp="http://schemas.microsoft.com/office/drawing/2008/diagram" xmlns:dgm="http://schemas.openxmlformats.org/drawingml/2006/diagram" xmlns:c="http://schemas.openxmlformats.org/drawingml/2006/chart" xmlns="">
+    <mc:Fallback xmlns="" xmlns:c="http://schemas.openxmlformats.org/drawingml/2006/chart" xmlns:dgm="http://schemas.openxmlformats.org/drawingml/2006/diagram" xmlns:dsp="http://schemas.microsoft.com/office/drawing/2008/diagram">
       <p:transition/>
     </mc:Fallback>
   </mc:AlternateContent>
@@ -14495,6 +16418,1532 @@
 </file>
 
 <file path=ppt/slides/slide8.xml><?xml version="1.0" encoding="utf-8"?>
+<p:sld xmlns:a="http://schemas.openxmlformats.org/drawingml/2006/main" xmlns:r="http://schemas.openxmlformats.org/officeDocument/2006/relationships" xmlns:p="http://schemas.openxmlformats.org/presentationml/2006/main">
+  <p:cSld>
+    <p:spTree>
+      <p:nvGrpSpPr>
+        <p:cNvPr id="1" name=""/>
+        <p:cNvGrpSpPr/>
+        <p:nvPr/>
+      </p:nvGrpSpPr>
+      <p:grpSpPr>
+        <a:xfrm>
+          <a:off x="0" y="0"/>
+          <a:ext cx="0" cy="0"/>
+          <a:chOff x="0" y="0"/>
+          <a:chExt cx="0" cy="0"/>
+        </a:xfrm>
+      </p:grpSpPr>
+      <p:pic>
+        <p:nvPicPr>
+          <p:cNvPr id="8196" name="그림 8195" descr="2021년 8월 달력 프린트 심플 도안 (비밀번호X) : 네이버 블로그"/>
+          <p:cNvPicPr>
+            <a:picLocks noChangeAspect="1"/>
+          </p:cNvPicPr>
+          <p:nvPr/>
+        </p:nvPicPr>
+        <p:blipFill rotWithShape="1">
+          <a:blip r:embed="rId2">
+            <a:lum/>
+          </a:blip>
+          <a:stretch>
+            <a:fillRect/>
+          </a:stretch>
+        </p:blipFill>
+        <p:spPr>
+          <a:xfrm>
+            <a:off x="3445839" y="753927"/>
+            <a:ext cx="8302688" cy="5964716"/>
+          </a:xfrm>
+          <a:prstGeom prst="rect">
+            <a:avLst/>
+          </a:prstGeom>
+          <a:noFill/>
+          <a:ln w="9525" cap="flat" cmpd="sng" algn="ctr">
+            <a:noFill/>
+            <a:prstDash val="solid"/>
+            <a:round/>
+          </a:ln>
+        </p:spPr>
+      </p:pic>
+      <p:sp>
+        <p:nvSpPr>
+          <p:cNvPr id="8197" name="TextBox 8196"/>
+          <p:cNvSpPr txBox="1"/>
+          <p:nvPr/>
+        </p:nvSpPr>
+        <p:spPr>
+          <a:xfrm>
+            <a:off x="11748528" y="0"/>
+            <a:ext cx="438055" cy="399988"/>
+          </a:xfrm>
+          <a:prstGeom prst="rect">
+            <a:avLst/>
+          </a:prstGeom>
+          <a:solidFill>
+            <a:srgbClr val="F4B081"/>
+          </a:solidFill>
+          <a:ln w="12726" cap="flat" cmpd="sng" algn="ctr">
+            <a:solidFill>
+              <a:srgbClr val="31538F"/>
+            </a:solidFill>
+            <a:prstDash val="solid"/>
+            <a:miter/>
+          </a:ln>
+        </p:spPr>
+        <p:txBody>
+          <a:bodyPr vert="horz" wrap="square" lIns="91424" tIns="45700" rIns="91424" bIns="45700" anchor="ctr">
+            <a:noAutofit/>
+          </a:bodyPr>
+          <a:lstStyle/>
+          <a:p>
+            <a:pPr marL="0" lvl="0" indent="0" algn="l" defTabSz="58846888" rtl="0" eaLnBrk="1" latinLnBrk="0" hangingPunct="1">
+              <a:lnSpc>
+                <a:spcPct val="100000"/>
+              </a:lnSpc>
+              <a:spcBef>
+                <a:spcPct val="0"/>
+              </a:spcBef>
+              <a:spcAft>
+                <a:spcPct val="0"/>
+              </a:spcAft>
+              <a:buNone/>
+              <a:defRPr/>
+            </a:pPr>
+            <a:r>
+              <a:rPr kumimoji="1" lang="ko-KR" altLang="en-US" sz="1500" b="0" i="0" baseline="0">
+                <a:solidFill>
+                  <a:srgbClr val="FFFFFF">
+                    <a:alpha val="100000"/>
+                  </a:srgbClr>
+                </a:solidFill>
+                <a:latin typeface="맑은 고딕"/>
+                <a:ea typeface="맑은 고딕"/>
+                <a:sym typeface="맑은 고딕"/>
+              </a:rPr>
+              <a:t> X</a:t>
+            </a:r>
+            <a:endParaRPr kumimoji="1" lang="ko-KR" altLang="en-US" sz="1500" b="0" i="0">
+              <a:solidFill>
+                <a:srgbClr val="FFFFFF">
+                  <a:alpha val="100000"/>
+                </a:srgbClr>
+              </a:solidFill>
+              <a:latin typeface="맑은 고딕"/>
+              <a:ea typeface="맑은 고딕"/>
+              <a:sym typeface="맑은 고딕"/>
+            </a:endParaRPr>
+          </a:p>
+        </p:txBody>
+      </p:sp>
+      <p:sp>
+        <p:nvSpPr>
+          <p:cNvPr id="8198" name="TextBox 8197"/>
+          <p:cNvSpPr txBox="1"/>
+          <p:nvPr/>
+        </p:nvSpPr>
+        <p:spPr>
+          <a:xfrm>
+            <a:off x="3436294" y="3171272"/>
+            <a:ext cx="1036475" cy="263458"/>
+          </a:xfrm>
+          <a:prstGeom prst="rect">
+            <a:avLst/>
+          </a:prstGeom>
+          <a:solidFill>
+            <a:srgbClr val="6AA84F"/>
+          </a:solidFill>
+          <a:ln w="12726" cap="flat" cmpd="sng" algn="ctr">
+            <a:solidFill>
+              <a:srgbClr val="FFFFFF"/>
+            </a:solidFill>
+            <a:prstDash val="solid"/>
+            <a:miter/>
+          </a:ln>
+        </p:spPr>
+        <p:txBody>
+          <a:bodyPr vert="horz" wrap="square" lIns="91424" tIns="45700" rIns="91424" bIns="45700" anchor="ctr">
+            <a:noAutofit/>
+          </a:bodyPr>
+          <a:lstStyle/>
+          <a:p>
+            <a:pPr marL="0" lvl="0" indent="0" algn="l" defTabSz="58846888" rtl="0" eaLnBrk="1" latinLnBrk="0" hangingPunct="1">
+              <a:lnSpc>
+                <a:spcPct val="100000"/>
+              </a:lnSpc>
+              <a:spcBef>
+                <a:spcPct val="0"/>
+              </a:spcBef>
+              <a:spcAft>
+                <a:spcPct val="0"/>
+              </a:spcAft>
+              <a:buNone/>
+              <a:defRPr/>
+            </a:pPr>
+            <a:r>
+              <a:rPr kumimoji="1" lang="ko-KR" altLang="en-US" sz="1200" b="0" i="0" baseline="0">
+                <a:solidFill>
+                  <a:srgbClr val="FFFFFF">
+                    <a:alpha val="100000"/>
+                  </a:srgbClr>
+                </a:solidFill>
+                <a:latin typeface="맑은 고딕"/>
+                <a:ea typeface="맑은 고딕"/>
+                <a:sym typeface="맑은 고딕"/>
+              </a:rPr>
+              <a:t> 일정 내용</a:t>
+            </a:r>
+            <a:endParaRPr kumimoji="1" lang="ko-KR" altLang="en-US" sz="1200" b="0" i="0">
+              <a:solidFill>
+                <a:srgbClr val="FFFFFF">
+                  <a:alpha val="100000"/>
+                </a:srgbClr>
+              </a:solidFill>
+              <a:latin typeface="맑은 고딕"/>
+              <a:ea typeface="맑은 고딕"/>
+              <a:sym typeface="맑은 고딕"/>
+            </a:endParaRPr>
+          </a:p>
+        </p:txBody>
+      </p:sp>
+      <p:pic>
+        <p:nvPicPr>
+          <p:cNvPr id="8199" name="그림 8198"/>
+          <p:cNvPicPr>
+            <a:picLocks noChangeAspect="1"/>
+          </p:cNvPicPr>
+          <p:nvPr/>
+        </p:nvPicPr>
+        <p:blipFill rotWithShape="1">
+          <a:blip r:embed="rId3">
+            <a:lum/>
+          </a:blip>
+          <a:stretch>
+            <a:fillRect/>
+          </a:stretch>
+        </p:blipFill>
+        <p:spPr>
+          <a:xfrm>
+            <a:off x="3160109" y="1687196"/>
+            <a:ext cx="5164795" cy="9544"/>
+          </a:xfrm>
+          <a:prstGeom prst="rect">
+            <a:avLst/>
+          </a:prstGeom>
+          <a:noFill/>
+          <a:ln w="9525" cap="flat" cmpd="sng" algn="ctr">
+            <a:noFill/>
+            <a:prstDash val="solid"/>
+            <a:round/>
+          </a:ln>
+        </p:spPr>
+      </p:pic>
+      <p:sp>
+        <p:nvSpPr>
+          <p:cNvPr id="8200" name="TextBox 8199"/>
+          <p:cNvSpPr txBox="1"/>
+          <p:nvPr/>
+        </p:nvSpPr>
+        <p:spPr>
+          <a:xfrm>
+            <a:off x="0" y="0"/>
+            <a:ext cx="2998238" cy="399988"/>
+          </a:xfrm>
+          <a:prstGeom prst="rect">
+            <a:avLst/>
+          </a:prstGeom>
+          <a:noFill/>
+          <a:ln w="9525" cap="flat" cmpd="sng" algn="ctr">
+            <a:noFill/>
+            <a:prstDash val="solid"/>
+            <a:round/>
+          </a:ln>
+        </p:spPr>
+        <p:txBody>
+          <a:bodyPr vert="horz" wrap="none" lIns="91440" tIns="45720" rIns="91440" bIns="45720" anchor="ctr">
+            <a:noAutofit/>
+          </a:bodyPr>
+          <a:lstStyle/>
+          <a:p>
+            <a:pPr marL="0" lvl="0" indent="0" algn="l" rtl="0" eaLnBrk="1" latinLnBrk="1" hangingPunct="1">
+              <a:lnSpc>
+                <a:spcPct val="100000"/>
+              </a:lnSpc>
+              <a:spcBef>
+                <a:spcPct val="30000"/>
+              </a:spcBef>
+              <a:spcAft>
+                <a:spcPct val="0"/>
+              </a:spcAft>
+              <a:buNone/>
+              <a:defRPr/>
+            </a:pPr>
+            <a:endParaRPr kumimoji="1" lang="ko-KR" altLang="en-US" sz="1200" b="0" i="0" baseline="0">
+              <a:solidFill>
+                <a:schemeClr val="tx1"/>
+              </a:solidFill>
+              <a:latin typeface="Arial"/>
+              <a:ea typeface="Arial"/>
+            </a:endParaRPr>
+          </a:p>
+        </p:txBody>
+      </p:sp>
+      <p:grpSp>
+        <p:nvGrpSpPr>
+          <p:cNvPr id="8201" name="Group 1"/>
+          <p:cNvGrpSpPr/>
+          <p:nvPr/>
+        </p:nvGrpSpPr>
+        <p:grpSpPr>
+          <a:xfrm>
+            <a:off x="4758444" y="661884"/>
+            <a:ext cx="5166358" cy="5755233"/>
+            <a:chOff x="4758444" y="661884"/>
+            <a:chExt cx="5166358" cy="5755233"/>
+          </a:xfrm>
+        </p:grpSpPr>
+        <p:grpSp>
+          <p:nvGrpSpPr>
+            <p:cNvPr id="8202" name="Group 1"/>
+            <p:cNvGrpSpPr/>
+            <p:nvPr/>
+          </p:nvGrpSpPr>
+          <p:grpSpPr>
+            <a:xfrm>
+              <a:off x="4758444" y="661884"/>
+              <a:ext cx="5166358" cy="5755233"/>
+              <a:chOff x="4758444" y="661884"/>
+              <a:chExt cx="5166358" cy="5755233"/>
+            </a:xfrm>
+          </p:grpSpPr>
+          <p:grpSp>
+            <p:nvGrpSpPr>
+              <p:cNvPr id="8203" name="Group 1"/>
+              <p:cNvGrpSpPr/>
+              <p:nvPr/>
+            </p:nvGrpSpPr>
+            <p:grpSpPr>
+              <a:xfrm>
+                <a:off x="4758444" y="661884"/>
+                <a:ext cx="5166358" cy="5755233"/>
+                <a:chOff x="4758444" y="661884"/>
+                <a:chExt cx="5166358" cy="5755233"/>
+              </a:xfrm>
+            </p:grpSpPr>
+            <p:sp>
+              <p:nvSpPr>
+                <p:cNvPr id="8204" name="TextBox 8203"/>
+                <p:cNvSpPr txBox="1"/>
+                <p:nvPr/>
+              </p:nvSpPr>
+              <p:spPr>
+                <a:xfrm>
+                  <a:off x="4758444" y="763472"/>
+                  <a:ext cx="5166358" cy="5653645"/>
+                </a:xfrm>
+                <a:prstGeom prst="rect">
+                  <a:avLst/>
+                </a:prstGeom>
+                <a:solidFill>
+                  <a:srgbClr val="C9DAF8"/>
+                </a:solidFill>
+                <a:ln w="12726" cap="flat" cmpd="sng" algn="ctr">
+                  <a:solidFill>
+                    <a:srgbClr val="31538F"/>
+                  </a:solidFill>
+                  <a:prstDash val="solid"/>
+                  <a:miter/>
+                </a:ln>
+              </p:spPr>
+              <p:txBody>
+                <a:bodyPr vert="horz" wrap="square" lIns="91424" tIns="45700" rIns="91424" bIns="45700" anchor="t">
+                  <a:noAutofit/>
+                </a:bodyPr>
+                <a:lstStyle/>
+                <a:p>
+                  <a:pPr marL="0" lvl="0" indent="0" algn="l" defTabSz="58846888" rtl="0" eaLnBrk="1" latinLnBrk="0" hangingPunct="1">
+                    <a:lnSpc>
+                      <a:spcPct val="100000"/>
+                    </a:lnSpc>
+                    <a:spcBef>
+                      <a:spcPct val="0"/>
+                    </a:spcBef>
+                    <a:spcAft>
+                      <a:spcPct val="0"/>
+                    </a:spcAft>
+                    <a:buNone/>
+                    <a:defRPr/>
+                  </a:pPr>
+                  <a:endParaRPr kumimoji="0" lang="ko-KR" altLang="en-US" sz="1500" b="1" i="0" baseline="0">
+                    <a:solidFill>
+                      <a:srgbClr val="000000">
+                        <a:alpha val="100000"/>
+                      </a:srgbClr>
+                    </a:solidFill>
+                    <a:latin typeface="Arial"/>
+                    <a:ea typeface="Arial"/>
+                    <a:sym typeface="Arial"/>
+                  </a:endParaRPr>
+                </a:p>
+                <a:p>
+                  <a:pPr marL="0" lvl="0" indent="0" algn="l" defTabSz="58846888" rtl="0" eaLnBrk="1" latinLnBrk="0" hangingPunct="1">
+                    <a:lnSpc>
+                      <a:spcPct val="100000"/>
+                    </a:lnSpc>
+                    <a:spcBef>
+                      <a:spcPct val="0"/>
+                    </a:spcBef>
+                    <a:spcAft>
+                      <a:spcPct val="0"/>
+                    </a:spcAft>
+                    <a:buNone/>
+                    <a:defRPr/>
+                  </a:pPr>
+                  <a:endParaRPr kumimoji="0" lang="ko-KR" altLang="en-US" sz="1500" b="1" i="0" baseline="0">
+                    <a:solidFill>
+                      <a:srgbClr val="000000">
+                        <a:alpha val="100000"/>
+                      </a:srgbClr>
+                    </a:solidFill>
+                    <a:latin typeface="Arial"/>
+                    <a:ea typeface="Arial"/>
+                    <a:sym typeface="Arial"/>
+                  </a:endParaRPr>
+                </a:p>
+                <a:p>
+                  <a:pPr marL="0" lvl="0" indent="0" algn="l" defTabSz="58846888" rtl="0" eaLnBrk="1" latinLnBrk="0" hangingPunct="1">
+                    <a:lnSpc>
+                      <a:spcPct val="100000"/>
+                    </a:lnSpc>
+                    <a:spcBef>
+                      <a:spcPct val="0"/>
+                    </a:spcBef>
+                    <a:spcAft>
+                      <a:spcPct val="0"/>
+                    </a:spcAft>
+                    <a:buNone/>
+                    <a:defRPr/>
+                  </a:pPr>
+                  <a:r>
+                    <a:rPr kumimoji="0" lang="ko-KR" altLang="en-US" sz="2000" b="1" i="0" baseline="0">
+                      <a:solidFill>
+                        <a:srgbClr val="000000">
+                          <a:alpha val="100000"/>
+                        </a:srgbClr>
+                      </a:solidFill>
+                      <a:latin typeface="Arial"/>
+                      <a:ea typeface="Arial"/>
+                      <a:sym typeface="Arial"/>
+                    </a:rPr>
+                    <a:t>ㅇ 일정 제목</a:t>
+                  </a:r>
+                </a:p>
+                <a:p>
+                  <a:pPr marL="0" lvl="0" indent="0" algn="l" defTabSz="58846888" rtl="0" eaLnBrk="1" latinLnBrk="0" hangingPunct="1">
+                    <a:lnSpc>
+                      <a:spcPct val="100000"/>
+                    </a:lnSpc>
+                    <a:spcBef>
+                      <a:spcPct val="0"/>
+                    </a:spcBef>
+                    <a:spcAft>
+                      <a:spcPct val="0"/>
+                    </a:spcAft>
+                    <a:buNone/>
+                    <a:defRPr/>
+                  </a:pPr>
+                  <a:endParaRPr kumimoji="0" lang="ko-KR" altLang="en-US" sz="1500" b="1" i="0" baseline="0">
+                    <a:solidFill>
+                      <a:srgbClr val="000000">
+                        <a:alpha val="100000"/>
+                      </a:srgbClr>
+                    </a:solidFill>
+                    <a:latin typeface="Arial"/>
+                    <a:ea typeface="Arial"/>
+                    <a:sym typeface="Arial"/>
+                  </a:endParaRPr>
+                </a:p>
+                <a:p>
+                  <a:pPr marL="0" lvl="0" indent="0" algn="l" defTabSz="58846888" rtl="0" eaLnBrk="1" latinLnBrk="0" hangingPunct="1">
+                    <a:lnSpc>
+                      <a:spcPct val="100000"/>
+                    </a:lnSpc>
+                    <a:spcBef>
+                      <a:spcPct val="0"/>
+                    </a:spcBef>
+                    <a:spcAft>
+                      <a:spcPct val="0"/>
+                    </a:spcAft>
+                    <a:buNone/>
+                    <a:defRPr/>
+                  </a:pPr>
+                  <a:r>
+                    <a:rPr kumimoji="0" lang="ko-KR" altLang="en-US" sz="1500" b="0" i="0" baseline="0">
+                      <a:solidFill>
+                        <a:srgbClr val="000000">
+                          <a:alpha val="100000"/>
+                        </a:srgbClr>
+                      </a:solidFill>
+                      <a:latin typeface="Arial"/>
+                      <a:ea typeface="Arial"/>
+                      <a:sym typeface="Arial"/>
+                    </a:rPr>
+                    <a:t>ㅇ 일정 세부 내용</a:t>
+                  </a:r>
+                </a:p>
+                <a:p>
+                  <a:pPr marL="0" lvl="0" indent="0" algn="l" defTabSz="58846888" rtl="0" eaLnBrk="1" latinLnBrk="0" hangingPunct="1">
+                    <a:lnSpc>
+                      <a:spcPct val="100000"/>
+                    </a:lnSpc>
+                    <a:spcBef>
+                      <a:spcPct val="0"/>
+                    </a:spcBef>
+                    <a:spcAft>
+                      <a:spcPct val="0"/>
+                    </a:spcAft>
+                    <a:buClr>
+                      <a:srgbClr val="000000">
+                        <a:alpha val="100000"/>
+                      </a:srgbClr>
+                    </a:buClr>
+                    <a:buSzPct val="25000"/>
+                    <a:buFont typeface="Arial"/>
+                    <a:buAutoNum type="arabicPeriod"/>
+                    <a:defRPr/>
+                  </a:pPr>
+                  <a:r>
+                    <a:rPr kumimoji="0" lang="ko-KR" altLang="en-US" sz="1500" b="0" i="0" baseline="0">
+                      <a:solidFill>
+                        <a:srgbClr val="000000">
+                          <a:alpha val="100000"/>
+                        </a:srgbClr>
+                      </a:solidFill>
+                      <a:latin typeface="Arial"/>
+                      <a:ea typeface="Arial"/>
+                      <a:sym typeface="Arial"/>
+                    </a:rPr>
+                    <a:t>……….</a:t>
+                  </a:r>
+                </a:p>
+                <a:p>
+                  <a:pPr marL="0" lvl="0" indent="0" algn="l" defTabSz="58846888" rtl="0" eaLnBrk="1" latinLnBrk="0" hangingPunct="1">
+                    <a:lnSpc>
+                      <a:spcPct val="100000"/>
+                    </a:lnSpc>
+                    <a:spcBef>
+                      <a:spcPct val="0"/>
+                    </a:spcBef>
+                    <a:spcAft>
+                      <a:spcPct val="0"/>
+                    </a:spcAft>
+                    <a:buClr>
+                      <a:srgbClr val="000000">
+                        <a:alpha val="100000"/>
+                      </a:srgbClr>
+                    </a:buClr>
+                    <a:buSzPct val="25000"/>
+                    <a:buFont typeface="Arial"/>
+                    <a:buAutoNum type="arabicPeriod" startAt="2"/>
+                    <a:defRPr/>
+                  </a:pPr>
+                  <a:r>
+                    <a:rPr kumimoji="0" lang="ko-KR" altLang="en-US" sz="1500" b="0" i="0" baseline="0">
+                      <a:solidFill>
+                        <a:srgbClr val="000000">
+                          <a:alpha val="100000"/>
+                        </a:srgbClr>
+                      </a:solidFill>
+                      <a:latin typeface="Arial"/>
+                      <a:ea typeface="Arial"/>
+                      <a:sym typeface="Arial"/>
+                    </a:rPr>
+                    <a:t>……….</a:t>
+                  </a:r>
+                </a:p>
+                <a:p>
+                  <a:pPr marL="0" lvl="0" indent="0" algn="l" defTabSz="58846888" rtl="0" eaLnBrk="1" latinLnBrk="0" hangingPunct="1">
+                    <a:lnSpc>
+                      <a:spcPct val="100000"/>
+                    </a:lnSpc>
+                    <a:spcBef>
+                      <a:spcPct val="0"/>
+                    </a:spcBef>
+                    <a:spcAft>
+                      <a:spcPct val="0"/>
+                    </a:spcAft>
+                    <a:buClr>
+                      <a:srgbClr val="000000">
+                        <a:alpha val="100000"/>
+                      </a:srgbClr>
+                    </a:buClr>
+                    <a:buSzPct val="25000"/>
+                    <a:buFont typeface="Arial"/>
+                    <a:buAutoNum type="arabicPeriod" startAt="3"/>
+                    <a:defRPr/>
+                  </a:pPr>
+                  <a:r>
+                    <a:rPr kumimoji="0" lang="ko-KR" altLang="en-US" sz="1500" b="0" i="0" baseline="0">
+                      <a:solidFill>
+                        <a:srgbClr val="000000">
+                          <a:alpha val="100000"/>
+                        </a:srgbClr>
+                      </a:solidFill>
+                      <a:latin typeface="Arial"/>
+                      <a:ea typeface="Arial"/>
+                      <a:sym typeface="Arial"/>
+                    </a:rPr>
+                    <a:t>……….</a:t>
+                  </a:r>
+                </a:p>
+                <a:p>
+                  <a:pPr marL="0" lvl="0" indent="0" algn="l" defTabSz="58846888" rtl="0" eaLnBrk="1" latinLnBrk="0" hangingPunct="1">
+                    <a:lnSpc>
+                      <a:spcPct val="100000"/>
+                    </a:lnSpc>
+                    <a:spcBef>
+                      <a:spcPct val="0"/>
+                    </a:spcBef>
+                    <a:spcAft>
+                      <a:spcPct val="0"/>
+                    </a:spcAft>
+                    <a:buNone/>
+                    <a:defRPr/>
+                  </a:pPr>
+                  <a:endParaRPr kumimoji="0" lang="ko-KR" altLang="en-US" sz="3000" b="0" i="0">
+                    <a:solidFill>
+                      <a:srgbClr val="FFFFFF">
+                        <a:alpha val="100000"/>
+                      </a:srgbClr>
+                    </a:solidFill>
+                    <a:latin typeface="맑은 고딕"/>
+                    <a:ea typeface="맑은 고딕"/>
+                    <a:sym typeface="맑은 고딕"/>
+                  </a:endParaRPr>
+                </a:p>
+              </p:txBody>
+            </p:sp>
+            <p:sp>
+              <p:nvSpPr>
+                <p:cNvPr id="8205" name="TextBox 8204"/>
+                <p:cNvSpPr txBox="1"/>
+                <p:nvPr/>
+              </p:nvSpPr>
+              <p:spPr>
+                <a:xfrm>
+                  <a:off x="4758444" y="661884"/>
+                  <a:ext cx="5166358" cy="263458"/>
+                </a:xfrm>
+                <a:prstGeom prst="rect">
+                  <a:avLst/>
+                </a:prstGeom>
+                <a:solidFill>
+                  <a:srgbClr val="4472C4"/>
+                </a:solidFill>
+                <a:ln w="12726" cap="flat" cmpd="sng" algn="ctr">
+                  <a:solidFill>
+                    <a:srgbClr val="31538F"/>
+                  </a:solidFill>
+                  <a:prstDash val="solid"/>
+                  <a:miter/>
+                </a:ln>
+              </p:spPr>
+              <p:txBody>
+                <a:bodyPr vert="horz" wrap="square" lIns="91424" tIns="45700" rIns="91424" bIns="45700" anchor="ctr">
+                  <a:noAutofit/>
+                </a:bodyPr>
+                <a:lstStyle/>
+                <a:p>
+                  <a:pPr marL="0" lvl="0" indent="0" algn="l" defTabSz="58846888" rtl="0" eaLnBrk="1" latinLnBrk="0" hangingPunct="1">
+                    <a:lnSpc>
+                      <a:spcPct val="100000"/>
+                    </a:lnSpc>
+                    <a:spcBef>
+                      <a:spcPct val="0"/>
+                    </a:spcBef>
+                    <a:spcAft>
+                      <a:spcPct val="0"/>
+                    </a:spcAft>
+                    <a:buNone/>
+                    <a:defRPr/>
+                  </a:pPr>
+                  <a:r>
+                    <a:rPr kumimoji="1" lang="ko-KR" altLang="en-US" sz="1500" b="0" i="0" baseline="0">
+                      <a:solidFill>
+                        <a:srgbClr val="FFFFFF">
+                          <a:alpha val="100000"/>
+                        </a:srgbClr>
+                      </a:solidFill>
+                      <a:latin typeface="맑은 고딕"/>
+                      <a:ea typeface="맑은 고딕"/>
+                      <a:sym typeface="맑은 고딕"/>
+                    </a:rPr>
+                    <a:t>일정 세부내용(더보기)</a:t>
+                  </a:r>
+                  <a:endParaRPr kumimoji="1" lang="ko-KR" altLang="en-US" sz="1500" b="0" i="0">
+                    <a:solidFill>
+                      <a:srgbClr val="FFFFFF">
+                        <a:alpha val="100000"/>
+                      </a:srgbClr>
+                    </a:solidFill>
+                    <a:latin typeface="맑은 고딕"/>
+                    <a:ea typeface="맑은 고딕"/>
+                    <a:sym typeface="맑은 고딕"/>
+                  </a:endParaRPr>
+                </a:p>
+              </p:txBody>
+            </p:sp>
+          </p:grpSp>
+          <p:sp>
+            <p:nvSpPr>
+              <p:cNvPr id="8206" name="TextBox 8205"/>
+              <p:cNvSpPr txBox="1"/>
+              <p:nvPr/>
+            </p:nvSpPr>
+            <p:spPr>
+              <a:xfrm>
+                <a:off x="4758444" y="4352148"/>
+                <a:ext cx="5166358" cy="2042698"/>
+              </a:xfrm>
+              <a:prstGeom prst="rect">
+                <a:avLst/>
+              </a:prstGeom>
+              <a:solidFill>
+                <a:srgbClr val="4472C4"/>
+              </a:solidFill>
+              <a:ln w="12726" cap="flat" cmpd="sng" algn="ctr">
+                <a:solidFill>
+                  <a:srgbClr val="31538F"/>
+                </a:solidFill>
+                <a:prstDash val="solid"/>
+                <a:miter/>
+              </a:ln>
+            </p:spPr>
+            <p:txBody>
+              <a:bodyPr vert="horz" wrap="none" lIns="91440" tIns="45720" rIns="91440" bIns="45720" anchor="t">
+                <a:noAutofit/>
+              </a:bodyPr>
+              <a:lstStyle/>
+              <a:p>
+                <a:pPr marL="0" lvl="0" indent="0" algn="l" rtl="0" eaLnBrk="1" latinLnBrk="1" hangingPunct="1">
+                  <a:lnSpc>
+                    <a:spcPct val="100000"/>
+                  </a:lnSpc>
+                  <a:spcBef>
+                    <a:spcPct val="30000"/>
+                  </a:spcBef>
+                  <a:spcAft>
+                    <a:spcPct val="0"/>
+                  </a:spcAft>
+                  <a:buNone/>
+                  <a:defRPr/>
+                </a:pPr>
+                <a:endParaRPr kumimoji="1" lang="ko-KR" altLang="en-US" sz="1200" b="0" i="0" baseline="0">
+                  <a:solidFill>
+                    <a:schemeClr val="tx1"/>
+                  </a:solidFill>
+                  <a:latin typeface="Arial"/>
+                  <a:ea typeface="Arial"/>
+                </a:endParaRPr>
+              </a:p>
+            </p:txBody>
+          </p:sp>
+          <p:pic>
+            <p:nvPicPr>
+              <p:cNvPr id="8207" name="그림 8206"/>
+              <p:cNvPicPr>
+                <a:picLocks noChangeAspect="1"/>
+              </p:cNvPicPr>
+              <p:nvPr/>
+            </p:nvPicPr>
+            <p:blipFill rotWithShape="1">
+              <a:blip r:embed="rId4">
+                <a:lum/>
+              </a:blip>
+              <a:stretch>
+                <a:fillRect/>
+              </a:stretch>
+            </p:blipFill>
+            <p:spPr>
+              <a:xfrm>
+                <a:off x="4937785" y="5266383"/>
+                <a:ext cx="261895" cy="261895"/>
+              </a:xfrm>
+              <a:prstGeom prst="rect">
+                <a:avLst/>
+              </a:prstGeom>
+              <a:noFill/>
+              <a:ln w="9525" cap="flat" cmpd="sng" algn="ctr">
+                <a:noFill/>
+                <a:prstDash val="solid"/>
+                <a:round/>
+              </a:ln>
+            </p:spPr>
+          </p:pic>
+          <p:sp>
+            <p:nvSpPr>
+              <p:cNvPr id="8208" name="TextBox 8207"/>
+              <p:cNvSpPr txBox="1"/>
+              <p:nvPr/>
+            </p:nvSpPr>
+            <p:spPr>
+              <a:xfrm>
+                <a:off x="5294905" y="4461662"/>
+                <a:ext cx="3471236" cy="615834"/>
+              </a:xfrm>
+              <a:prstGeom prst="rect">
+                <a:avLst/>
+              </a:prstGeom>
+              <a:noFill/>
+              <a:ln w="9525" cap="flat" cmpd="sng" algn="ctr">
+                <a:noFill/>
+                <a:prstDash val="solid"/>
+                <a:round/>
+              </a:ln>
+            </p:spPr>
+            <p:txBody>
+              <a:bodyPr vert="horz" wrap="square" lIns="91424" tIns="91424" rIns="91424" bIns="91424" anchor="t">
+                <a:noAutofit/>
+              </a:bodyPr>
+              <a:lstStyle/>
+              <a:p>
+                <a:pPr marL="0" lvl="0" indent="0" algn="l" defTabSz="58846888" rtl="0" eaLnBrk="1" latinLnBrk="0" hangingPunct="1">
+                  <a:lnSpc>
+                    <a:spcPct val="100000"/>
+                  </a:lnSpc>
+                  <a:spcBef>
+                    <a:spcPct val="0"/>
+                  </a:spcBef>
+                  <a:spcAft>
+                    <a:spcPct val="0"/>
+                  </a:spcAft>
+                  <a:buNone/>
+                  <a:defRPr/>
+                </a:pPr>
+                <a:r>
+                  <a:rPr kumimoji="1" lang="ko-KR" altLang="en-US" sz="1400" b="0" i="0" baseline="0">
+                    <a:solidFill>
+                      <a:srgbClr val="FFFFFF">
+                        <a:alpha val="100000"/>
+                      </a:srgbClr>
+                    </a:solidFill>
+                    <a:latin typeface="맑은 고딕"/>
+                    <a:ea typeface="맑은 고딕"/>
+                    <a:sym typeface="맑은 고딕"/>
+                  </a:rPr>
+                  <a:t>사용자1</a:t>
+                </a:r>
+              </a:p>
+              <a:p>
+                <a:pPr marL="0" lvl="0" indent="0" algn="l" defTabSz="58846888" rtl="0" eaLnBrk="1" latinLnBrk="0" hangingPunct="1">
+                  <a:lnSpc>
+                    <a:spcPct val="100000"/>
+                  </a:lnSpc>
+                  <a:spcBef>
+                    <a:spcPct val="0"/>
+                  </a:spcBef>
+                  <a:spcAft>
+                    <a:spcPct val="0"/>
+                  </a:spcAft>
+                  <a:buNone/>
+                  <a:defRPr/>
+                </a:pPr>
+                <a:r>
+                  <a:rPr kumimoji="1" lang="ko-KR" altLang="en-US" sz="1400" b="0" i="0" baseline="0">
+                    <a:solidFill>
+                      <a:srgbClr val="FFFFFF">
+                        <a:alpha val="100000"/>
+                      </a:srgbClr>
+                    </a:solidFill>
+                    <a:latin typeface="맑은 고딕"/>
+                    <a:ea typeface="맑은 고딕"/>
+                    <a:sym typeface="맑은 고딕"/>
+                  </a:rPr>
+                  <a:t>코멘트 내용이 여기에 입력됩니다.</a:t>
+                </a:r>
+                <a:endParaRPr kumimoji="1" lang="ko-KR" altLang="en-US" sz="1400" b="0" i="0">
+                  <a:solidFill>
+                    <a:srgbClr val="FFFFFF">
+                      <a:alpha val="100000"/>
+                    </a:srgbClr>
+                  </a:solidFill>
+                  <a:latin typeface="맑은 고딕"/>
+                  <a:ea typeface="맑은 고딕"/>
+                  <a:sym typeface="맑은 고딕"/>
+                </a:endParaRPr>
+              </a:p>
+            </p:txBody>
+          </p:sp>
+          <p:sp>
+            <p:nvSpPr>
+              <p:cNvPr id="8212" name="TextBox 8211"/>
+              <p:cNvSpPr txBox="1"/>
+              <p:nvPr/>
+            </p:nvSpPr>
+            <p:spPr>
+              <a:xfrm>
+                <a:off x="5294905" y="5066389"/>
+                <a:ext cx="3471236" cy="604727"/>
+              </a:xfrm>
+              <a:prstGeom prst="rect">
+                <a:avLst/>
+              </a:prstGeom>
+              <a:noFill/>
+              <a:ln w="9525" cap="flat" cmpd="sng" algn="ctr">
+                <a:noFill/>
+                <a:prstDash val="solid"/>
+                <a:round/>
+              </a:ln>
+            </p:spPr>
+            <p:txBody>
+              <a:bodyPr vert="horz" wrap="square" lIns="91424" tIns="91424" rIns="91424" bIns="91424" anchor="t">
+                <a:noAutofit/>
+              </a:bodyPr>
+              <a:lstStyle/>
+              <a:p>
+                <a:pPr marL="0" lvl="0" indent="0" algn="l" defTabSz="58846888" rtl="0" eaLnBrk="1" latinLnBrk="0" hangingPunct="1">
+                  <a:lnSpc>
+                    <a:spcPct val="100000"/>
+                  </a:lnSpc>
+                  <a:spcBef>
+                    <a:spcPct val="0"/>
+                  </a:spcBef>
+                  <a:spcAft>
+                    <a:spcPct val="0"/>
+                  </a:spcAft>
+                  <a:buNone/>
+                  <a:defRPr/>
+                </a:pPr>
+                <a:r>
+                  <a:rPr kumimoji="1" lang="ko-KR" altLang="en-US" sz="1400" b="0" i="0" baseline="0">
+                    <a:solidFill>
+                      <a:srgbClr val="FFFFFF">
+                        <a:alpha val="100000"/>
+                      </a:srgbClr>
+                    </a:solidFill>
+                    <a:latin typeface="맑은 고딕"/>
+                    <a:ea typeface="맑은 고딕"/>
+                    <a:sym typeface="맑은 고딕"/>
+                  </a:rPr>
+                  <a:t>사용자2</a:t>
+                </a:r>
+              </a:p>
+              <a:p>
+                <a:pPr marL="0" lvl="0" indent="0" algn="l" defTabSz="58846888" rtl="0" eaLnBrk="1" latinLnBrk="0" hangingPunct="1">
+                  <a:lnSpc>
+                    <a:spcPct val="100000"/>
+                  </a:lnSpc>
+                  <a:spcBef>
+                    <a:spcPct val="0"/>
+                  </a:spcBef>
+                  <a:spcAft>
+                    <a:spcPct val="0"/>
+                  </a:spcAft>
+                  <a:buNone/>
+                  <a:defRPr/>
+                </a:pPr>
+                <a:r>
+                  <a:rPr kumimoji="1" lang="ko-KR" altLang="en-US" sz="1400" b="0" i="0" baseline="0">
+                    <a:solidFill>
+                      <a:srgbClr val="FFFFFF">
+                        <a:alpha val="100000"/>
+                      </a:srgbClr>
+                    </a:solidFill>
+                    <a:latin typeface="맑은 고딕"/>
+                    <a:ea typeface="맑은 고딕"/>
+                    <a:sym typeface="맑은 고딕"/>
+                  </a:rPr>
+                  <a:t>코멘트 내용이 여기에 입력됩니다.</a:t>
+                </a:r>
+                <a:endParaRPr kumimoji="1" lang="ko-KR" altLang="en-US" sz="1400" b="0" i="0">
+                  <a:solidFill>
+                    <a:srgbClr val="FFFFFF">
+                      <a:alpha val="100000"/>
+                    </a:srgbClr>
+                  </a:solidFill>
+                  <a:latin typeface="맑은 고딕"/>
+                  <a:ea typeface="맑은 고딕"/>
+                  <a:sym typeface="맑은 고딕"/>
+                </a:endParaRPr>
+              </a:p>
+            </p:txBody>
+          </p:sp>
+          <p:sp>
+            <p:nvSpPr>
+              <p:cNvPr id="8213" name="TextBox 8212"/>
+              <p:cNvSpPr txBox="1"/>
+              <p:nvPr/>
+            </p:nvSpPr>
+            <p:spPr>
+              <a:xfrm>
+                <a:off x="5294905" y="5728217"/>
+                <a:ext cx="3471236" cy="615834"/>
+              </a:xfrm>
+              <a:prstGeom prst="rect">
+                <a:avLst/>
+              </a:prstGeom>
+              <a:noFill/>
+              <a:ln w="9525" cap="flat" cmpd="sng" algn="ctr">
+                <a:noFill/>
+                <a:prstDash val="solid"/>
+                <a:round/>
+              </a:ln>
+            </p:spPr>
+            <p:txBody>
+              <a:bodyPr vert="horz" wrap="square" lIns="91424" tIns="91424" rIns="91424" bIns="91424" anchor="t">
+                <a:noAutofit/>
+              </a:bodyPr>
+              <a:lstStyle/>
+              <a:p>
+                <a:pPr marL="0" lvl="0" indent="0" algn="l" defTabSz="58846888" rtl="0" eaLnBrk="1" latinLnBrk="0" hangingPunct="1">
+                  <a:lnSpc>
+                    <a:spcPct val="100000"/>
+                  </a:lnSpc>
+                  <a:spcBef>
+                    <a:spcPct val="0"/>
+                  </a:spcBef>
+                  <a:spcAft>
+                    <a:spcPct val="0"/>
+                  </a:spcAft>
+                  <a:buNone/>
+                  <a:defRPr/>
+                </a:pPr>
+                <a:r>
+                  <a:rPr kumimoji="1" lang="ko-KR" altLang="en-US" sz="1400" b="0" i="0" baseline="0">
+                    <a:solidFill>
+                      <a:srgbClr val="FFFFFF">
+                        <a:alpha val="100000"/>
+                      </a:srgbClr>
+                    </a:solidFill>
+                    <a:latin typeface="맑은 고딕"/>
+                    <a:ea typeface="맑은 고딕"/>
+                    <a:sym typeface="맑은 고딕"/>
+                  </a:rPr>
+                  <a:t>사용자3</a:t>
+                </a:r>
+              </a:p>
+              <a:p>
+                <a:pPr marL="0" lvl="0" indent="0" algn="l" defTabSz="58846888" rtl="0" eaLnBrk="1" latinLnBrk="0" hangingPunct="1">
+                  <a:lnSpc>
+                    <a:spcPct val="100000"/>
+                  </a:lnSpc>
+                  <a:spcBef>
+                    <a:spcPct val="0"/>
+                  </a:spcBef>
+                  <a:spcAft>
+                    <a:spcPct val="0"/>
+                  </a:spcAft>
+                  <a:buNone/>
+                  <a:defRPr/>
+                </a:pPr>
+                <a:r>
+                  <a:rPr kumimoji="1" lang="ko-KR" altLang="en-US" sz="1400" b="0" i="0" baseline="0">
+                    <a:solidFill>
+                      <a:srgbClr val="FFFFFF">
+                        <a:alpha val="100000"/>
+                      </a:srgbClr>
+                    </a:solidFill>
+                    <a:latin typeface="맑은 고딕"/>
+                    <a:ea typeface="맑은 고딕"/>
+                    <a:sym typeface="맑은 고딕"/>
+                  </a:rPr>
+                  <a:t>코멘트 내용이 여기에 입력됩니다.</a:t>
+                </a:r>
+                <a:endParaRPr kumimoji="1" lang="ko-KR" altLang="en-US" sz="1400" b="0" i="0">
+                  <a:solidFill>
+                    <a:srgbClr val="FFFFFF">
+                      <a:alpha val="100000"/>
+                    </a:srgbClr>
+                  </a:solidFill>
+                  <a:latin typeface="맑은 고딕"/>
+                  <a:ea typeface="맑은 고딕"/>
+                  <a:sym typeface="맑은 고딕"/>
+                </a:endParaRPr>
+              </a:p>
+            </p:txBody>
+          </p:sp>
+        </p:grpSp>
+        <p:pic>
+          <p:nvPicPr>
+            <p:cNvPr id="8215" name="그림 8214"/>
+            <p:cNvPicPr>
+              <a:picLocks noChangeAspect="1"/>
+            </p:cNvPicPr>
+            <p:nvPr/>
+          </p:nvPicPr>
+          <p:blipFill rotWithShape="1">
+            <a:blip r:embed="rId4">
+              <a:lum/>
+            </a:blip>
+            <a:stretch>
+              <a:fillRect/>
+            </a:stretch>
+          </p:blipFill>
+          <p:spPr>
+            <a:xfrm>
+              <a:off x="4937785" y="4637822"/>
+              <a:ext cx="261895" cy="263458"/>
+            </a:xfrm>
+            <a:prstGeom prst="rect">
+              <a:avLst/>
+            </a:prstGeom>
+            <a:noFill/>
+            <a:ln w="9525" cap="flat" cmpd="sng" algn="ctr">
+              <a:noFill/>
+              <a:prstDash val="solid"/>
+              <a:round/>
+            </a:ln>
+          </p:spPr>
+        </p:pic>
+        <p:pic>
+          <p:nvPicPr>
+            <p:cNvPr id="8216" name="그림 8215"/>
+            <p:cNvPicPr>
+              <a:picLocks noChangeAspect="1"/>
+            </p:cNvPicPr>
+            <p:nvPr/>
+          </p:nvPicPr>
+          <p:blipFill rotWithShape="1">
+            <a:blip r:embed="rId4">
+              <a:lum/>
+            </a:blip>
+            <a:stretch>
+              <a:fillRect/>
+            </a:stretch>
+          </p:blipFill>
+          <p:spPr>
+            <a:xfrm>
+              <a:off x="4937785" y="5904433"/>
+              <a:ext cx="261895" cy="263458"/>
+            </a:xfrm>
+            <a:prstGeom prst="rect">
+              <a:avLst/>
+            </a:prstGeom>
+            <a:noFill/>
+            <a:ln w="9525" cap="flat" cmpd="sng" algn="ctr">
+              <a:noFill/>
+              <a:prstDash val="solid"/>
+              <a:round/>
+            </a:ln>
+          </p:spPr>
+        </p:pic>
+      </p:grpSp>
+      <p:pic>
+        <p:nvPicPr>
+          <p:cNvPr id="8217" name="그림 8216"/>
+          <p:cNvPicPr>
+            <a:picLocks noChangeAspect="1"/>
+          </p:cNvPicPr>
+          <p:nvPr/>
+        </p:nvPicPr>
+        <p:blipFill rotWithShape="1">
+          <a:blip r:embed="rId5">
+            <a:lum/>
+          </a:blip>
+          <a:stretch>
+            <a:fillRect/>
+          </a:stretch>
+        </p:blipFill>
+        <p:spPr>
+          <a:xfrm>
+            <a:off x="3787107" y="933269"/>
+            <a:ext cx="295218" cy="285729"/>
+          </a:xfrm>
+          <a:prstGeom prst="rect">
+            <a:avLst/>
+          </a:prstGeom>
+          <a:noFill/>
+          <a:ln w="9525" cap="flat" cmpd="sng" algn="ctr">
+            <a:noFill/>
+            <a:prstDash val="solid"/>
+            <a:round/>
+          </a:ln>
+        </p:spPr>
+      </p:pic>
+      <p:sp>
+        <p:nvSpPr>
+          <p:cNvPr id="22" name="TextBox 21">
+            <a:extLst>
+              <a:ext uri="{FF2B5EF4-FFF2-40B4-BE49-F238E27FC236}">
+                <a16:creationId xmlns:a16="http://schemas.microsoft.com/office/drawing/2014/main" id="{0A0C67D7-88B2-48D1-BA2B-FC781DD5E7D9}"/>
+              </a:ext>
+            </a:extLst>
+          </p:cNvPr>
+          <p:cNvSpPr txBox="1"/>
+          <p:nvPr/>
+        </p:nvSpPr>
+        <p:spPr>
+          <a:xfrm>
+            <a:off x="256966" y="753927"/>
+            <a:ext cx="2091250" cy="369332"/>
+          </a:xfrm>
+          <a:prstGeom prst="rect">
+            <a:avLst/>
+          </a:prstGeom>
+          <a:solidFill>
+            <a:schemeClr val="accent2">
+              <a:lumMod val="40000"/>
+              <a:lumOff val="60000"/>
+            </a:schemeClr>
+          </a:solidFill>
+          <a:ln w="19050">
+            <a:solidFill>
+              <a:schemeClr val="accent2">
+                <a:lumMod val="75000"/>
+              </a:schemeClr>
+            </a:solidFill>
+          </a:ln>
+        </p:spPr>
+        <p:txBody>
+          <a:bodyPr wrap="square" rtlCol="0">
+            <a:spAutoFit/>
+          </a:bodyPr>
+          <a:lstStyle/>
+          <a:p>
+            <a:r>
+              <a:rPr lang="en-US" altLang="ko-KR" dirty="0">
+                <a:latin typeface="맑은 고딕" panose="020B0503020000020004" pitchFamily="50" charset="-127"/>
+                <a:ea typeface="맑은 고딕" panose="020B0503020000020004" pitchFamily="50" charset="-127"/>
+              </a:rPr>
+              <a:t>[</a:t>
+            </a:r>
+            <a:r>
+              <a:rPr lang="ko-KR" altLang="en-US" dirty="0">
+                <a:latin typeface="맑은 고딕" panose="020B0503020000020004" pitchFamily="50" charset="-127"/>
+                <a:ea typeface="맑은 고딕" panose="020B0503020000020004" pitchFamily="50" charset="-127"/>
+              </a:rPr>
+              <a:t>코멘트</a:t>
+            </a:r>
+            <a:r>
+              <a:rPr lang="en-US" altLang="ko-KR" dirty="0">
+                <a:latin typeface="맑은 고딕" panose="020B0503020000020004" pitchFamily="50" charset="-127"/>
+                <a:ea typeface="맑은 고딕" panose="020B0503020000020004" pitchFamily="50" charset="-127"/>
+              </a:rPr>
+              <a:t> </a:t>
+            </a:r>
+            <a:r>
+              <a:rPr lang="ko-KR" altLang="en-US" dirty="0">
+                <a:latin typeface="맑은 고딕" panose="020B0503020000020004" pitchFamily="50" charset="-127"/>
+                <a:ea typeface="맑은 고딕" panose="020B0503020000020004" pitchFamily="50" charset="-127"/>
+              </a:rPr>
+              <a:t>구상 예시</a:t>
+            </a:r>
+            <a:r>
+              <a:rPr lang="en-US" altLang="ko-KR" dirty="0">
+                <a:latin typeface="맑은 고딕" panose="020B0503020000020004" pitchFamily="50" charset="-127"/>
+                <a:ea typeface="맑은 고딕" panose="020B0503020000020004" pitchFamily="50" charset="-127"/>
+              </a:rPr>
+              <a:t>]</a:t>
+            </a:r>
+          </a:p>
+        </p:txBody>
+      </p:sp>
+      <p:sp>
+        <p:nvSpPr>
+          <p:cNvPr id="3" name="직사각형 2">
+            <a:extLst>
+              <a:ext uri="{FF2B5EF4-FFF2-40B4-BE49-F238E27FC236}">
+                <a16:creationId xmlns:a16="http://schemas.microsoft.com/office/drawing/2014/main" id="{F5ED5E50-C896-4F5F-8B54-4F3305E4B5A0}"/>
+              </a:ext>
+            </a:extLst>
+          </p:cNvPr>
+          <p:cNvSpPr/>
+          <p:nvPr/>
+        </p:nvSpPr>
+        <p:spPr>
+          <a:xfrm>
+            <a:off x="4756936" y="3859574"/>
+            <a:ext cx="5166358" cy="492574"/>
+          </a:xfrm>
+          <a:prstGeom prst="rect">
+            <a:avLst/>
+          </a:prstGeom>
+        </p:spPr>
+        <p:style>
+          <a:lnRef idx="2">
+            <a:schemeClr val="accent1">
+              <a:shade val="20000"/>
+            </a:schemeClr>
+          </a:lnRef>
+          <a:fillRef idx="1">
+            <a:schemeClr val="accent1"/>
+          </a:fillRef>
+          <a:effectRef idx="0">
+            <a:schemeClr val="accent1"/>
+          </a:effectRef>
+          <a:fontRef idx="minor">
+            <a:schemeClr val="lt1"/>
+          </a:fontRef>
+        </p:style>
+        <p:txBody>
+          <a:bodyPr rtlCol="0" anchor="ctr"/>
+          <a:lstStyle/>
+          <a:p>
+            <a:pPr algn="ctr"/>
+            <a:endParaRPr lang="ko-KR" altLang="en-US"/>
+          </a:p>
+        </p:txBody>
+      </p:sp>
+      <p:sp>
+        <p:nvSpPr>
+          <p:cNvPr id="25" name="직사각형 24">
+            <a:extLst>
+              <a:ext uri="{FF2B5EF4-FFF2-40B4-BE49-F238E27FC236}">
+                <a16:creationId xmlns:a16="http://schemas.microsoft.com/office/drawing/2014/main" id="{B4786FDF-16F3-4766-B05A-B2ACA69A81BC}"/>
+              </a:ext>
+            </a:extLst>
+          </p:cNvPr>
+          <p:cNvSpPr/>
+          <p:nvPr/>
+        </p:nvSpPr>
+        <p:spPr>
+          <a:xfrm>
+            <a:off x="8974699" y="3859574"/>
+            <a:ext cx="948595" cy="492574"/>
+          </a:xfrm>
+          <a:prstGeom prst="rect">
+            <a:avLst/>
+          </a:prstGeom>
+        </p:spPr>
+        <p:style>
+          <a:lnRef idx="2">
+            <a:schemeClr val="accent1">
+              <a:shade val="20000"/>
+            </a:schemeClr>
+          </a:lnRef>
+          <a:fillRef idx="1">
+            <a:schemeClr val="accent1"/>
+          </a:fillRef>
+          <a:effectRef idx="0">
+            <a:schemeClr val="accent1"/>
+          </a:effectRef>
+          <a:fontRef idx="minor">
+            <a:schemeClr val="lt1"/>
+          </a:fontRef>
+        </p:style>
+        <p:txBody>
+          <a:bodyPr rtlCol="0" anchor="ctr"/>
+          <a:lstStyle/>
+          <a:p>
+            <a:pPr algn="ctr"/>
+            <a:r>
+              <a:rPr lang="ko-KR" altLang="en-US" dirty="0"/>
+              <a:t>등록</a:t>
+            </a:r>
+          </a:p>
+        </p:txBody>
+      </p:sp>
+      <p:sp>
+        <p:nvSpPr>
+          <p:cNvPr id="26" name="직사각형 25">
+            <a:extLst>
+              <a:ext uri="{FF2B5EF4-FFF2-40B4-BE49-F238E27FC236}">
+                <a16:creationId xmlns:a16="http://schemas.microsoft.com/office/drawing/2014/main" id="{C54B60E9-220D-460A-B7EA-954634520200}"/>
+              </a:ext>
+            </a:extLst>
+          </p:cNvPr>
+          <p:cNvSpPr/>
+          <p:nvPr/>
+        </p:nvSpPr>
+        <p:spPr>
+          <a:xfrm>
+            <a:off x="4798641" y="3931601"/>
+            <a:ext cx="4176058" cy="341117"/>
+          </a:xfrm>
+          <a:prstGeom prst="rect">
+            <a:avLst/>
+          </a:prstGeom>
+          <a:solidFill>
+            <a:schemeClr val="bg1"/>
+          </a:solidFill>
+        </p:spPr>
+        <p:style>
+          <a:lnRef idx="2">
+            <a:schemeClr val="accent1">
+              <a:shade val="20000"/>
+            </a:schemeClr>
+          </a:lnRef>
+          <a:fillRef idx="1">
+            <a:schemeClr val="accent1"/>
+          </a:fillRef>
+          <a:effectRef idx="0">
+            <a:schemeClr val="accent1"/>
+          </a:effectRef>
+          <a:fontRef idx="minor">
+            <a:schemeClr val="lt1"/>
+          </a:fontRef>
+        </p:style>
+        <p:txBody>
+          <a:bodyPr rtlCol="0" anchor="ctr"/>
+          <a:lstStyle/>
+          <a:p>
+            <a:r>
+              <a:rPr lang="ko-KR" altLang="en-US" dirty="0">
+                <a:solidFill>
+                  <a:schemeClr val="tx1">
+                    <a:lumMod val="65000"/>
+                    <a:lumOff val="35000"/>
+                  </a:schemeClr>
+                </a:solidFill>
+                <a:latin typeface="맑은 고딕" panose="020B0503020000020004" pitchFamily="50" charset="-127"/>
+                <a:ea typeface="맑은 고딕" panose="020B0503020000020004" pitchFamily="50" charset="-127"/>
+              </a:rPr>
+              <a:t>코멘트를 입력해주세요</a:t>
+            </a:r>
+            <a:r>
+              <a:rPr lang="en-US" altLang="ko-KR" dirty="0">
+                <a:solidFill>
+                  <a:schemeClr val="tx1">
+                    <a:lumMod val="65000"/>
+                    <a:lumOff val="35000"/>
+                  </a:schemeClr>
+                </a:solidFill>
+                <a:latin typeface="맑은 고딕" panose="020B0503020000020004" pitchFamily="50" charset="-127"/>
+                <a:ea typeface="맑은 고딕" panose="020B0503020000020004" pitchFamily="50" charset="-127"/>
+              </a:rPr>
+              <a:t>…</a:t>
+            </a:r>
+            <a:endParaRPr lang="ko-KR" altLang="en-US" dirty="0">
+              <a:solidFill>
+                <a:schemeClr val="tx1">
+                  <a:lumMod val="65000"/>
+                  <a:lumOff val="35000"/>
+                </a:schemeClr>
+              </a:solidFill>
+              <a:latin typeface="맑은 고딕" panose="020B0503020000020004" pitchFamily="50" charset="-127"/>
+              <a:ea typeface="맑은 고딕" panose="020B0503020000020004" pitchFamily="50" charset="-127"/>
+            </a:endParaRPr>
+          </a:p>
+        </p:txBody>
+      </p:sp>
+      <p:pic>
+        <p:nvPicPr>
+          <p:cNvPr id="6" name="그림 5">
+            <a:extLst>
+              <a:ext uri="{FF2B5EF4-FFF2-40B4-BE49-F238E27FC236}">
+                <a16:creationId xmlns:a16="http://schemas.microsoft.com/office/drawing/2014/main" id="{BB2C9EA4-F5DC-4D5C-A35D-F962BF298720}"/>
+              </a:ext>
+            </a:extLst>
+          </p:cNvPr>
+          <p:cNvPicPr>
+            <a:picLocks noChangeAspect="1"/>
+          </p:cNvPicPr>
+          <p:nvPr/>
+        </p:nvPicPr>
+        <p:blipFill>
+          <a:blip r:embed="rId6" cstate="print">
+            <a:extLst>
+              <a:ext uri="{28A0092B-C50C-407E-A947-70E740481C1C}">
+                <a14:useLocalDpi xmlns:a14="http://schemas.microsoft.com/office/drawing/2010/main" val="0"/>
+              </a:ext>
+            </a:extLst>
+          </a:blip>
+          <a:stretch>
+            <a:fillRect/>
+          </a:stretch>
+        </p:blipFill>
+        <p:spPr>
+          <a:xfrm flipH="1">
+            <a:off x="9564514" y="5372036"/>
+            <a:ext cx="216186" cy="216186"/>
+          </a:xfrm>
+          <a:prstGeom prst="rect">
+            <a:avLst/>
+          </a:prstGeom>
+        </p:spPr>
+      </p:pic>
+      <p:sp>
+        <p:nvSpPr>
+          <p:cNvPr id="21" name="TextBox 20">
+            <a:extLst>
+              <a:ext uri="{FF2B5EF4-FFF2-40B4-BE49-F238E27FC236}">
+                <a16:creationId xmlns:a16="http://schemas.microsoft.com/office/drawing/2014/main" id="{B894575D-8154-4DB8-B4D3-424E1D833092}"/>
+              </a:ext>
+            </a:extLst>
+          </p:cNvPr>
+          <p:cNvSpPr txBox="1"/>
+          <p:nvPr/>
+        </p:nvSpPr>
+        <p:spPr>
+          <a:xfrm>
+            <a:off x="8530049" y="4479418"/>
+            <a:ext cx="2245326" cy="646331"/>
+          </a:xfrm>
+          <a:prstGeom prst="rect">
+            <a:avLst/>
+          </a:prstGeom>
+          <a:solidFill>
+            <a:schemeClr val="accent2">
+              <a:lumMod val="40000"/>
+              <a:lumOff val="60000"/>
+            </a:schemeClr>
+          </a:solidFill>
+          <a:ln w="19050">
+            <a:solidFill>
+              <a:schemeClr val="accent2">
+                <a:lumMod val="75000"/>
+              </a:schemeClr>
+            </a:solidFill>
+          </a:ln>
+        </p:spPr>
+        <p:txBody>
+          <a:bodyPr wrap="square" rtlCol="0">
+            <a:spAutoFit/>
+          </a:bodyPr>
+          <a:lstStyle/>
+          <a:p>
+            <a:r>
+              <a:rPr lang="ko-KR" altLang="en-US" dirty="0">
+                <a:latin typeface="맑은 고딕" panose="020B0503020000020004" pitchFamily="50" charset="-127"/>
+                <a:ea typeface="맑은 고딕" panose="020B0503020000020004" pitchFamily="50" charset="-127"/>
+              </a:rPr>
+              <a:t>자기 코멘트 옆에는 </a:t>
+            </a:r>
+            <a:br>
+              <a:rPr lang="en-US" altLang="ko-KR" dirty="0">
+                <a:latin typeface="맑은 고딕" panose="020B0503020000020004" pitchFamily="50" charset="-127"/>
+                <a:ea typeface="맑은 고딕" panose="020B0503020000020004" pitchFamily="50" charset="-127"/>
+              </a:rPr>
+            </a:br>
+            <a:r>
+              <a:rPr lang="ko-KR" altLang="en-US" dirty="0">
+                <a:latin typeface="맑은 고딕" panose="020B0503020000020004" pitchFamily="50" charset="-127"/>
+                <a:ea typeface="맑은 고딕" panose="020B0503020000020004" pitchFamily="50" charset="-127"/>
+              </a:rPr>
+              <a:t>삭제 버튼 출현</a:t>
+            </a:r>
+            <a:r>
+              <a:rPr lang="en-US" altLang="ko-KR" dirty="0">
+                <a:latin typeface="맑은 고딕" panose="020B0503020000020004" pitchFamily="50" charset="-127"/>
+                <a:ea typeface="맑은 고딕" panose="020B0503020000020004" pitchFamily="50" charset="-127"/>
+              </a:rPr>
+              <a:t>.</a:t>
+            </a:r>
+          </a:p>
+        </p:txBody>
+      </p:sp>
+    </p:spTree>
+    <p:extLst>
+      <p:ext uri="{BB962C8B-B14F-4D97-AF65-F5344CB8AC3E}">
+        <p14:creationId xmlns:p14="http://schemas.microsoft.com/office/powerpoint/2010/main" val="1245557064"/>
+      </p:ext>
+    </p:extLst>
+  </p:cSld>
+  <p:clrMapOvr>
+    <a:masterClrMapping/>
+  </p:clrMapOvr>
+  <mc:AlternateContent xmlns:mc="http://schemas.openxmlformats.org/markup-compatibility/2006" xmlns:p14="http://schemas.microsoft.com/office/powerpoint/2010/main">
+    <mc:Choice Requires="p14">
+      <p:transition/>
+    </mc:Choice>
+    <mc:Fallback xmlns="" xmlns:c="http://schemas.openxmlformats.org/drawingml/2006/chart" xmlns:dgm="http://schemas.openxmlformats.org/drawingml/2006/diagram" xmlns:dsp="http://schemas.microsoft.com/office/drawing/2008/diagram">
+      <p:transition/>
+    </mc:Fallback>
+  </mc:AlternateContent>
+</p:sld>
+</file>
+
+<file path=ppt/slides/slide9.xml><?xml version="1.0" encoding="utf-8"?>
 <p:sld xmlns:a="http://schemas.openxmlformats.org/drawingml/2006/main" xmlns:r="http://schemas.openxmlformats.org/officeDocument/2006/relationships" xmlns:p="http://schemas.openxmlformats.org/presentationml/2006/main">
   <p:cSld>
     <p:spTree>
@@ -14954,6 +18403,114 @@
           </a:ln>
         </p:spPr>
       </p:pic>
+      <p:pic>
+        <p:nvPicPr>
+          <p:cNvPr id="11" name="그림 10">
+            <a:extLst>
+              <a:ext uri="{FF2B5EF4-FFF2-40B4-BE49-F238E27FC236}">
+                <a16:creationId xmlns:a16="http://schemas.microsoft.com/office/drawing/2014/main" id="{E2E78728-110F-4CD9-8D88-9DF87C4F1E5B}"/>
+              </a:ext>
+            </a:extLst>
+          </p:cNvPr>
+          <p:cNvPicPr>
+            <a:picLocks noChangeAspect="1"/>
+          </p:cNvPicPr>
+          <p:nvPr/>
+        </p:nvPicPr>
+        <p:blipFill>
+          <a:blip r:embed="rId7" cstate="print">
+            <a:extLst>
+              <a:ext uri="{28A0092B-C50C-407E-A947-70E740481C1C}">
+                <a14:useLocalDpi xmlns:a14="http://schemas.microsoft.com/office/drawing/2010/main" val="0"/>
+              </a:ext>
+            </a:extLst>
+          </a:blip>
+          <a:stretch>
+            <a:fillRect/>
+          </a:stretch>
+        </p:blipFill>
+        <p:spPr>
+          <a:xfrm>
+            <a:off x="1703782" y="3937926"/>
+            <a:ext cx="1146107" cy="1146107"/>
+          </a:xfrm>
+          <a:prstGeom prst="rect">
+            <a:avLst/>
+          </a:prstGeom>
+        </p:spPr>
+      </p:pic>
+      <p:pic>
+        <p:nvPicPr>
+          <p:cNvPr id="12" name="그림 11">
+            <a:extLst>
+              <a:ext uri="{FF2B5EF4-FFF2-40B4-BE49-F238E27FC236}">
+                <a16:creationId xmlns:a16="http://schemas.microsoft.com/office/drawing/2014/main" id="{CF88A35F-15F6-42F5-AC93-5E204E2B14CC}"/>
+              </a:ext>
+            </a:extLst>
+          </p:cNvPr>
+          <p:cNvPicPr>
+            <a:picLocks noChangeAspect="1"/>
+          </p:cNvPicPr>
+          <p:nvPr/>
+        </p:nvPicPr>
+        <p:blipFill>
+          <a:blip r:embed="rId8" cstate="print">
+            <a:extLst>
+              <a:ext uri="{28A0092B-C50C-407E-A947-70E740481C1C}">
+                <a14:useLocalDpi xmlns:a14="http://schemas.microsoft.com/office/drawing/2010/main" val="0"/>
+              </a:ext>
+            </a:extLst>
+          </a:blip>
+          <a:stretch>
+            <a:fillRect/>
+          </a:stretch>
+        </p:blipFill>
+        <p:spPr>
+          <a:xfrm>
+            <a:off x="3085449" y="3969793"/>
+            <a:ext cx="1146107" cy="1146107"/>
+          </a:xfrm>
+          <a:prstGeom prst="rect">
+            <a:avLst/>
+          </a:prstGeom>
+        </p:spPr>
+      </p:pic>
+      <p:pic>
+        <p:nvPicPr>
+          <p:cNvPr id="3" name="그림 2">
+            <a:extLst>
+              <a:ext uri="{FF2B5EF4-FFF2-40B4-BE49-F238E27FC236}">
+                <a16:creationId xmlns:a16="http://schemas.microsoft.com/office/drawing/2014/main" id="{E8C3C21D-6C96-45D0-9947-D977C62D9F11}"/>
+              </a:ext>
+            </a:extLst>
+          </p:cNvPr>
+          <p:cNvPicPr>
+            <a:picLocks noChangeAspect="1"/>
+          </p:cNvPicPr>
+          <p:nvPr/>
+        </p:nvPicPr>
+        <p:blipFill>
+          <a:blip r:embed="rId9" cstate="print">
+            <a:extLst>
+              <a:ext uri="{28A0092B-C50C-407E-A947-70E740481C1C}">
+                <a14:useLocalDpi xmlns:a14="http://schemas.microsoft.com/office/drawing/2010/main" val="0"/>
+              </a:ext>
+            </a:extLst>
+          </a:blip>
+          <a:stretch>
+            <a:fillRect/>
+          </a:stretch>
+        </p:blipFill>
+        <p:spPr>
+          <a:xfrm>
+            <a:off x="4392371" y="3712393"/>
+            <a:ext cx="1146107" cy="1146107"/>
+          </a:xfrm>
+          <a:prstGeom prst="rect">
+            <a:avLst/>
+          </a:prstGeom>
+        </p:spPr>
+      </p:pic>
     </p:spTree>
   </p:cSld>
   <p:clrMapOvr>
@@ -14963,7 +18520,7 @@
     <mc:Choice Requires="p14">
       <p:transition/>
     </mc:Choice>
-    <mc:Fallback xmlns:dsp="http://schemas.microsoft.com/office/drawing/2008/diagram" xmlns:dgm="http://schemas.openxmlformats.org/drawingml/2006/diagram" xmlns:c="http://schemas.openxmlformats.org/drawingml/2006/chart" xmlns="">
+    <mc:Fallback xmlns="" xmlns:c="http://schemas.openxmlformats.org/drawingml/2006/chart" xmlns:dgm="http://schemas.openxmlformats.org/drawingml/2006/diagram" xmlns:dsp="http://schemas.microsoft.com/office/drawing/2008/diagram">
       <p:transition/>
     </mc:Fallback>
   </mc:AlternateContent>
